--- a/powerpoint/05_IntelliJ IDEA.pptx
+++ b/powerpoint/05_IntelliJ IDEA.pptx
@@ -219,7 +219,7 @@
           <a:p>
             <a:fld id="{B01E94BF-979C-4102-B9D3-90D188A7B1D8}" type="datetimeFigureOut">
               <a:rPr lang="zh-TW" altLang="en-US" smtClean="0"/>
-              <a:t>2024/7/12</a:t>
+              <a:t>2024/7/30</a:t>
             </a:fld>
             <a:endParaRPr lang="zh-TW" altLang="en-US"/>
           </a:p>
@@ -16132,75 +16132,183 @@
           </a:p>
           <a:p>
             <a:r>
-              <a:rPr lang="zh-TW" altLang="en-US"/>
+              <a:rPr lang="zh-TW" altLang="en-US">
+                <a:solidFill>
+                  <a:srgbClr val="00B0F0"/>
+                </a:solidFill>
+              </a:rPr>
               <a:t>恢復</a:t>
             </a:r>
             <a:r>
-              <a:rPr lang="en-US" altLang="zh-TW"/>
+              <a:rPr lang="en-US" altLang="zh-TW">
+                <a:solidFill>
+                  <a:srgbClr val="00B0F0"/>
+                </a:solidFill>
+              </a:rPr>
               <a:t>(resume)</a:t>
-            </a:r>
-            <a:r>
-              <a:rPr lang="zh-TW" altLang="en-US"/>
-              <a:t>、步過</a:t>
-            </a:r>
-            <a:r>
-              <a:rPr lang="en-US" altLang="zh-TW"/>
-              <a:t>(step over)</a:t>
             </a:r>
             <a:r>
               <a:rPr lang="zh-TW" altLang="en-US"/>
               <a:t>、</a:t>
             </a:r>
+            <a:r>
+              <a:rPr lang="zh-TW" altLang="en-US">
+                <a:solidFill>
+                  <a:srgbClr val="00B0F0"/>
+                </a:solidFill>
+              </a:rPr>
+              <a:t>步過</a:t>
+            </a:r>
+            <a:r>
+              <a:rPr lang="en-US" altLang="zh-TW">
+                <a:solidFill>
+                  <a:srgbClr val="00B0F0"/>
+                </a:solidFill>
+              </a:rPr>
+              <a:t>(step over)</a:t>
+            </a:r>
+            <a:r>
+              <a:rPr lang="zh-TW" altLang="en-US"/>
+              <a:t>、</a:t>
+            </a:r>
             <a:endParaRPr lang="en-US" altLang="zh-TW"/>
           </a:p>
           <a:p>
             <a:r>
+              <a:rPr lang="zh-TW" altLang="en-US">
+                <a:solidFill>
+                  <a:srgbClr val="00B0F0"/>
+                </a:solidFill>
+              </a:rPr>
+              <a:t>步入</a:t>
+            </a:r>
+            <a:r>
+              <a:rPr lang="en-US" altLang="zh-TW">
+                <a:solidFill>
+                  <a:srgbClr val="00B0F0"/>
+                </a:solidFill>
+              </a:rPr>
+              <a:t>(step in)</a:t>
+            </a:r>
+            <a:r>
               <a:rPr lang="zh-TW" altLang="en-US"/>
+              <a:t>、</a:t>
+            </a:r>
+            <a:r>
+              <a:rPr lang="zh-TW" altLang="en-US">
+                <a:solidFill>
+                  <a:srgbClr val="00B0F0"/>
+                </a:solidFill>
+              </a:rPr>
+              <a:t>步出</a:t>
+            </a:r>
+            <a:r>
+              <a:rPr lang="en-US" altLang="zh-TW">
+                <a:solidFill>
+                  <a:srgbClr val="00B0F0"/>
+                </a:solidFill>
+              </a:rPr>
+              <a:t>(step out)</a:t>
+            </a:r>
+            <a:r>
+              <a:rPr lang="zh-TW" altLang="en-US"/>
+              <a:t>等</a:t>
+            </a:r>
+            <a:endParaRPr lang="en-US" altLang="zh-TW"/>
+          </a:p>
+          <a:p>
+            <a:r>
+              <a:rPr lang="zh-TW" altLang="en-US">
+                <a:solidFill>
+                  <a:srgbClr val="00B0F0"/>
+                </a:solidFill>
+              </a:rPr>
+              <a:t>恢復</a:t>
+            </a:r>
+            <a:r>
+              <a:rPr lang="zh-TW" altLang="en-US"/>
+              <a:t>就是程式</a:t>
+            </a:r>
+            <a:r>
+              <a:rPr lang="zh-TW" altLang="en-US">
+                <a:solidFill>
+                  <a:srgbClr val="FFC000"/>
+                </a:solidFill>
+              </a:rPr>
+              <a:t>繼續執行</a:t>
+            </a:r>
+            <a:endParaRPr lang="en-US" altLang="zh-TW">
+              <a:solidFill>
+                <a:srgbClr val="FFC000"/>
+              </a:solidFill>
+            </a:endParaRPr>
+          </a:p>
+          <a:p>
+            <a:r>
+              <a:rPr lang="zh-TW" altLang="en-US">
+                <a:solidFill>
+                  <a:srgbClr val="00B0F0"/>
+                </a:solidFill>
+              </a:rPr>
+              <a:t>步過</a:t>
+            </a:r>
+            <a:r>
+              <a:rPr lang="zh-TW" altLang="en-US"/>
+              <a:t>就是</a:t>
+            </a:r>
+            <a:r>
+              <a:rPr lang="zh-TW" altLang="en-US">
+                <a:solidFill>
+                  <a:srgbClr val="FFC000"/>
+                </a:solidFill>
+              </a:rPr>
+              <a:t>執行該行，然後繼續暫停</a:t>
+            </a:r>
+            <a:endParaRPr lang="en-US" altLang="zh-TW">
+              <a:solidFill>
+                <a:srgbClr val="FFC000"/>
+              </a:solidFill>
+            </a:endParaRPr>
+          </a:p>
+          <a:p>
+            <a:r>
+              <a:rPr lang="zh-TW" altLang="en-US">
+                <a:solidFill>
+                  <a:srgbClr val="00B0F0"/>
+                </a:solidFill>
+              </a:rPr>
               <a:t>步入</a:t>
             </a:r>
             <a:r>
-              <a:rPr lang="en-US" altLang="zh-TW"/>
-              <a:t>(step in)</a:t>
-            </a:r>
-            <a:r>
               <a:rPr lang="zh-TW" altLang="en-US"/>
-              <a:t>、步出</a:t>
-            </a:r>
-            <a:r>
-              <a:rPr lang="en-US" altLang="zh-TW"/>
-              <a:t>(step out)</a:t>
+              <a:t>與</a:t>
+            </a:r>
+            <a:r>
+              <a:rPr lang="zh-TW" altLang="en-US">
+                <a:solidFill>
+                  <a:srgbClr val="00B0F0"/>
+                </a:solidFill>
+              </a:rPr>
+              <a:t>步出</a:t>
             </a:r>
             <a:r>
               <a:rPr lang="zh-TW" altLang="en-US"/>
-              <a:t> 等</a:t>
+              <a:t>在更複雜的程式碼才能體現效果，之後會介紹</a:t>
             </a:r>
             <a:endParaRPr lang="en-US" altLang="zh-TW"/>
           </a:p>
           <a:p>
             <a:r>
               <a:rPr lang="zh-TW" altLang="en-US"/>
-              <a:t>恢復就是程式繼續執行</a:t>
-            </a:r>
-            <a:endParaRPr lang="en-US" altLang="zh-TW"/>
-          </a:p>
-          <a:p>
-            <a:r>
-              <a:rPr lang="zh-TW" altLang="en-US"/>
-              <a:t>步過就是執行該行，然後繼續暫停</a:t>
-            </a:r>
-            <a:endParaRPr lang="en-US" altLang="zh-TW"/>
-          </a:p>
-          <a:p>
-            <a:r>
-              <a:rPr lang="zh-TW" altLang="en-US"/>
-              <a:t>步入與步出在更複雜的程式碼才能體現效果，之後會介紹</a:t>
-            </a:r>
-            <a:endParaRPr lang="en-US" altLang="zh-TW"/>
-          </a:p>
-          <a:p>
-            <a:r>
-              <a:rPr lang="zh-TW" altLang="en-US"/>
-              <a:t>另外，還可以暫時忽略所有斷點</a:t>
+              <a:t>另外，還可以暫時</a:t>
+            </a:r>
+            <a:r>
+              <a:rPr lang="zh-TW" altLang="en-US">
+                <a:solidFill>
+                  <a:srgbClr val="FFC000"/>
+                </a:solidFill>
+              </a:rPr>
+              <a:t>忽略所有斷點</a:t>
             </a:r>
           </a:p>
         </p:txBody>

--- a/powerpoint/05_IntelliJ IDEA.pptx
+++ b/powerpoint/05_IntelliJ IDEA.pptx
@@ -219,7 +219,7 @@
           <a:p>
             <a:fld id="{B01E94BF-979C-4102-B9D3-90D188A7B1D8}" type="datetimeFigureOut">
               <a:rPr lang="zh-TW" altLang="en-US" smtClean="0"/>
-              <a:t>2024/7/30</a:t>
+              <a:t>2024/8/6</a:t>
             </a:fld>
             <a:endParaRPr lang="zh-TW" altLang="en-US"/>
           </a:p>
@@ -10220,7 +10220,15 @@
             </a:r>
             <a:r>
               <a:rPr lang="zh-TW" altLang="en-US"/>
-              <a:t>幫你自動補全</a:t>
+              <a:t>幫你</a:t>
+            </a:r>
+            <a:r>
+              <a:rPr lang="zh-TW" altLang="en-US">
+                <a:solidFill>
+                  <a:srgbClr val="FFC000"/>
+                </a:solidFill>
+              </a:rPr>
+              <a:t>自動補全</a:t>
             </a:r>
           </a:p>
         </p:txBody>
@@ -10360,7 +10368,11 @@
               <a:t>還有內建許多快捷縮寫，如 </a:t>
             </a:r>
             <a:r>
-              <a:rPr lang="en-US" altLang="zh-TW"/>
+              <a:rPr lang="en-US" altLang="zh-TW">
+                <a:solidFill>
+                  <a:srgbClr val="92D050"/>
+                </a:solidFill>
+              </a:rPr>
               <a:t>psvm</a:t>
             </a:r>
             <a:r>
@@ -10368,7 +10380,11 @@
               <a:t>、</a:t>
             </a:r>
             <a:r>
-              <a:rPr lang="en-US" altLang="zh-TW"/>
+              <a:rPr lang="en-US" altLang="zh-TW">
+                <a:solidFill>
+                  <a:srgbClr val="92D050"/>
+                </a:solidFill>
+              </a:rPr>
               <a:t>sout</a:t>
             </a:r>
             <a:r>
@@ -10741,7 +10757,11 @@
               <a:t>還能通過 </a:t>
             </a:r>
             <a:r>
-              <a:rPr lang="en-US" altLang="zh-TW"/>
+              <a:rPr lang="en-US" altLang="zh-TW">
+                <a:solidFill>
+                  <a:srgbClr val="92D050"/>
+                </a:solidFill>
+              </a:rPr>
               <a:t>.var </a:t>
             </a:r>
             <a:r>
@@ -11283,8 +11303,8 @@
         </p:nvSpPr>
         <p:spPr>
           <a:xfrm>
-            <a:off x="838200" y="0"/>
-            <a:ext cx="10515600" cy="1325563"/>
+            <a:off x="838199" y="0"/>
+            <a:ext cx="5554399" cy="1325563"/>
           </a:xfrm>
         </p:spPr>
         <p:txBody>
@@ -11316,26 +11336,19 @@
         </p:nvSpPr>
         <p:spPr>
           <a:xfrm>
-            <a:off x="838200" y="1027545"/>
-            <a:ext cx="10515600" cy="5535179"/>
+            <a:off x="838199" y="1253510"/>
+            <a:ext cx="5554399" cy="5170131"/>
           </a:xfrm>
         </p:spPr>
         <p:txBody>
           <a:bodyPr>
-            <a:normAutofit lnSpcReduction="10000"/>
+            <a:normAutofit/>
           </a:bodyPr>
           <a:lstStyle/>
           <a:p>
             <a:r>
               <a:rPr lang="zh-TW" altLang="en-US"/>
-              <a:t>如果想要讓程式碼</a:t>
-            </a:r>
-            <a:endParaRPr lang="en-US" altLang="zh-TW"/>
-          </a:p>
-          <a:p>
-            <a:r>
-              <a:rPr lang="zh-TW" altLang="en-US"/>
-              <a:t>更容易閱讀</a:t>
+              <a:t>如果想要讓程式碼更容易閱讀</a:t>
             </a:r>
             <a:endParaRPr lang="en-US" altLang="zh-TW"/>
           </a:p>
@@ -11357,14 +11370,7 @@
             </a:r>
             <a:r>
               <a:rPr lang="zh-TW" altLang="en-US"/>
-              <a:t> 在檔案儲存時</a:t>
-            </a:r>
-            <a:endParaRPr lang="en-US" altLang="zh-TW"/>
-          </a:p>
-          <a:p>
-            <a:r>
-              <a:rPr lang="zh-TW" altLang="en-US"/>
-              <a:t>幫你格式化</a:t>
+              <a:t> 在檔案儲存時幫你格式化</a:t>
             </a:r>
             <a:endParaRPr lang="en-US" altLang="zh-TW"/>
           </a:p>
@@ -11445,88 +11451,109 @@
           </a:p>
         </p:txBody>
       </p:sp>
-      <p:pic>
-        <p:nvPicPr>
-          <p:cNvPr id="13" name="圖片 12">
+      <p:grpSp>
+        <p:nvGrpSpPr>
+          <p:cNvPr id="4" name="群組 3">
             <a:extLst>
               <a:ext uri="{FF2B5EF4-FFF2-40B4-BE49-F238E27FC236}">
-                <a16:creationId xmlns:a16="http://schemas.microsoft.com/office/drawing/2014/main" id="{462835A8-AFFA-47F6-AAF0-7B6E662E3C27}"/>
+                <a16:creationId xmlns:a16="http://schemas.microsoft.com/office/drawing/2014/main" id="{3A118D7D-740A-4F9E-BB69-0A6B8F5D7C84}"/>
               </a:ext>
             </a:extLst>
           </p:cNvPr>
-          <p:cNvPicPr>
-            <a:picLocks noChangeAspect="1"/>
-          </p:cNvPicPr>
+          <p:cNvGrpSpPr/>
           <p:nvPr/>
-        </p:nvPicPr>
-        <p:blipFill>
-          <a:blip r:embed="rId2"/>
-          <a:stretch>
-            <a:fillRect/>
-          </a:stretch>
-        </p:blipFill>
-        <p:spPr>
+        </p:nvGrpSpPr>
+        <p:grpSpPr>
           <a:xfrm>
-            <a:off x="7597995" y="662781"/>
-            <a:ext cx="4384455" cy="2356644"/>
+            <a:off x="6379487" y="140945"/>
+            <a:ext cx="5355313" cy="2878480"/>
+            <a:chOff x="6627137" y="140945"/>
+            <a:chExt cx="5355313" cy="2878480"/>
           </a:xfrm>
-          <a:prstGeom prst="rect">
-            <a:avLst/>
-          </a:prstGeom>
-        </p:spPr>
-      </p:pic>
-      <p:sp>
-        <p:nvSpPr>
-          <p:cNvPr id="14" name="矩形: 圓角 13">
-            <a:extLst>
-              <a:ext uri="{FF2B5EF4-FFF2-40B4-BE49-F238E27FC236}">
-                <a16:creationId xmlns:a16="http://schemas.microsoft.com/office/drawing/2014/main" id="{365FB320-3994-4E58-9BB7-29C51FB9D183}"/>
-              </a:ext>
-            </a:extLst>
-          </p:cNvPr>
-          <p:cNvSpPr/>
-          <p:nvPr/>
-        </p:nvSpPr>
-        <p:spPr>
-          <a:xfrm>
-            <a:off x="11508581" y="662781"/>
-            <a:ext cx="130969" cy="130969"/>
-          </a:xfrm>
-          <a:prstGeom prst="roundRect">
-            <a:avLst/>
-          </a:prstGeom>
-          <a:noFill/>
-          <a:ln w="28575">
-            <a:solidFill>
-              <a:srgbClr val="FFC000"/>
-            </a:solidFill>
-          </a:ln>
-        </p:spPr>
-        <p:style>
-          <a:lnRef idx="2">
-            <a:schemeClr val="accent1">
-              <a:shade val="50000"/>
-            </a:schemeClr>
-          </a:lnRef>
-          <a:fillRef idx="1">
-            <a:schemeClr val="accent1"/>
-          </a:fillRef>
-          <a:effectRef idx="0">
-            <a:schemeClr val="accent1"/>
-          </a:effectRef>
-          <a:fontRef idx="minor">
-            <a:schemeClr val="lt1"/>
-          </a:fontRef>
-        </p:style>
-        <p:txBody>
-          <a:bodyPr rtlCol="0" anchor="ctr"/>
-          <a:lstStyle/>
-          <a:p>
-            <a:pPr algn="ctr"/>
-            <a:endParaRPr lang="zh-TW" altLang="en-US"/>
-          </a:p>
-        </p:txBody>
-      </p:sp>
+        </p:grpSpPr>
+        <p:pic>
+          <p:nvPicPr>
+            <p:cNvPr id="13" name="圖片 12">
+              <a:extLst>
+                <a:ext uri="{FF2B5EF4-FFF2-40B4-BE49-F238E27FC236}">
+                  <a16:creationId xmlns:a16="http://schemas.microsoft.com/office/drawing/2014/main" id="{462835A8-AFFA-47F6-AAF0-7B6E662E3C27}"/>
+                </a:ext>
+              </a:extLst>
+            </p:cNvPr>
+            <p:cNvPicPr>
+              <a:picLocks noChangeAspect="1"/>
+            </p:cNvPicPr>
+            <p:nvPr/>
+          </p:nvPicPr>
+          <p:blipFill>
+            <a:blip r:embed="rId2"/>
+            <a:stretch>
+              <a:fillRect/>
+            </a:stretch>
+          </p:blipFill>
+          <p:spPr>
+            <a:xfrm>
+              <a:off x="6627137" y="140945"/>
+              <a:ext cx="5355313" cy="2878480"/>
+            </a:xfrm>
+            <a:prstGeom prst="rect">
+              <a:avLst/>
+            </a:prstGeom>
+          </p:spPr>
+        </p:pic>
+        <p:sp>
+          <p:nvSpPr>
+            <p:cNvPr id="14" name="矩形: 圓角 13">
+              <a:extLst>
+                <a:ext uri="{FF2B5EF4-FFF2-40B4-BE49-F238E27FC236}">
+                  <a16:creationId xmlns:a16="http://schemas.microsoft.com/office/drawing/2014/main" id="{365FB320-3994-4E58-9BB7-29C51FB9D183}"/>
+                </a:ext>
+              </a:extLst>
+            </p:cNvPr>
+            <p:cNvSpPr/>
+            <p:nvPr/>
+          </p:nvSpPr>
+          <p:spPr>
+            <a:xfrm>
+              <a:off x="11403806" y="151606"/>
+              <a:ext cx="143669" cy="143669"/>
+            </a:xfrm>
+            <a:prstGeom prst="roundRect">
+              <a:avLst/>
+            </a:prstGeom>
+            <a:noFill/>
+            <a:ln w="28575">
+              <a:solidFill>
+                <a:srgbClr val="FFC000"/>
+              </a:solidFill>
+            </a:ln>
+          </p:spPr>
+          <p:style>
+            <a:lnRef idx="2">
+              <a:schemeClr val="accent1">
+                <a:shade val="50000"/>
+              </a:schemeClr>
+            </a:lnRef>
+            <a:fillRef idx="1">
+              <a:schemeClr val="accent1"/>
+            </a:fillRef>
+            <a:effectRef idx="0">
+              <a:schemeClr val="accent1"/>
+            </a:effectRef>
+            <a:fontRef idx="minor">
+              <a:schemeClr val="lt1"/>
+            </a:fontRef>
+          </p:style>
+          <p:txBody>
+            <a:bodyPr rtlCol="0" anchor="ctr"/>
+            <a:lstStyle/>
+            <a:p>
+              <a:pPr algn="ctr"/>
+              <a:endParaRPr lang="zh-TW" altLang="en-US"/>
+            </a:p>
+          </p:txBody>
+        </p:sp>
+      </p:grpSp>
       <p:grpSp>
         <p:nvGrpSpPr>
           <p:cNvPr id="22" name="群組 21">
@@ -11541,8 +11568,8 @@
         </p:nvGrpSpPr>
         <p:grpSpPr>
           <a:xfrm>
-            <a:off x="4606925" y="3086101"/>
-            <a:ext cx="5186362" cy="3590382"/>
+            <a:off x="6379485" y="3086101"/>
+            <a:ext cx="5355313" cy="3707342"/>
             <a:chOff x="4606925" y="3086101"/>
             <a:chExt cx="5186362" cy="3590382"/>
           </a:xfrm>
@@ -15197,9 +15224,21 @@
           <a:p>
             <a:r>
               <a:rPr lang="zh-TW" altLang="en-US"/>
-              <a:t>即可開始進行除錯</a:t>
-            </a:r>
-            <a:endParaRPr lang="en-US" altLang="zh-TW"/>
+              <a:t>即可開始進行</a:t>
+            </a:r>
+            <a:r>
+              <a:rPr lang="zh-TW" altLang="en-US">
+                <a:solidFill>
+                  <a:srgbClr val="FFC000"/>
+                </a:solidFill>
+              </a:rPr>
+              <a:t>除錯</a:t>
+            </a:r>
+            <a:endParaRPr lang="en-US" altLang="zh-TW">
+              <a:solidFill>
+                <a:srgbClr val="FFC000"/>
+              </a:solidFill>
+            </a:endParaRPr>
           </a:p>
         </p:txBody>
       </p:sp>
@@ -15349,10 +15388,22 @@
           <a:p>
             <a:r>
               <a:rPr lang="zh-TW" altLang="en-US"/>
-              <a:t>除錯比一般執行多的功能在於可以下斷點</a:t>
-            </a:r>
-            <a:r>
-              <a:rPr lang="en-US" altLang="zh-TW"/>
+              <a:t>除錯比一般執行多的功能在於可以下</a:t>
+            </a:r>
+            <a:r>
+              <a:rPr lang="zh-TW" altLang="en-US">
+                <a:solidFill>
+                  <a:srgbClr val="00B0F0"/>
+                </a:solidFill>
+              </a:rPr>
+              <a:t>斷點</a:t>
+            </a:r>
+            <a:r>
+              <a:rPr lang="en-US" altLang="zh-TW">
+                <a:solidFill>
+                  <a:srgbClr val="00B0F0"/>
+                </a:solidFill>
+              </a:rPr>
               <a:t>(breakpoint)</a:t>
             </a:r>
           </a:p>
@@ -21585,7 +21636,7 @@
 </file>
 
 <file path=ppt/slides/slide4.xml><?xml version="1.0" encoding="utf-8"?>
-<p:sld xmlns:a="http://schemas.openxmlformats.org/drawingml/2006/main" xmlns:r="http://schemas.openxmlformats.org/officeDocument/2006/relationships" xmlns:p="http://schemas.openxmlformats.org/presentationml/2006/main" show="0">
+<p:sld xmlns:a="http://schemas.openxmlformats.org/drawingml/2006/main" xmlns:r="http://schemas.openxmlformats.org/officeDocument/2006/relationships" xmlns:p="http://schemas.openxmlformats.org/presentationml/2006/main">
   <p:cSld>
     <p:spTree>
       <p:nvGrpSpPr>

--- a/powerpoint/05_IntelliJ IDEA.pptx
+++ b/powerpoint/05_IntelliJ IDEA.pptx
@@ -219,7 +219,7 @@
           <a:p>
             <a:fld id="{B01E94BF-979C-4102-B9D3-90D188A7B1D8}" type="datetimeFigureOut">
               <a:rPr lang="zh-TW" altLang="en-US" smtClean="0"/>
-              <a:t>2024/8/6</a:t>
+              <a:t>2024/8/12</a:t>
             </a:fld>
             <a:endParaRPr lang="zh-TW" altLang="en-US"/>
           </a:p>
@@ -23587,7 +23587,19 @@
             </a:r>
             <a:r>
               <a:rPr lang="en-US" altLang="zh-TW"/>
-              <a:t>"New Project"</a:t>
+              <a:t>"</a:t>
+            </a:r>
+            <a:r>
+              <a:rPr lang="en-US" altLang="zh-TW">
+                <a:solidFill>
+                  <a:srgbClr val="92D050"/>
+                </a:solidFill>
+              </a:rPr>
+              <a:t>New Project</a:t>
+            </a:r>
+            <a:r>
+              <a:rPr lang="en-US" altLang="zh-TW"/>
+              <a:t>"</a:t>
             </a:r>
             <a:r>
               <a:rPr lang="zh-TW" altLang="en-US"/>
@@ -23622,15 +23634,35 @@
           <a:p>
             <a:r>
               <a:rPr lang="en-US" altLang="zh-TW"/>
-              <a:t>"Add</a:t>
-            </a:r>
-            <a:r>
-              <a:rPr lang="zh-TW" altLang="en-US"/>
+              <a:t>"</a:t>
+            </a:r>
+            <a:r>
+              <a:rPr lang="en-US" altLang="zh-TW">
+                <a:solidFill>
+                  <a:srgbClr val="92D050"/>
+                </a:solidFill>
+              </a:rPr>
+              <a:t>Add</a:t>
+            </a:r>
+            <a:r>
+              <a:rPr lang="zh-TW" altLang="en-US">
+                <a:solidFill>
+                  <a:srgbClr val="92D050"/>
+                </a:solidFill>
+              </a:rPr>
               <a:t> </a:t>
             </a:r>
             <a:r>
+              <a:rPr lang="en-US" altLang="zh-TW">
+                <a:solidFill>
+                  <a:srgbClr val="92D050"/>
+                </a:solidFill>
+              </a:rPr>
+              <a:t>Sample Code</a:t>
+            </a:r>
+            <a:r>
               <a:rPr lang="en-US" altLang="zh-TW"/>
-              <a:t>Sample Code"</a:t>
+              <a:t>"</a:t>
             </a:r>
           </a:p>
         </p:txBody>
@@ -23884,32 +23916,36 @@
           </a:p>
           <a:p>
             <a:r>
+              <a:rPr lang="zh-TW" altLang="en-US">
+                <a:solidFill>
+                  <a:srgbClr val="92D050"/>
+                </a:solidFill>
+              </a:rPr>
+              <a:t>右鍵 </a:t>
+            </a:r>
+            <a:r>
+              <a:rPr lang="en-US" altLang="zh-TW">
+                <a:solidFill>
+                  <a:srgbClr val="92D050"/>
+                </a:solidFill>
+              </a:rPr>
+              <a:t>-&gt; New</a:t>
+            </a:r>
+          </a:p>
+          <a:p>
+            <a:r>
+              <a:rPr lang="en-US" altLang="zh-TW">
+                <a:solidFill>
+                  <a:srgbClr val="92D050"/>
+                </a:solidFill>
+              </a:rPr>
+              <a:t>-&gt; Java Class</a:t>
+            </a:r>
+          </a:p>
+          <a:p>
+            <a:r>
               <a:rPr lang="zh-TW" altLang="en-US"/>
-              <a:t>右鍵 </a:t>
-            </a:r>
-            <a:r>
-              <a:rPr lang="en-US" altLang="zh-TW"/>
-              <a:t>-&gt; New</a:t>
-            </a:r>
-          </a:p>
-          <a:p>
-            <a:r>
-              <a:rPr lang="en-US" altLang="zh-TW"/>
-              <a:t>-&gt; Java Class</a:t>
-            </a:r>
-          </a:p>
-          <a:p>
-            <a:r>
-              <a:rPr lang="zh-TW" altLang="en-US"/>
-              <a:t>填入 </a:t>
-            </a:r>
-            <a:r>
-              <a:rPr lang="en-US" altLang="zh-TW"/>
-              <a:t>Class</a:t>
-            </a:r>
-            <a:r>
-              <a:rPr lang="zh-TW" altLang="en-US"/>
-              <a:t> 名稱</a:t>
+              <a:t>填入類別名稱</a:t>
             </a:r>
             <a:endParaRPr lang="en-US" altLang="zh-TW"/>
           </a:p>
@@ -23919,7 +23955,11 @@
               <a:t>按下 </a:t>
             </a:r>
             <a:r>
-              <a:rPr lang="en-US" altLang="zh-TW"/>
+              <a:rPr lang="en-US" altLang="zh-TW">
+                <a:solidFill>
+                  <a:srgbClr val="92D050"/>
+                </a:solidFill>
+              </a:rPr>
               <a:t>Enter</a:t>
             </a:r>
           </a:p>

--- a/powerpoint/05_IntelliJ IDEA.pptx
+++ b/powerpoint/05_IntelliJ IDEA.pptx
@@ -219,7 +219,7 @@
           <a:p>
             <a:fld id="{B01E94BF-979C-4102-B9D3-90D188A7B1D8}" type="datetimeFigureOut">
               <a:rPr lang="zh-TW" altLang="en-US" smtClean="0"/>
-              <a:t>2024/8/12</a:t>
+              <a:t>2024/8/17</a:t>
             </a:fld>
             <a:endParaRPr lang="zh-TW" altLang="en-US"/>
           </a:p>
@@ -10008,7 +10008,43 @@
             </a:r>
             <a:r>
               <a:rPr lang="zh-TW" altLang="en-US"/>
-              <a:t>打了左括號，會自動補右括號，雙引號也是</a:t>
+              <a:t>打了</a:t>
+            </a:r>
+            <a:r>
+              <a:rPr lang="zh-TW" altLang="en-US">
+                <a:solidFill>
+                  <a:srgbClr val="00B0F0"/>
+                </a:solidFill>
+              </a:rPr>
+              <a:t>左括號</a:t>
+            </a:r>
+            <a:r>
+              <a:rPr lang="zh-TW" altLang="en-US"/>
+              <a:t>，會自動補</a:t>
+            </a:r>
+            <a:r>
+              <a:rPr lang="zh-TW" altLang="en-US">
+                <a:solidFill>
+                  <a:srgbClr val="00B0F0"/>
+                </a:solidFill>
+              </a:rPr>
+              <a:t>右括號</a:t>
+            </a:r>
+            <a:r>
+              <a:rPr lang="zh-TW" altLang="en-US"/>
+              <a:t>，</a:t>
+            </a:r>
+            <a:r>
+              <a:rPr lang="zh-TW" altLang="en-US">
+                <a:solidFill>
+                  <a:srgbClr val="00B0F0"/>
+                </a:solidFill>
+              </a:rPr>
+              <a:t>雙引號</a:t>
+            </a:r>
+            <a:r>
+              <a:rPr lang="zh-TW" altLang="en-US"/>
+              <a:t>也是</a:t>
             </a:r>
             <a:endParaRPr lang="en-US" altLang="zh-TW"/>
           </a:p>
@@ -10197,15 +10233,27 @@
               <a:t>然後按 </a:t>
             </a:r>
             <a:r>
+              <a:rPr lang="en-US" altLang="zh-TW">
+                <a:solidFill>
+                  <a:srgbClr val="92D050"/>
+                </a:solidFill>
+              </a:rPr>
+              <a:t>Tab</a:t>
+            </a:r>
+            <a:r>
               <a:rPr lang="en-US" altLang="zh-TW"/>
-              <a:t>Tab </a:t>
+              <a:t> </a:t>
             </a:r>
             <a:r>
               <a:rPr lang="zh-TW" altLang="en-US"/>
               <a:t>或 </a:t>
             </a:r>
             <a:r>
-              <a:rPr lang="en-US" altLang="zh-TW"/>
+              <a:rPr lang="en-US" altLang="zh-TW">
+                <a:solidFill>
+                  <a:srgbClr val="92D050"/>
+                </a:solidFill>
+              </a:rPr>
               <a:t>Enter</a:t>
             </a:r>
           </a:p>
@@ -10215,8 +10263,16 @@
               <a:t>讓 </a:t>
             </a:r>
             <a:r>
+              <a:rPr lang="en-US" altLang="zh-TW">
+                <a:solidFill>
+                  <a:srgbClr val="00B0F0"/>
+                </a:solidFill>
+              </a:rPr>
+              <a:t>IDE</a:t>
+            </a:r>
+            <a:r>
               <a:rPr lang="en-US" altLang="zh-TW"/>
-              <a:t>IDE </a:t>
+              <a:t> </a:t>
             </a:r>
             <a:r>
               <a:rPr lang="zh-TW" altLang="en-US"/>
@@ -10360,12 +10416,32 @@
               <a:t>甚至，</a:t>
             </a:r>
             <a:r>
+              <a:rPr lang="en-US" altLang="zh-TW">
+                <a:solidFill>
+                  <a:srgbClr val="00B0F0"/>
+                </a:solidFill>
+              </a:rPr>
+              <a:t>IDEA</a:t>
+            </a:r>
+            <a:r>
               <a:rPr lang="en-US" altLang="zh-TW"/>
-              <a:t>IDEA </a:t>
+              <a:t> </a:t>
             </a:r>
             <a:r>
               <a:rPr lang="zh-TW" altLang="en-US"/>
-              <a:t>還有內建許多快捷縮寫，如 </a:t>
+              <a:t>還有內建許多</a:t>
+            </a:r>
+            <a:r>
+              <a:rPr lang="zh-TW" altLang="en-US">
+                <a:solidFill>
+                  <a:srgbClr val="FFFF00"/>
+                </a:solidFill>
+              </a:rPr>
+              <a:t>快捷縮寫</a:t>
+            </a:r>
+            <a:r>
+              <a:rPr lang="zh-TW" altLang="en-US"/>
+              <a:t>，如 </a:t>
             </a:r>
             <a:r>
               <a:rPr lang="en-US" altLang="zh-TW">
@@ -10769,7 +10845,11 @@
               <a:t>等縮寫讓 </a:t>
             </a:r>
             <a:r>
-              <a:rPr lang="en-US" altLang="zh-TW"/>
+              <a:rPr lang="en-US" altLang="zh-TW">
+                <a:solidFill>
+                  <a:srgbClr val="00B0F0"/>
+                </a:solidFill>
+              </a:rPr>
               <a:t>IDE</a:t>
             </a:r>
             <a:r>
@@ -11101,14 +11181,30 @@
               <a:t>還可以按 </a:t>
             </a:r>
             <a:r>
-              <a:rPr lang="en-US" altLang="zh-TW"/>
+              <a:rPr lang="en-US" altLang="zh-TW">
+                <a:solidFill>
+                  <a:srgbClr val="92D050"/>
+                </a:solidFill>
+              </a:rPr>
               <a:t>Alt + Enter </a:t>
             </a:r>
             <a:r>
               <a:rPr lang="zh-TW" altLang="en-US"/>
-              <a:t>開啟動作選單</a:t>
-            </a:r>
-            <a:endParaRPr lang="en-US" altLang="zh-TW"/>
+              <a:t>開啟</a:t>
+            </a:r>
+            <a:r>
+              <a:rPr lang="zh-TW" altLang="en-US">
+                <a:solidFill>
+                  <a:srgbClr val="FFFF00"/>
+                </a:solidFill>
+              </a:rPr>
+              <a:t>動作選單</a:t>
+            </a:r>
+            <a:endParaRPr lang="en-US" altLang="zh-TW">
+              <a:solidFill>
+                <a:srgbClr val="FFFF00"/>
+              </a:solidFill>
+            </a:endParaRPr>
           </a:p>
           <a:p>
             <a:r>
@@ -11355,9 +11451,21 @@
           <a:p>
             <a:r>
               <a:rPr lang="zh-TW" altLang="en-US"/>
-              <a:t>可以開啟自動格式化</a:t>
-            </a:r>
-            <a:endParaRPr lang="en-US" altLang="zh-TW"/>
+              <a:t>可以開啟</a:t>
+            </a:r>
+            <a:r>
+              <a:rPr lang="zh-TW" altLang="en-US">
+                <a:solidFill>
+                  <a:srgbClr val="FFFF00"/>
+                </a:solidFill>
+              </a:rPr>
+              <a:t>自動格式化</a:t>
+            </a:r>
+            <a:endParaRPr lang="en-US" altLang="zh-TW">
+              <a:solidFill>
+                <a:srgbClr val="FFFF00"/>
+              </a:solidFill>
+            </a:endParaRPr>
           </a:p>
           <a:p>
             <a:r>
@@ -11365,14 +11473,30 @@
               <a:t>讓 </a:t>
             </a:r>
             <a:r>
-              <a:rPr lang="en-US" altLang="zh-TW"/>
+              <a:rPr lang="en-US" altLang="zh-TW">
+                <a:solidFill>
+                  <a:srgbClr val="00B0F0"/>
+                </a:solidFill>
+              </a:rPr>
               <a:t>IDE</a:t>
             </a:r>
             <a:r>
               <a:rPr lang="zh-TW" altLang="en-US"/>
-              <a:t> 在檔案儲存時幫你格式化</a:t>
-            </a:r>
-            <a:endParaRPr lang="en-US" altLang="zh-TW"/>
+              <a:t> 在檔案儲存時幫你</a:t>
+            </a:r>
+            <a:r>
+              <a:rPr lang="zh-TW" altLang="en-US">
+                <a:solidFill>
+                  <a:srgbClr val="FFC000"/>
+                </a:solidFill>
+              </a:rPr>
+              <a:t>格式化</a:t>
+            </a:r>
+            <a:endParaRPr lang="en-US" altLang="zh-TW">
+              <a:solidFill>
+                <a:srgbClr val="FFC000"/>
+              </a:solidFill>
+            </a:endParaRPr>
           </a:p>
           <a:p>
             <a:endParaRPr lang="en-US" altLang="zh-TW"/>
@@ -11386,7 +11510,11 @@
           </a:p>
           <a:p>
             <a:r>
-              <a:rPr lang="en-US" altLang="zh-TW"/>
+              <a:rPr lang="en-US" altLang="zh-TW">
+                <a:solidFill>
+                  <a:srgbClr val="92D050"/>
+                </a:solidFill>
+              </a:rPr>
               <a:t>Setting</a:t>
             </a:r>
             <a:r>
@@ -11402,7 +11530,11 @@
               <a:t> </a:t>
             </a:r>
             <a:r>
-              <a:rPr lang="en-US" altLang="zh-TW"/>
+              <a:rPr lang="en-US" altLang="zh-TW">
+                <a:solidFill>
+                  <a:srgbClr val="92D050"/>
+                </a:solidFill>
+              </a:rPr>
               <a:t>Tools</a:t>
             </a:r>
           </a:p>
@@ -11416,7 +11548,11 @@
               <a:t> </a:t>
             </a:r>
             <a:r>
-              <a:rPr lang="en-US" altLang="zh-TW"/>
+              <a:rPr lang="en-US" altLang="zh-TW">
+                <a:solidFill>
+                  <a:srgbClr val="92D050"/>
+                </a:solidFill>
+              </a:rPr>
               <a:t>Actions on Save</a:t>
             </a:r>
           </a:p>
@@ -11430,7 +11566,11 @@
               <a:t> </a:t>
             </a:r>
             <a:r>
-              <a:rPr lang="en-US" altLang="zh-TW"/>
+              <a:rPr lang="en-US" altLang="zh-TW">
+                <a:solidFill>
+                  <a:srgbClr val="92D050"/>
+                </a:solidFill>
+              </a:rPr>
               <a:t>Reformat code</a:t>
             </a:r>
           </a:p>
@@ -11440,7 +11580,11 @@
               <a:t>然後按下 </a:t>
             </a:r>
             <a:r>
-              <a:rPr lang="en-US" altLang="zh-TW"/>
+              <a:rPr lang="en-US" altLang="zh-TW">
+                <a:solidFill>
+                  <a:srgbClr val="92D050"/>
+                </a:solidFill>
+              </a:rPr>
               <a:t>Apply</a:t>
             </a:r>
             <a:r>
@@ -12488,16 +12632,40 @@
           <a:p>
             <a:r>
               <a:rPr lang="zh-TW" altLang="en-US"/>
-              <a:t>除了支援之前介紹的快捷鍵之外</a:t>
+              <a:t>除了支援之前介紹的</a:t>
+            </a:r>
+            <a:r>
+              <a:rPr lang="zh-TW" altLang="en-US">
+                <a:solidFill>
+                  <a:srgbClr val="00B0F0"/>
+                </a:solidFill>
+              </a:rPr>
+              <a:t>快捷鍵</a:t>
+            </a:r>
+            <a:r>
+              <a:rPr lang="zh-TW" altLang="en-US"/>
+              <a:t>之外</a:t>
             </a:r>
             <a:endParaRPr lang="en-US" altLang="zh-TW"/>
           </a:p>
           <a:p>
             <a:r>
               <a:rPr lang="zh-TW" altLang="en-US"/>
-              <a:t>還有許多好用的快捷鍵</a:t>
-            </a:r>
-            <a:endParaRPr lang="en-US" altLang="zh-TW"/>
+              <a:t>還有許多好用的</a:t>
+            </a:r>
+            <a:r>
+              <a:rPr lang="zh-TW" altLang="en-US">
+                <a:solidFill>
+                  <a:srgbClr val="00B0F0"/>
+                </a:solidFill>
+              </a:rPr>
+              <a:t>快捷鍵</a:t>
+            </a:r>
+            <a:endParaRPr lang="en-US" altLang="zh-TW">
+              <a:solidFill>
+                <a:srgbClr val="00B0F0"/>
+              </a:solidFill>
+            </a:endParaRPr>
           </a:p>
           <a:p>
             <a:r>
@@ -12505,49 +12673,105 @@
               <a:t>如 </a:t>
             </a:r>
             <a:r>
-              <a:rPr lang="en-US" altLang="zh-TW"/>
+              <a:rPr lang="en-US" altLang="zh-TW">
+                <a:solidFill>
+                  <a:srgbClr val="92D050"/>
+                </a:solidFill>
+              </a:rPr>
               <a:t>Ctrl + D </a:t>
             </a:r>
             <a:r>
-              <a:rPr lang="zh-TW" altLang="en-US"/>
+              <a:rPr lang="zh-TW" altLang="en-US">
+                <a:solidFill>
+                  <a:srgbClr val="FFFF00"/>
+                </a:solidFill>
+              </a:rPr>
               <a:t>複製貼上該行程式碼</a:t>
             </a:r>
-            <a:endParaRPr lang="en-US" altLang="zh-TW"/>
-          </a:p>
-          <a:p>
-            <a:r>
-              <a:rPr lang="en-US" altLang="zh-TW"/>
+            <a:endParaRPr lang="en-US" altLang="zh-TW">
+              <a:solidFill>
+                <a:srgbClr val="FFFF00"/>
+              </a:solidFill>
+            </a:endParaRPr>
+          </a:p>
+          <a:p>
+            <a:r>
+              <a:rPr lang="en-US" altLang="zh-TW">
+                <a:solidFill>
+                  <a:srgbClr val="92D050"/>
+                </a:solidFill>
+              </a:rPr>
               <a:t>Ctrl</a:t>
             </a:r>
             <a:r>
-              <a:rPr lang="zh-TW" altLang="en-US"/>
+              <a:rPr lang="zh-TW" altLang="en-US">
+                <a:solidFill>
+                  <a:srgbClr val="92D050"/>
+                </a:solidFill>
+              </a:rPr>
               <a:t> </a:t>
             </a:r>
             <a:r>
-              <a:rPr lang="en-US" altLang="zh-TW"/>
+              <a:rPr lang="en-US" altLang="zh-TW">
+                <a:solidFill>
+                  <a:srgbClr val="92D050"/>
+                </a:solidFill>
+              </a:rPr>
               <a:t>+</a:t>
             </a:r>
             <a:r>
-              <a:rPr lang="zh-TW" altLang="en-US"/>
+              <a:rPr lang="zh-TW" altLang="en-US">
+                <a:solidFill>
+                  <a:srgbClr val="92D050"/>
+                </a:solidFill>
+              </a:rPr>
               <a:t> </a:t>
             </a:r>
             <a:r>
-              <a:rPr lang="en-US" altLang="zh-TW"/>
+              <a:rPr lang="en-US" altLang="zh-TW">
+                <a:solidFill>
+                  <a:srgbClr val="92D050"/>
+                </a:solidFill>
+              </a:rPr>
               <a:t>/</a:t>
             </a:r>
             <a:r>
-              <a:rPr lang="zh-TW" altLang="en-US"/>
-              <a:t> 單行註解</a:t>
-            </a:r>
-            <a:endParaRPr lang="en-US" altLang="zh-TW"/>
-          </a:p>
-          <a:p>
-            <a:r>
-              <a:rPr lang="en-US" altLang="zh-TW"/>
+              <a:rPr lang="zh-TW" altLang="en-US">
+                <a:solidFill>
+                  <a:srgbClr val="92D050"/>
+                </a:solidFill>
+              </a:rPr>
+              <a:t> </a:t>
+            </a:r>
+            <a:r>
+              <a:rPr lang="zh-TW" altLang="en-US">
+                <a:solidFill>
+                  <a:srgbClr val="FFFF00"/>
+                </a:solidFill>
+              </a:rPr>
+              <a:t>單行註解</a:t>
+            </a:r>
+            <a:endParaRPr lang="en-US" altLang="zh-TW">
+              <a:solidFill>
+                <a:srgbClr val="FFFF00"/>
+              </a:solidFill>
+            </a:endParaRPr>
+          </a:p>
+          <a:p>
+            <a:r>
+              <a:rPr lang="en-US" altLang="zh-TW">
+                <a:solidFill>
+                  <a:srgbClr val="92D050"/>
+                </a:solidFill>
+              </a:rPr>
               <a:t>Ctrl + Shift + / </a:t>
             </a:r>
             <a:r>
-              <a:rPr lang="zh-TW" altLang="en-US"/>
+              <a:rPr lang="zh-TW" altLang="en-US">
+                <a:solidFill>
+                  <a:srgbClr val="FFFF00"/>
+                </a:solidFill>
+              </a:rPr>
               <a:t>多行註解</a:t>
             </a:r>
           </a:p>
@@ -12649,16 +12873,52 @@
           <a:p>
             <a:r>
               <a:rPr lang="zh-TW" altLang="en-US"/>
-              <a:t>按下右上角的執行按鈕</a:t>
-            </a:r>
-            <a:endParaRPr lang="en-US" altLang="zh-TW"/>
+              <a:t>按下右上角的</a:t>
+            </a:r>
+            <a:r>
+              <a:rPr lang="zh-TW" altLang="en-US">
+                <a:solidFill>
+                  <a:srgbClr val="FFFF00"/>
+                </a:solidFill>
+              </a:rPr>
+              <a:t>執行按鈕</a:t>
+            </a:r>
+            <a:endParaRPr lang="en-US" altLang="zh-TW">
+              <a:solidFill>
+                <a:srgbClr val="FFFF00"/>
+              </a:solidFill>
+            </a:endParaRPr>
           </a:p>
           <a:p>
             <a:r>
               <a:rPr lang="zh-TW" altLang="en-US"/>
-              <a:t>即可編譯與執行</a:t>
-            </a:r>
-            <a:endParaRPr lang="en-US" altLang="zh-TW"/>
+              <a:t>即可</a:t>
+            </a:r>
+            <a:r>
+              <a:rPr lang="zh-TW" altLang="en-US">
+                <a:solidFill>
+                  <a:srgbClr val="FFC000"/>
+                </a:solidFill>
+              </a:rPr>
+              <a:t>編譯</a:t>
+            </a:r>
+            <a:r>
+              <a:rPr lang="zh-TW" altLang="en-US"/>
+              <a:t>與</a:t>
+            </a:r>
+            <a:r>
+              <a:rPr lang="zh-TW" altLang="en-US">
+                <a:solidFill>
+                  <a:srgbClr val="FFC000"/>
+                </a:solidFill>
+              </a:rPr>
+              <a:t>執行</a:t>
+            </a:r>
+            <a:endParaRPr lang="en-US" altLang="zh-TW">
+              <a:solidFill>
+                <a:srgbClr val="FFC000"/>
+              </a:solidFill>
+            </a:endParaRPr>
           </a:p>
           <a:p>
             <a:r>
@@ -12673,23 +12933,107 @@
           <a:p>
             <a:r>
               <a:rPr lang="zh-TW" altLang="en-US"/>
-              <a:t>執行的輸入和輸出在下方的主控台</a:t>
-            </a:r>
-            <a:endParaRPr lang="en-US" altLang="zh-TW"/>
-          </a:p>
-          <a:p>
+              <a:t>執行的</a:t>
+            </a:r>
+            <a:r>
+              <a:rPr lang="zh-TW" altLang="en-US">
+                <a:solidFill>
+                  <a:srgbClr val="00B0F0"/>
+                </a:solidFill>
+              </a:rPr>
+              <a:t>輸入</a:t>
+            </a:r>
             <a:r>
               <a:rPr lang="zh-TW" altLang="en-US"/>
-              <a:t>按下停止按鈕可停止執行</a:t>
-            </a:r>
-            <a:endParaRPr lang="en-US" altLang="zh-TW"/>
-          </a:p>
-          <a:p>
+              <a:t>和</a:t>
+            </a:r>
+            <a:r>
+              <a:rPr lang="zh-TW" altLang="en-US">
+                <a:solidFill>
+                  <a:srgbClr val="00B0F0"/>
+                </a:solidFill>
+              </a:rPr>
+              <a:t>輸出</a:t>
+            </a:r>
             <a:r>
               <a:rPr lang="zh-TW" altLang="en-US"/>
-              <a:t>按下重啟按鈕可重新執行</a:t>
-            </a:r>
-            <a:endParaRPr lang="en-US" altLang="zh-TW"/>
+              <a:t>在下方的</a:t>
+            </a:r>
+            <a:r>
+              <a:rPr lang="zh-TW" altLang="en-US">
+                <a:solidFill>
+                  <a:srgbClr val="00B0F0"/>
+                </a:solidFill>
+              </a:rPr>
+              <a:t>主控台</a:t>
+            </a:r>
+            <a:endParaRPr lang="en-US" altLang="zh-TW">
+              <a:solidFill>
+                <a:srgbClr val="00B0F0"/>
+              </a:solidFill>
+            </a:endParaRPr>
+          </a:p>
+          <a:p>
+            <a:r>
+              <a:rPr lang="zh-TW" altLang="en-US"/>
+              <a:t>按下</a:t>
+            </a:r>
+            <a:r>
+              <a:rPr lang="zh-TW" altLang="en-US">
+                <a:solidFill>
+                  <a:srgbClr val="FFFF00"/>
+                </a:solidFill>
+              </a:rPr>
+              <a:t>停止按鈕</a:t>
+            </a:r>
+            <a:r>
+              <a:rPr lang="zh-TW" altLang="en-US"/>
+              <a:t>可</a:t>
+            </a:r>
+            <a:r>
+              <a:rPr lang="zh-TW" altLang="en-US">
+                <a:solidFill>
+                  <a:srgbClr val="FFC000"/>
+                </a:solidFill>
+              </a:rPr>
+              <a:t>停止執行</a:t>
+            </a:r>
+            <a:endParaRPr lang="en-US" altLang="zh-TW">
+              <a:solidFill>
+                <a:srgbClr val="FFC000"/>
+              </a:solidFill>
+            </a:endParaRPr>
+          </a:p>
+          <a:p>
+            <a:r>
+              <a:rPr lang="zh-TW" altLang="en-US"/>
+              <a:t>按下</a:t>
+            </a:r>
+            <a:r>
+              <a:rPr lang="zh-TW" altLang="en-US">
+                <a:solidFill>
+                  <a:srgbClr val="FFFF00"/>
+                </a:solidFill>
+              </a:rPr>
+              <a:t>重啟按鈕</a:t>
+            </a:r>
+            <a:r>
+              <a:rPr lang="zh-TW" altLang="en-US"/>
+              <a:t>可</a:t>
+            </a:r>
+            <a:r>
+              <a:rPr lang="zh-TW" altLang="en-US">
+                <a:solidFill>
+                  <a:srgbClr val="FFC000"/>
+                </a:solidFill>
+              </a:rPr>
+              <a:t>重新執行</a:t>
+            </a:r>
+            <a:endParaRPr lang="en-US" altLang="zh-TW">
+              <a:solidFill>
+                <a:srgbClr val="FFC000"/>
+              </a:solidFill>
+            </a:endParaRPr>
           </a:p>
         </p:txBody>
       </p:sp>
@@ -15216,10 +15560,18 @@
           </a:p>
           <a:p>
             <a:r>
-              <a:rPr lang="zh-TW" altLang="en-US"/>
+              <a:rPr lang="zh-TW" altLang="en-US">
+                <a:solidFill>
+                  <a:srgbClr val="FFFF00"/>
+                </a:solidFill>
+              </a:rPr>
               <a:t>除錯按鈕</a:t>
             </a:r>
-            <a:endParaRPr lang="en-US" altLang="zh-TW"/>
+            <a:endParaRPr lang="en-US" altLang="zh-TW">
+              <a:solidFill>
+                <a:srgbClr val="FFFF00"/>
+              </a:solidFill>
+            </a:endParaRPr>
           </a:p>
           <a:p>
             <a:r>
@@ -15387,8 +15739,36 @@
           <a:lstStyle/>
           <a:p>
             <a:r>
+              <a:rPr lang="zh-TW" altLang="en-US">
+                <a:solidFill>
+                  <a:srgbClr val="FFC000"/>
+                </a:solidFill>
+              </a:rPr>
+              <a:t>除錯</a:t>
+            </a:r>
+            <a:r>
+              <a:rPr lang="en-US" altLang="zh-TW">
+                <a:solidFill>
+                  <a:srgbClr val="FFC000"/>
+                </a:solidFill>
+              </a:rPr>
+              <a:t>(debug)</a:t>
+            </a:r>
+            <a:r>
               <a:rPr lang="zh-TW" altLang="en-US"/>
-              <a:t>除錯比一般執行多的功能在於可以下</a:t>
+              <a:t>比一般</a:t>
+            </a:r>
+            <a:r>
+              <a:rPr lang="zh-TW" altLang="en-US">
+                <a:solidFill>
+                  <a:srgbClr val="FFC000"/>
+                </a:solidFill>
+              </a:rPr>
+              <a:t>執行</a:t>
+            </a:r>
+            <a:r>
+              <a:rPr lang="zh-TW" altLang="en-US"/>
+              <a:t>多的功能在於可以下</a:t>
             </a:r>
             <a:r>
               <a:rPr lang="zh-TW" altLang="en-US">
@@ -15410,16 +15790,80 @@
           <a:p>
             <a:r>
               <a:rPr lang="zh-TW" altLang="en-US"/>
-              <a:t>程式在下斷點後，當執行到下斷點的行前，就會先暫停</a:t>
-            </a:r>
-            <a:endParaRPr lang="en-US" altLang="zh-TW"/>
-          </a:p>
-          <a:p>
+              <a:t>程式在下</a:t>
+            </a:r>
+            <a:r>
+              <a:rPr lang="zh-TW" altLang="en-US">
+                <a:solidFill>
+                  <a:srgbClr val="00B0F0"/>
+                </a:solidFill>
+              </a:rPr>
+              <a:t>斷點</a:t>
+            </a:r>
             <a:r>
               <a:rPr lang="zh-TW" altLang="en-US"/>
-              <a:t>只需要在行編號上點擊左鍵即可下斷點，再按一次即可移除斷點</a:t>
-            </a:r>
-            <a:endParaRPr lang="en-US" altLang="zh-TW"/>
+              <a:t>後，當</a:t>
+            </a:r>
+            <a:r>
+              <a:rPr lang="zh-TW" altLang="en-US">
+                <a:solidFill>
+                  <a:srgbClr val="FFFF00"/>
+                </a:solidFill>
+              </a:rPr>
+              <a:t>執行到下</a:t>
+            </a:r>
+            <a:r>
+              <a:rPr lang="zh-TW" altLang="en-US">
+                <a:solidFill>
+                  <a:srgbClr val="00B0F0"/>
+                </a:solidFill>
+              </a:rPr>
+              <a:t>斷點</a:t>
+            </a:r>
+            <a:r>
+              <a:rPr lang="zh-TW" altLang="en-US">
+                <a:solidFill>
+                  <a:srgbClr val="FFFF00"/>
+                </a:solidFill>
+              </a:rPr>
+              <a:t>的行前，就會先暫停</a:t>
+            </a:r>
+            <a:endParaRPr lang="en-US" altLang="zh-TW">
+              <a:solidFill>
+                <a:srgbClr val="FFFF00"/>
+              </a:solidFill>
+            </a:endParaRPr>
+          </a:p>
+          <a:p>
+            <a:r>
+              <a:rPr lang="zh-TW" altLang="en-US"/>
+              <a:t>只需要在行編號上點擊左鍵即可下</a:t>
+            </a:r>
+            <a:r>
+              <a:rPr lang="zh-TW" altLang="en-US">
+                <a:solidFill>
+                  <a:srgbClr val="00B0F0"/>
+                </a:solidFill>
+              </a:rPr>
+              <a:t>斷點</a:t>
+            </a:r>
+            <a:r>
+              <a:rPr lang="zh-TW" altLang="en-US"/>
+              <a:t>，再按一次即可移除</a:t>
+            </a:r>
+            <a:r>
+              <a:rPr lang="zh-TW" altLang="en-US">
+                <a:solidFill>
+                  <a:srgbClr val="00B0F0"/>
+                </a:solidFill>
+              </a:rPr>
+              <a:t>斷點</a:t>
+            </a:r>
+            <a:endParaRPr lang="en-US" altLang="zh-TW">
+              <a:solidFill>
+                <a:srgbClr val="00B0F0"/>
+              </a:solidFill>
+            </a:endParaRPr>
           </a:p>
         </p:txBody>
       </p:sp>
@@ -15563,14 +16007,54 @@
           <a:p>
             <a:r>
               <a:rPr lang="zh-TW" altLang="en-US"/>
-              <a:t>如查看、修改變數的值</a:t>
+              <a:t>如</a:t>
+            </a:r>
+            <a:r>
+              <a:rPr lang="zh-TW" altLang="en-US">
+                <a:solidFill>
+                  <a:srgbClr val="FFC000"/>
+                </a:solidFill>
+              </a:rPr>
+              <a:t>查看</a:t>
+            </a:r>
+            <a:r>
+              <a:rPr lang="zh-TW" altLang="en-US"/>
+              <a:t>、</a:t>
+            </a:r>
+            <a:r>
+              <a:rPr lang="zh-TW" altLang="en-US">
+                <a:solidFill>
+                  <a:srgbClr val="FFC000"/>
+                </a:solidFill>
+              </a:rPr>
+              <a:t>修改</a:t>
+            </a:r>
+            <a:r>
+              <a:rPr lang="zh-TW" altLang="en-US">
+                <a:solidFill>
+                  <a:srgbClr val="00B0F0"/>
+                </a:solidFill>
+              </a:rPr>
+              <a:t>變數</a:t>
+            </a:r>
+            <a:r>
+              <a:rPr lang="zh-TW" altLang="en-US"/>
+              <a:t>的值</a:t>
             </a:r>
             <a:endParaRPr lang="en-US" altLang="zh-TW"/>
           </a:p>
           <a:p>
             <a:r>
               <a:rPr lang="zh-TW" altLang="en-US"/>
-              <a:t>也可以移除或加新斷點</a:t>
+              <a:t>也可以移除或加新</a:t>
+            </a:r>
+            <a:r>
+              <a:rPr lang="zh-TW" altLang="en-US">
+                <a:solidFill>
+                  <a:srgbClr val="00B0F0"/>
+                </a:solidFill>
+              </a:rPr>
+              <a:t>斷點</a:t>
             </a:r>
           </a:p>
         </p:txBody>
@@ -22408,7 +22892,11 @@
               <a:t>選擇 </a:t>
             </a:r>
             <a:r>
-              <a:rPr lang="en-US" altLang="zh-TW"/>
+              <a:rPr lang="en-US" altLang="zh-TW">
+                <a:solidFill>
+                  <a:srgbClr val="92D050"/>
+                </a:solidFill>
+              </a:rPr>
               <a:t>.exe</a:t>
             </a:r>
             <a:r>
@@ -23610,16 +24098,40 @@
           <a:p>
             <a:r>
               <a:rPr lang="zh-TW" altLang="en-US"/>
-              <a:t>會出現右圖視窗</a:t>
-            </a:r>
-            <a:endParaRPr lang="en-US" altLang="zh-TW"/>
+              <a:t>會出現右圖</a:t>
+            </a:r>
+            <a:r>
+              <a:rPr lang="zh-TW" altLang="en-US">
+                <a:solidFill>
+                  <a:srgbClr val="00B0F0"/>
+                </a:solidFill>
+              </a:rPr>
+              <a:t>視窗</a:t>
+            </a:r>
+            <a:endParaRPr lang="en-US" altLang="zh-TW">
+              <a:solidFill>
+                <a:srgbClr val="00B0F0"/>
+              </a:solidFill>
+            </a:endParaRPr>
           </a:p>
           <a:p>
             <a:r>
               <a:rPr lang="zh-TW" altLang="en-US"/>
               <a:t>填好名稱後就可以創建</a:t>
             </a:r>
-            <a:endParaRPr lang="en-US" altLang="zh-TW"/>
+            <a:r>
+              <a:rPr lang="zh-TW" altLang="en-US">
+                <a:solidFill>
+                  <a:srgbClr val="00B0F0"/>
+                </a:solidFill>
+              </a:rPr>
+              <a:t>專案</a:t>
+            </a:r>
+            <a:endParaRPr lang="en-US" altLang="zh-TW">
+              <a:solidFill>
+                <a:srgbClr val="00B0F0"/>
+              </a:solidFill>
+            </a:endParaRPr>
           </a:p>
           <a:p>
             <a:endParaRPr lang="en-US" altLang="zh-TW"/>
@@ -23763,7 +24275,15 @@
           <a:p>
             <a:r>
               <a:rPr lang="zh-TW" altLang="en-US"/>
-              <a:t>就會顯示專案</a:t>
+              <a:t>就會顯示</a:t>
+            </a:r>
+            <a:r>
+              <a:rPr lang="zh-TW" altLang="en-US">
+                <a:solidFill>
+                  <a:srgbClr val="00B0F0"/>
+                </a:solidFill>
+              </a:rPr>
+              <a:t>專案</a:t>
             </a:r>
           </a:p>
         </p:txBody>
@@ -23877,8 +24397,8 @@
         </p:nvSpPr>
         <p:spPr>
           <a:xfrm>
-            <a:off x="838200" y="1690688"/>
-            <a:ext cx="3095625" cy="4273808"/>
+            <a:off x="838200" y="1498828"/>
+            <a:ext cx="3095625" cy="4657528"/>
           </a:xfrm>
         </p:spPr>
         <p:txBody>
@@ -23892,25 +24412,18 @@
               <a:t>要新增 </a:t>
             </a:r>
             <a:r>
-              <a:rPr lang="en-US" altLang="zh-TW"/>
-              <a:t>Class</a:t>
+              <a:rPr lang="en-US" altLang="zh-TW">
+                <a:solidFill>
+                  <a:srgbClr val="00B0F0"/>
+                </a:solidFill>
+              </a:rPr>
+              <a:t>class</a:t>
             </a:r>
           </a:p>
           <a:p>
             <a:r>
               <a:rPr lang="zh-TW" altLang="en-US"/>
-              <a:t>只需要在</a:t>
-            </a:r>
-            <a:endParaRPr lang="en-US" altLang="zh-TW"/>
-          </a:p>
-          <a:p>
-            <a:r>
-              <a:rPr lang="en-US" altLang="zh-TW"/>
-              <a:t>"src"</a:t>
-            </a:r>
-            <a:r>
-              <a:rPr lang="zh-TW" altLang="en-US"/>
-              <a:t> 資料夾上</a:t>
+              <a:t>只需要在資料夾上</a:t>
             </a:r>
             <a:endParaRPr lang="en-US" altLang="zh-TW"/>
           </a:p>
@@ -23968,6 +24481,48 @@
               <a:rPr lang="zh-TW" altLang="en-US"/>
               <a:t>即可創建</a:t>
             </a:r>
+            <a:endParaRPr lang="en-US" altLang="zh-TW"/>
+          </a:p>
+          <a:p>
+            <a:r>
+              <a:rPr lang="zh-TW" altLang="en-US"/>
+              <a:t>目前 </a:t>
+            </a:r>
+            <a:r>
+              <a:rPr lang="en-US" altLang="zh-TW">
+                <a:solidFill>
+                  <a:srgbClr val="00B0F0"/>
+                </a:solidFill>
+              </a:rPr>
+              <a:t>class</a:t>
+            </a:r>
+          </a:p>
+          <a:p>
+            <a:r>
+              <a:rPr lang="zh-TW" altLang="en-US"/>
+              <a:t>皆放在 </a:t>
+            </a:r>
+            <a:r>
+              <a:rPr lang="en-US" altLang="zh-TW"/>
+              <a:t>"</a:t>
+            </a:r>
+            <a:r>
+              <a:rPr lang="en-US" altLang="zh-TW">
+                <a:solidFill>
+                  <a:srgbClr val="92D050"/>
+                </a:solidFill>
+              </a:rPr>
+              <a:t>src</a:t>
+            </a:r>
+            <a:r>
+              <a:rPr lang="en-US" altLang="zh-TW"/>
+              <a:t>"</a:t>
+            </a:r>
+            <a:r>
+              <a:rPr lang="zh-TW" altLang="en-US"/>
+              <a:t> 下</a:t>
+            </a:r>
+            <a:endParaRPr lang="en-US" altLang="zh-TW"/>
           </a:p>
         </p:txBody>
       </p:sp>
@@ -24317,23 +24872,59 @@
           <a:p>
             <a:r>
               <a:rPr lang="zh-TW" altLang="en-US"/>
-              <a:t>即可在編輯區編輯</a:t>
+              <a:t>即可在</a:t>
+            </a:r>
+            <a:r>
+              <a:rPr lang="zh-TW" altLang="en-US">
+                <a:solidFill>
+                  <a:srgbClr val="00B0F0"/>
+                </a:solidFill>
+              </a:rPr>
+              <a:t>編輯區</a:t>
+            </a:r>
+            <a:r>
+              <a:rPr lang="zh-TW" altLang="en-US"/>
+              <a:t>編輯</a:t>
             </a:r>
             <a:endParaRPr lang="en-US" altLang="zh-TW"/>
           </a:p>
           <a:p>
             <a:r>
               <a:rPr lang="zh-TW" altLang="en-US"/>
-              <a:t>所有專案檔案</a:t>
-            </a:r>
-            <a:endParaRPr lang="en-US" altLang="zh-TW"/>
+              <a:t>所有</a:t>
+            </a:r>
+            <a:r>
+              <a:rPr lang="zh-TW" altLang="en-US">
+                <a:solidFill>
+                  <a:srgbClr val="00B0F0"/>
+                </a:solidFill>
+              </a:rPr>
+              <a:t>專案檔案</a:t>
+            </a:r>
+            <a:endParaRPr lang="en-US" altLang="zh-TW">
+              <a:solidFill>
+                <a:srgbClr val="00B0F0"/>
+              </a:solidFill>
+            </a:endParaRPr>
           </a:p>
           <a:p>
             <a:r>
               <a:rPr lang="zh-TW" altLang="en-US"/>
-              <a:t>都會出現在檔案區</a:t>
-            </a:r>
-            <a:endParaRPr lang="en-US" altLang="zh-TW"/>
+              <a:t>都會出現在</a:t>
+            </a:r>
+            <a:r>
+              <a:rPr lang="zh-TW" altLang="en-US">
+                <a:solidFill>
+                  <a:srgbClr val="00B0F0"/>
+                </a:solidFill>
+              </a:rPr>
+              <a:t>檔案區</a:t>
+            </a:r>
+            <a:endParaRPr lang="en-US" altLang="zh-TW">
+              <a:solidFill>
+                <a:srgbClr val="00B0F0"/>
+              </a:solidFill>
+            </a:endParaRPr>
           </a:p>
         </p:txBody>
       </p:sp>

--- a/powerpoint/05_IntelliJ IDEA.pptx
+++ b/powerpoint/05_IntelliJ IDEA.pptx
@@ -2,7 +2,7 @@
 <file path=ppt/presentation.xml><?xml version="1.0" encoding="utf-8"?>
 <p:presentation xmlns:a="http://schemas.openxmlformats.org/drawingml/2006/main" xmlns:r="http://schemas.openxmlformats.org/officeDocument/2006/relationships" xmlns:p="http://schemas.openxmlformats.org/presentationml/2006/main" saveSubsetFonts="1">
   <p:sldMasterIdLst>
-    <p:sldMasterId id="2147483660" r:id="rId1"/>
+    <p:sldMasterId id="2147483673" r:id="rId1"/>
   </p:sldMasterIdLst>
   <p:notesMasterIdLst>
     <p:notesMasterId r:id="rId25"/>
@@ -219,7 +219,7 @@
           <a:p>
             <a:fld id="{B01E94BF-979C-4102-B9D3-90D188A7B1D8}" type="datetimeFigureOut">
               <a:rPr lang="zh-TW" altLang="en-US" smtClean="0"/>
-              <a:t>2024/8/17</a:t>
+              <a:t>2024/8/28</a:t>
             </a:fld>
             <a:endParaRPr lang="zh-TW" altLang="en-US"/>
           </a:p>
@@ -781,1457 +781,7 @@
     </p:spTree>
     <p:extLst>
       <p:ext uri="{BB962C8B-B14F-4D97-AF65-F5344CB8AC3E}">
-        <p14:creationId xmlns:p14="http://schemas.microsoft.com/office/powerpoint/2010/main" val="3499978979"/>
-      </p:ext>
-    </p:extLst>
-  </p:cSld>
-  <p:clrMapOvr>
-    <a:masterClrMapping/>
-  </p:clrMapOvr>
-  <p:transition spd="slow">
-    <p:push dir="u"/>
-  </p:transition>
-</p:sldLayout>
-</file>
-
-<file path=ppt/slideLayouts/slideLayout10.xml><?xml version="1.0" encoding="utf-8"?>
-<p:sldLayout xmlns:a="http://schemas.openxmlformats.org/drawingml/2006/main" xmlns:r="http://schemas.openxmlformats.org/officeDocument/2006/relationships" xmlns:p="http://schemas.openxmlformats.org/presentationml/2006/main" type="vertTx" preserve="1">
-  <p:cSld name="標題及直排文字">
-    <p:spTree>
-      <p:nvGrpSpPr>
-        <p:cNvPr id="1" name=""/>
-        <p:cNvGrpSpPr/>
-        <p:nvPr/>
-      </p:nvGrpSpPr>
-      <p:grpSpPr>
-        <a:xfrm>
-          <a:off x="0" y="0"/>
-          <a:ext cx="0" cy="0"/>
-          <a:chOff x="0" y="0"/>
-          <a:chExt cx="0" cy="0"/>
-        </a:xfrm>
-      </p:grpSpPr>
-      <p:sp>
-        <p:nvSpPr>
-          <p:cNvPr id="2" name="標題 1">
-            <a:extLst>
-              <a:ext uri="{FF2B5EF4-FFF2-40B4-BE49-F238E27FC236}">
-                <a16:creationId xmlns:a16="http://schemas.microsoft.com/office/drawing/2014/main" id="{0FDDC07F-519C-49CA-AA44-B985B88C2335}"/>
-              </a:ext>
-            </a:extLst>
-          </p:cNvPr>
-          <p:cNvSpPr>
-            <a:spLocks noGrp="1"/>
-          </p:cNvSpPr>
-          <p:nvPr>
-            <p:ph type="title"/>
-          </p:nvPr>
-        </p:nvSpPr>
-        <p:spPr/>
-        <p:txBody>
-          <a:bodyPr/>
-          <a:lstStyle/>
-          <a:p>
-            <a:r>
-              <a:rPr lang="zh-TW" altLang="en-US"/>
-              <a:t>按一下以編輯母片標題樣式</a:t>
-            </a:r>
-          </a:p>
-        </p:txBody>
-      </p:sp>
-      <p:sp>
-        <p:nvSpPr>
-          <p:cNvPr id="3" name="直排文字版面配置區 2">
-            <a:extLst>
-              <a:ext uri="{FF2B5EF4-FFF2-40B4-BE49-F238E27FC236}">
-                <a16:creationId xmlns:a16="http://schemas.microsoft.com/office/drawing/2014/main" id="{EA4FAF03-5463-4183-9F65-A1E11FD43A75}"/>
-              </a:ext>
-            </a:extLst>
-          </p:cNvPr>
-          <p:cNvSpPr>
-            <a:spLocks noGrp="1"/>
-          </p:cNvSpPr>
-          <p:nvPr>
-            <p:ph type="body" orient="vert" idx="1"/>
-          </p:nvPr>
-        </p:nvSpPr>
-        <p:spPr/>
-        <p:txBody>
-          <a:bodyPr vert="eaVert"/>
-          <a:lstStyle/>
-          <a:p>
-            <a:pPr lvl="0"/>
-            <a:r>
-              <a:rPr lang="zh-TW" altLang="en-US"/>
-              <a:t>按一下以編輯母片文字樣式</a:t>
-            </a:r>
-          </a:p>
-          <a:p>
-            <a:pPr lvl="1"/>
-            <a:r>
-              <a:rPr lang="zh-TW" altLang="en-US"/>
-              <a:t>第二層</a:t>
-            </a:r>
-          </a:p>
-          <a:p>
-            <a:pPr lvl="2"/>
-            <a:r>
-              <a:rPr lang="zh-TW" altLang="en-US"/>
-              <a:t>第三層</a:t>
-            </a:r>
-          </a:p>
-          <a:p>
-            <a:pPr lvl="3"/>
-            <a:r>
-              <a:rPr lang="zh-TW" altLang="en-US"/>
-              <a:t>第四層</a:t>
-            </a:r>
-          </a:p>
-          <a:p>
-            <a:pPr lvl="4"/>
-            <a:r>
-              <a:rPr lang="zh-TW" altLang="en-US"/>
-              <a:t>第五層</a:t>
-            </a:r>
-          </a:p>
-        </p:txBody>
-      </p:sp>
-      <p:sp>
-        <p:nvSpPr>
-          <p:cNvPr id="7" name="頁尾版面配置區 4">
-            <a:extLst>
-              <a:ext uri="{FF2B5EF4-FFF2-40B4-BE49-F238E27FC236}">
-                <a16:creationId xmlns:a16="http://schemas.microsoft.com/office/drawing/2014/main" id="{673CEE49-E682-4987-B5C6-44AC5441606B}"/>
-              </a:ext>
-            </a:extLst>
-          </p:cNvPr>
-          <p:cNvSpPr txBox="1">
-            <a:spLocks/>
-          </p:cNvSpPr>
-          <p:nvPr/>
-        </p:nvSpPr>
-        <p:spPr>
-          <a:xfrm>
-            <a:off x="0" y="6492875"/>
-            <a:ext cx="2743200" cy="365125"/>
-          </a:xfrm>
-          <a:prstGeom prst="rect">
-            <a:avLst/>
-          </a:prstGeom>
-        </p:spPr>
-        <p:txBody>
-          <a:bodyPr vert="horz" lIns="91440" tIns="45720" rIns="91440" bIns="45720" rtlCol="0" anchor="ctr"/>
-          <a:lstStyle>
-            <a:defPPr>
-              <a:defRPr lang="zh-TW"/>
-            </a:defPPr>
-            <a:lvl1pPr marL="0" algn="l" defTabSz="914400" rtl="0" eaLnBrk="1" latinLnBrk="0" hangingPunct="1">
-              <a:defRPr sz="1200" kern="1200">
-                <a:solidFill>
-                  <a:schemeClr val="tx1">
-                    <a:tint val="75000"/>
-                  </a:schemeClr>
-                </a:solidFill>
-                <a:latin typeface="+mn-lt"/>
-                <a:ea typeface="+mn-ea"/>
-                <a:cs typeface="+mn-cs"/>
-              </a:defRPr>
-            </a:lvl1pPr>
-            <a:lvl2pPr marL="457200" algn="l" defTabSz="914400" rtl="0" eaLnBrk="1" latinLnBrk="0" hangingPunct="1">
-              <a:defRPr sz="1800" kern="1200">
-                <a:solidFill>
-                  <a:schemeClr val="tx1"/>
-                </a:solidFill>
-                <a:latin typeface="+mn-lt"/>
-                <a:ea typeface="+mn-ea"/>
-                <a:cs typeface="+mn-cs"/>
-              </a:defRPr>
-            </a:lvl2pPr>
-            <a:lvl3pPr marL="914400" algn="l" defTabSz="914400" rtl="0" eaLnBrk="1" latinLnBrk="0" hangingPunct="1">
-              <a:defRPr sz="1800" kern="1200">
-                <a:solidFill>
-                  <a:schemeClr val="tx1"/>
-                </a:solidFill>
-                <a:latin typeface="+mn-lt"/>
-                <a:ea typeface="+mn-ea"/>
-                <a:cs typeface="+mn-cs"/>
-              </a:defRPr>
-            </a:lvl3pPr>
-            <a:lvl4pPr marL="1371600" algn="l" defTabSz="914400" rtl="0" eaLnBrk="1" latinLnBrk="0" hangingPunct="1">
-              <a:defRPr sz="1800" kern="1200">
-                <a:solidFill>
-                  <a:schemeClr val="tx1"/>
-                </a:solidFill>
-                <a:latin typeface="+mn-lt"/>
-                <a:ea typeface="+mn-ea"/>
-                <a:cs typeface="+mn-cs"/>
-              </a:defRPr>
-            </a:lvl4pPr>
-            <a:lvl5pPr marL="1828800" algn="l" defTabSz="914400" rtl="0" eaLnBrk="1" latinLnBrk="0" hangingPunct="1">
-              <a:defRPr sz="1800" kern="1200">
-                <a:solidFill>
-                  <a:schemeClr val="tx1"/>
-                </a:solidFill>
-                <a:latin typeface="+mn-lt"/>
-                <a:ea typeface="+mn-ea"/>
-                <a:cs typeface="+mn-cs"/>
-              </a:defRPr>
-            </a:lvl5pPr>
-            <a:lvl6pPr marL="2286000" algn="l" defTabSz="914400" rtl="0" eaLnBrk="1" latinLnBrk="0" hangingPunct="1">
-              <a:defRPr sz="1800" kern="1200">
-                <a:solidFill>
-                  <a:schemeClr val="tx1"/>
-                </a:solidFill>
-                <a:latin typeface="+mn-lt"/>
-                <a:ea typeface="+mn-ea"/>
-                <a:cs typeface="+mn-cs"/>
-              </a:defRPr>
-            </a:lvl6pPr>
-            <a:lvl7pPr marL="2743200" algn="l" defTabSz="914400" rtl="0" eaLnBrk="1" latinLnBrk="0" hangingPunct="1">
-              <a:defRPr sz="1800" kern="1200">
-                <a:solidFill>
-                  <a:schemeClr val="tx1"/>
-                </a:solidFill>
-                <a:latin typeface="+mn-lt"/>
-                <a:ea typeface="+mn-ea"/>
-                <a:cs typeface="+mn-cs"/>
-              </a:defRPr>
-            </a:lvl7pPr>
-            <a:lvl8pPr marL="3200400" algn="l" defTabSz="914400" rtl="0" eaLnBrk="1" latinLnBrk="0" hangingPunct="1">
-              <a:defRPr sz="1800" kern="1200">
-                <a:solidFill>
-                  <a:schemeClr val="tx1"/>
-                </a:solidFill>
-                <a:latin typeface="+mn-lt"/>
-                <a:ea typeface="+mn-ea"/>
-                <a:cs typeface="+mn-cs"/>
-              </a:defRPr>
-            </a:lvl8pPr>
-            <a:lvl9pPr marL="3657600" algn="l" defTabSz="914400" rtl="0" eaLnBrk="1" latinLnBrk="0" hangingPunct="1">
-              <a:defRPr sz="1800" kern="1200">
-                <a:solidFill>
-                  <a:schemeClr val="tx1"/>
-                </a:solidFill>
-                <a:latin typeface="+mn-lt"/>
-                <a:ea typeface="+mn-ea"/>
-                <a:cs typeface="+mn-cs"/>
-              </a:defRPr>
-            </a:lvl9pPr>
-          </a:lstStyle>
-          <a:p>
-            <a:r>
-              <a:rPr lang="en-US" altLang="zh-TW"/>
-              <a:t>TYIC</a:t>
-            </a:r>
-            <a:r>
-              <a:rPr lang="zh-TW" altLang="en-US"/>
-              <a:t>桃高資訊社</a:t>
-            </a:r>
-          </a:p>
-        </p:txBody>
-      </p:sp>
-      <p:sp>
-        <p:nvSpPr>
-          <p:cNvPr id="8" name="投影片編號版面配置區 5">
-            <a:extLst>
-              <a:ext uri="{FF2B5EF4-FFF2-40B4-BE49-F238E27FC236}">
-                <a16:creationId xmlns:a16="http://schemas.microsoft.com/office/drawing/2014/main" id="{30FE2C57-B7B9-4C62-97C3-180398C5D84A}"/>
-              </a:ext>
-            </a:extLst>
-          </p:cNvPr>
-          <p:cNvSpPr txBox="1">
-            <a:spLocks/>
-          </p:cNvSpPr>
-          <p:nvPr/>
-        </p:nvSpPr>
-        <p:spPr>
-          <a:xfrm>
-            <a:off x="9448800" y="6492874"/>
-            <a:ext cx="2743200" cy="365125"/>
-          </a:xfrm>
-          <a:prstGeom prst="rect">
-            <a:avLst/>
-          </a:prstGeom>
-        </p:spPr>
-        <p:txBody>
-          <a:bodyPr vert="horz" lIns="91440" tIns="45720" rIns="91440" bIns="45720" rtlCol="0" anchor="ctr"/>
-          <a:lstStyle>
-            <a:defPPr>
-              <a:defRPr lang="zh-TW"/>
-            </a:defPPr>
-            <a:lvl1pPr marL="0" algn="r" defTabSz="914400" rtl="0" eaLnBrk="1" latinLnBrk="0" hangingPunct="1">
-              <a:defRPr sz="1200" kern="1200">
-                <a:solidFill>
-                  <a:schemeClr val="tx1">
-                    <a:tint val="75000"/>
-                  </a:schemeClr>
-                </a:solidFill>
-                <a:latin typeface="+mn-lt"/>
-                <a:ea typeface="+mn-ea"/>
-                <a:cs typeface="+mn-cs"/>
-              </a:defRPr>
-            </a:lvl1pPr>
-            <a:lvl2pPr marL="457200" algn="l" defTabSz="914400" rtl="0" eaLnBrk="1" latinLnBrk="0" hangingPunct="1">
-              <a:defRPr sz="1800" kern="1200">
-                <a:solidFill>
-                  <a:schemeClr val="tx1"/>
-                </a:solidFill>
-                <a:latin typeface="+mn-lt"/>
-                <a:ea typeface="+mn-ea"/>
-                <a:cs typeface="+mn-cs"/>
-              </a:defRPr>
-            </a:lvl2pPr>
-            <a:lvl3pPr marL="914400" algn="l" defTabSz="914400" rtl="0" eaLnBrk="1" latinLnBrk="0" hangingPunct="1">
-              <a:defRPr sz="1800" kern="1200">
-                <a:solidFill>
-                  <a:schemeClr val="tx1"/>
-                </a:solidFill>
-                <a:latin typeface="+mn-lt"/>
-                <a:ea typeface="+mn-ea"/>
-                <a:cs typeface="+mn-cs"/>
-              </a:defRPr>
-            </a:lvl3pPr>
-            <a:lvl4pPr marL="1371600" algn="l" defTabSz="914400" rtl="0" eaLnBrk="1" latinLnBrk="0" hangingPunct="1">
-              <a:defRPr sz="1800" kern="1200">
-                <a:solidFill>
-                  <a:schemeClr val="tx1"/>
-                </a:solidFill>
-                <a:latin typeface="+mn-lt"/>
-                <a:ea typeface="+mn-ea"/>
-                <a:cs typeface="+mn-cs"/>
-              </a:defRPr>
-            </a:lvl4pPr>
-            <a:lvl5pPr marL="1828800" algn="l" defTabSz="914400" rtl="0" eaLnBrk="1" latinLnBrk="0" hangingPunct="1">
-              <a:defRPr sz="1800" kern="1200">
-                <a:solidFill>
-                  <a:schemeClr val="tx1"/>
-                </a:solidFill>
-                <a:latin typeface="+mn-lt"/>
-                <a:ea typeface="+mn-ea"/>
-                <a:cs typeface="+mn-cs"/>
-              </a:defRPr>
-            </a:lvl5pPr>
-            <a:lvl6pPr marL="2286000" algn="l" defTabSz="914400" rtl="0" eaLnBrk="1" latinLnBrk="0" hangingPunct="1">
-              <a:defRPr sz="1800" kern="1200">
-                <a:solidFill>
-                  <a:schemeClr val="tx1"/>
-                </a:solidFill>
-                <a:latin typeface="+mn-lt"/>
-                <a:ea typeface="+mn-ea"/>
-                <a:cs typeface="+mn-cs"/>
-              </a:defRPr>
-            </a:lvl6pPr>
-            <a:lvl7pPr marL="2743200" algn="l" defTabSz="914400" rtl="0" eaLnBrk="1" latinLnBrk="0" hangingPunct="1">
-              <a:defRPr sz="1800" kern="1200">
-                <a:solidFill>
-                  <a:schemeClr val="tx1"/>
-                </a:solidFill>
-                <a:latin typeface="+mn-lt"/>
-                <a:ea typeface="+mn-ea"/>
-                <a:cs typeface="+mn-cs"/>
-              </a:defRPr>
-            </a:lvl7pPr>
-            <a:lvl8pPr marL="3200400" algn="l" defTabSz="914400" rtl="0" eaLnBrk="1" latinLnBrk="0" hangingPunct="1">
-              <a:defRPr sz="1800" kern="1200">
-                <a:solidFill>
-                  <a:schemeClr val="tx1"/>
-                </a:solidFill>
-                <a:latin typeface="+mn-lt"/>
-                <a:ea typeface="+mn-ea"/>
-                <a:cs typeface="+mn-cs"/>
-              </a:defRPr>
-            </a:lvl8pPr>
-            <a:lvl9pPr marL="3657600" algn="l" defTabSz="914400" rtl="0" eaLnBrk="1" latinLnBrk="0" hangingPunct="1">
-              <a:defRPr sz="1800" kern="1200">
-                <a:solidFill>
-                  <a:schemeClr val="tx1"/>
-                </a:solidFill>
-                <a:latin typeface="+mn-lt"/>
-                <a:ea typeface="+mn-ea"/>
-                <a:cs typeface="+mn-cs"/>
-              </a:defRPr>
-            </a:lvl9pPr>
-          </a:lstStyle>
-          <a:p>
-            <a:fld id="{D4328D90-2A6F-4F23-88A8-C5DCC2B5F307}" type="slidenum">
-              <a:rPr lang="zh-TW" altLang="en-US" smtClean="0"/>
-              <a:pPr/>
-              <a:t>‹#›</a:t>
-            </a:fld>
-            <a:endParaRPr lang="zh-TW" altLang="en-US"/>
-          </a:p>
-        </p:txBody>
-      </p:sp>
-      <p:sp>
-        <p:nvSpPr>
-          <p:cNvPr id="6" name="頁尾版面配置區 4">
-            <a:extLst>
-              <a:ext uri="{FF2B5EF4-FFF2-40B4-BE49-F238E27FC236}">
-                <a16:creationId xmlns:a16="http://schemas.microsoft.com/office/drawing/2014/main" id="{B6D0D332-58F6-44F7-8B06-11E5EF864545}"/>
-              </a:ext>
-            </a:extLst>
-          </p:cNvPr>
-          <p:cNvSpPr txBox="1">
-            <a:spLocks/>
-          </p:cNvSpPr>
-          <p:nvPr/>
-        </p:nvSpPr>
-        <p:spPr>
-          <a:xfrm>
-            <a:off x="0" y="6492875"/>
-            <a:ext cx="2743200" cy="365125"/>
-          </a:xfrm>
-          <a:prstGeom prst="rect">
-            <a:avLst/>
-          </a:prstGeom>
-        </p:spPr>
-        <p:txBody>
-          <a:bodyPr vert="horz" lIns="91440" tIns="45720" rIns="91440" bIns="45720" rtlCol="0" anchor="ctr"/>
-          <a:lstStyle>
-            <a:defPPr>
-              <a:defRPr lang="zh-TW"/>
-            </a:defPPr>
-            <a:lvl1pPr marL="0" algn="l" defTabSz="914400" rtl="0" eaLnBrk="1" latinLnBrk="0" hangingPunct="1">
-              <a:defRPr sz="1200" kern="1200">
-                <a:solidFill>
-                  <a:schemeClr val="tx1">
-                    <a:tint val="75000"/>
-                  </a:schemeClr>
-                </a:solidFill>
-                <a:latin typeface="+mn-lt"/>
-                <a:ea typeface="+mn-ea"/>
-                <a:cs typeface="+mn-cs"/>
-              </a:defRPr>
-            </a:lvl1pPr>
-            <a:lvl2pPr marL="457200" algn="l" defTabSz="914400" rtl="0" eaLnBrk="1" latinLnBrk="0" hangingPunct="1">
-              <a:defRPr sz="1800" kern="1200">
-                <a:solidFill>
-                  <a:schemeClr val="tx1"/>
-                </a:solidFill>
-                <a:latin typeface="+mn-lt"/>
-                <a:ea typeface="+mn-ea"/>
-                <a:cs typeface="+mn-cs"/>
-              </a:defRPr>
-            </a:lvl2pPr>
-            <a:lvl3pPr marL="914400" algn="l" defTabSz="914400" rtl="0" eaLnBrk="1" latinLnBrk="0" hangingPunct="1">
-              <a:defRPr sz="1800" kern="1200">
-                <a:solidFill>
-                  <a:schemeClr val="tx1"/>
-                </a:solidFill>
-                <a:latin typeface="+mn-lt"/>
-                <a:ea typeface="+mn-ea"/>
-                <a:cs typeface="+mn-cs"/>
-              </a:defRPr>
-            </a:lvl3pPr>
-            <a:lvl4pPr marL="1371600" algn="l" defTabSz="914400" rtl="0" eaLnBrk="1" latinLnBrk="0" hangingPunct="1">
-              <a:defRPr sz="1800" kern="1200">
-                <a:solidFill>
-                  <a:schemeClr val="tx1"/>
-                </a:solidFill>
-                <a:latin typeface="+mn-lt"/>
-                <a:ea typeface="+mn-ea"/>
-                <a:cs typeface="+mn-cs"/>
-              </a:defRPr>
-            </a:lvl4pPr>
-            <a:lvl5pPr marL="1828800" algn="l" defTabSz="914400" rtl="0" eaLnBrk="1" latinLnBrk="0" hangingPunct="1">
-              <a:defRPr sz="1800" kern="1200">
-                <a:solidFill>
-                  <a:schemeClr val="tx1"/>
-                </a:solidFill>
-                <a:latin typeface="+mn-lt"/>
-                <a:ea typeface="+mn-ea"/>
-                <a:cs typeface="+mn-cs"/>
-              </a:defRPr>
-            </a:lvl5pPr>
-            <a:lvl6pPr marL="2286000" algn="l" defTabSz="914400" rtl="0" eaLnBrk="1" latinLnBrk="0" hangingPunct="1">
-              <a:defRPr sz="1800" kern="1200">
-                <a:solidFill>
-                  <a:schemeClr val="tx1"/>
-                </a:solidFill>
-                <a:latin typeface="+mn-lt"/>
-                <a:ea typeface="+mn-ea"/>
-                <a:cs typeface="+mn-cs"/>
-              </a:defRPr>
-            </a:lvl6pPr>
-            <a:lvl7pPr marL="2743200" algn="l" defTabSz="914400" rtl="0" eaLnBrk="1" latinLnBrk="0" hangingPunct="1">
-              <a:defRPr sz="1800" kern="1200">
-                <a:solidFill>
-                  <a:schemeClr val="tx1"/>
-                </a:solidFill>
-                <a:latin typeface="+mn-lt"/>
-                <a:ea typeface="+mn-ea"/>
-                <a:cs typeface="+mn-cs"/>
-              </a:defRPr>
-            </a:lvl7pPr>
-            <a:lvl8pPr marL="3200400" algn="l" defTabSz="914400" rtl="0" eaLnBrk="1" latinLnBrk="0" hangingPunct="1">
-              <a:defRPr sz="1800" kern="1200">
-                <a:solidFill>
-                  <a:schemeClr val="tx1"/>
-                </a:solidFill>
-                <a:latin typeface="+mn-lt"/>
-                <a:ea typeface="+mn-ea"/>
-                <a:cs typeface="+mn-cs"/>
-              </a:defRPr>
-            </a:lvl8pPr>
-            <a:lvl9pPr marL="3657600" algn="l" defTabSz="914400" rtl="0" eaLnBrk="1" latinLnBrk="0" hangingPunct="1">
-              <a:defRPr sz="1800" kern="1200">
-                <a:solidFill>
-                  <a:schemeClr val="tx1"/>
-                </a:solidFill>
-                <a:latin typeface="+mn-lt"/>
-                <a:ea typeface="+mn-ea"/>
-                <a:cs typeface="+mn-cs"/>
-              </a:defRPr>
-            </a:lvl9pPr>
-          </a:lstStyle>
-          <a:p>
-            <a:r>
-              <a:rPr lang="en-US" altLang="zh-TW" dirty="0"/>
-              <a:t>TYIC</a:t>
-            </a:r>
-            <a:r>
-              <a:rPr lang="zh-TW" altLang="en-US"/>
-              <a:t>桃高資訊社</a:t>
-            </a:r>
-          </a:p>
-        </p:txBody>
-      </p:sp>
-      <p:sp>
-        <p:nvSpPr>
-          <p:cNvPr id="9" name="投影片編號版面配置區 5">
-            <a:extLst>
-              <a:ext uri="{FF2B5EF4-FFF2-40B4-BE49-F238E27FC236}">
-                <a16:creationId xmlns:a16="http://schemas.microsoft.com/office/drawing/2014/main" id="{7C1B046E-D8B9-4FA8-A126-F87F0D813BB6}"/>
-              </a:ext>
-            </a:extLst>
-          </p:cNvPr>
-          <p:cNvSpPr txBox="1">
-            <a:spLocks/>
-          </p:cNvSpPr>
-          <p:nvPr/>
-        </p:nvSpPr>
-        <p:spPr>
-          <a:xfrm>
-            <a:off x="9448800" y="6492874"/>
-            <a:ext cx="2743200" cy="365125"/>
-          </a:xfrm>
-          <a:prstGeom prst="rect">
-            <a:avLst/>
-          </a:prstGeom>
-        </p:spPr>
-        <p:txBody>
-          <a:bodyPr vert="horz" lIns="91440" tIns="45720" rIns="91440" bIns="45720" rtlCol="0" anchor="ctr"/>
-          <a:lstStyle>
-            <a:defPPr>
-              <a:defRPr lang="zh-TW"/>
-            </a:defPPr>
-            <a:lvl1pPr marL="0" algn="r" defTabSz="914400" rtl="0" eaLnBrk="1" latinLnBrk="0" hangingPunct="1">
-              <a:defRPr sz="1200" kern="1200">
-                <a:solidFill>
-                  <a:schemeClr val="tx1">
-                    <a:tint val="75000"/>
-                  </a:schemeClr>
-                </a:solidFill>
-                <a:latin typeface="+mn-lt"/>
-                <a:ea typeface="+mn-ea"/>
-                <a:cs typeface="+mn-cs"/>
-              </a:defRPr>
-            </a:lvl1pPr>
-            <a:lvl2pPr marL="457200" algn="l" defTabSz="914400" rtl="0" eaLnBrk="1" latinLnBrk="0" hangingPunct="1">
-              <a:defRPr sz="1800" kern="1200">
-                <a:solidFill>
-                  <a:schemeClr val="tx1"/>
-                </a:solidFill>
-                <a:latin typeface="+mn-lt"/>
-                <a:ea typeface="+mn-ea"/>
-                <a:cs typeface="+mn-cs"/>
-              </a:defRPr>
-            </a:lvl2pPr>
-            <a:lvl3pPr marL="914400" algn="l" defTabSz="914400" rtl="0" eaLnBrk="1" latinLnBrk="0" hangingPunct="1">
-              <a:defRPr sz="1800" kern="1200">
-                <a:solidFill>
-                  <a:schemeClr val="tx1"/>
-                </a:solidFill>
-                <a:latin typeface="+mn-lt"/>
-                <a:ea typeface="+mn-ea"/>
-                <a:cs typeface="+mn-cs"/>
-              </a:defRPr>
-            </a:lvl3pPr>
-            <a:lvl4pPr marL="1371600" algn="l" defTabSz="914400" rtl="0" eaLnBrk="1" latinLnBrk="0" hangingPunct="1">
-              <a:defRPr sz="1800" kern="1200">
-                <a:solidFill>
-                  <a:schemeClr val="tx1"/>
-                </a:solidFill>
-                <a:latin typeface="+mn-lt"/>
-                <a:ea typeface="+mn-ea"/>
-                <a:cs typeface="+mn-cs"/>
-              </a:defRPr>
-            </a:lvl4pPr>
-            <a:lvl5pPr marL="1828800" algn="l" defTabSz="914400" rtl="0" eaLnBrk="1" latinLnBrk="0" hangingPunct="1">
-              <a:defRPr sz="1800" kern="1200">
-                <a:solidFill>
-                  <a:schemeClr val="tx1"/>
-                </a:solidFill>
-                <a:latin typeface="+mn-lt"/>
-                <a:ea typeface="+mn-ea"/>
-                <a:cs typeface="+mn-cs"/>
-              </a:defRPr>
-            </a:lvl5pPr>
-            <a:lvl6pPr marL="2286000" algn="l" defTabSz="914400" rtl="0" eaLnBrk="1" latinLnBrk="0" hangingPunct="1">
-              <a:defRPr sz="1800" kern="1200">
-                <a:solidFill>
-                  <a:schemeClr val="tx1"/>
-                </a:solidFill>
-                <a:latin typeface="+mn-lt"/>
-                <a:ea typeface="+mn-ea"/>
-                <a:cs typeface="+mn-cs"/>
-              </a:defRPr>
-            </a:lvl6pPr>
-            <a:lvl7pPr marL="2743200" algn="l" defTabSz="914400" rtl="0" eaLnBrk="1" latinLnBrk="0" hangingPunct="1">
-              <a:defRPr sz="1800" kern="1200">
-                <a:solidFill>
-                  <a:schemeClr val="tx1"/>
-                </a:solidFill>
-                <a:latin typeface="+mn-lt"/>
-                <a:ea typeface="+mn-ea"/>
-                <a:cs typeface="+mn-cs"/>
-              </a:defRPr>
-            </a:lvl7pPr>
-            <a:lvl8pPr marL="3200400" algn="l" defTabSz="914400" rtl="0" eaLnBrk="1" latinLnBrk="0" hangingPunct="1">
-              <a:defRPr sz="1800" kern="1200">
-                <a:solidFill>
-                  <a:schemeClr val="tx1"/>
-                </a:solidFill>
-                <a:latin typeface="+mn-lt"/>
-                <a:ea typeface="+mn-ea"/>
-                <a:cs typeface="+mn-cs"/>
-              </a:defRPr>
-            </a:lvl8pPr>
-            <a:lvl9pPr marL="3657600" algn="l" defTabSz="914400" rtl="0" eaLnBrk="1" latinLnBrk="0" hangingPunct="1">
-              <a:defRPr sz="1800" kern="1200">
-                <a:solidFill>
-                  <a:schemeClr val="tx1"/>
-                </a:solidFill>
-                <a:latin typeface="+mn-lt"/>
-                <a:ea typeface="+mn-ea"/>
-                <a:cs typeface="+mn-cs"/>
-              </a:defRPr>
-            </a:lvl9pPr>
-          </a:lstStyle>
-          <a:p>
-            <a:fld id="{D4328D90-2A6F-4F23-88A8-C5DCC2B5F307}" type="slidenum">
-              <a:rPr lang="zh-TW" altLang="en-US" smtClean="0"/>
-              <a:pPr/>
-              <a:t>‹#›</a:t>
-            </a:fld>
-            <a:endParaRPr lang="zh-TW" altLang="en-US"/>
-          </a:p>
-        </p:txBody>
-      </p:sp>
-    </p:spTree>
-    <p:extLst>
-      <p:ext uri="{BB962C8B-B14F-4D97-AF65-F5344CB8AC3E}">
-        <p14:creationId xmlns:p14="http://schemas.microsoft.com/office/powerpoint/2010/main" val="3042055683"/>
-      </p:ext>
-    </p:extLst>
-  </p:cSld>
-  <p:clrMapOvr>
-    <a:masterClrMapping/>
-  </p:clrMapOvr>
-  <p:transition spd="slow">
-    <p:push dir="u"/>
-  </p:transition>
-</p:sldLayout>
-</file>
-
-<file path=ppt/slideLayouts/slideLayout11.xml><?xml version="1.0" encoding="utf-8"?>
-<p:sldLayout xmlns:a="http://schemas.openxmlformats.org/drawingml/2006/main" xmlns:r="http://schemas.openxmlformats.org/officeDocument/2006/relationships" xmlns:p="http://schemas.openxmlformats.org/presentationml/2006/main" type="vertTitleAndTx" preserve="1">
-  <p:cSld name="直排標題及文字">
-    <p:spTree>
-      <p:nvGrpSpPr>
-        <p:cNvPr id="1" name=""/>
-        <p:cNvGrpSpPr/>
-        <p:nvPr/>
-      </p:nvGrpSpPr>
-      <p:grpSpPr>
-        <a:xfrm>
-          <a:off x="0" y="0"/>
-          <a:ext cx="0" cy="0"/>
-          <a:chOff x="0" y="0"/>
-          <a:chExt cx="0" cy="0"/>
-        </a:xfrm>
-      </p:grpSpPr>
-      <p:sp>
-        <p:nvSpPr>
-          <p:cNvPr id="2" name="直排標題 1">
-            <a:extLst>
-              <a:ext uri="{FF2B5EF4-FFF2-40B4-BE49-F238E27FC236}">
-                <a16:creationId xmlns:a16="http://schemas.microsoft.com/office/drawing/2014/main" id="{1BA0FB70-3691-4CFB-B11C-DCA42F242EBA}"/>
-              </a:ext>
-            </a:extLst>
-          </p:cNvPr>
-          <p:cNvSpPr>
-            <a:spLocks noGrp="1"/>
-          </p:cNvSpPr>
-          <p:nvPr>
-            <p:ph type="title" orient="vert"/>
-          </p:nvPr>
-        </p:nvSpPr>
-        <p:spPr>
-          <a:xfrm>
-            <a:off x="8724900" y="365125"/>
-            <a:ext cx="2628900" cy="5811838"/>
-          </a:xfrm>
-        </p:spPr>
-        <p:txBody>
-          <a:bodyPr vert="eaVert"/>
-          <a:lstStyle/>
-          <a:p>
-            <a:r>
-              <a:rPr lang="zh-TW" altLang="en-US"/>
-              <a:t>按一下以編輯母片標題樣式</a:t>
-            </a:r>
-          </a:p>
-        </p:txBody>
-      </p:sp>
-      <p:sp>
-        <p:nvSpPr>
-          <p:cNvPr id="3" name="直排文字版面配置區 2">
-            <a:extLst>
-              <a:ext uri="{FF2B5EF4-FFF2-40B4-BE49-F238E27FC236}">
-                <a16:creationId xmlns:a16="http://schemas.microsoft.com/office/drawing/2014/main" id="{443DC9D4-0B7C-43C6-9ED5-146AB071FB9D}"/>
-              </a:ext>
-            </a:extLst>
-          </p:cNvPr>
-          <p:cNvSpPr>
-            <a:spLocks noGrp="1"/>
-          </p:cNvSpPr>
-          <p:nvPr>
-            <p:ph type="body" orient="vert" idx="1"/>
-          </p:nvPr>
-        </p:nvSpPr>
-        <p:spPr>
-          <a:xfrm>
-            <a:off x="838200" y="365125"/>
-            <a:ext cx="7734300" cy="5811838"/>
-          </a:xfrm>
-        </p:spPr>
-        <p:txBody>
-          <a:bodyPr vert="eaVert"/>
-          <a:lstStyle/>
-          <a:p>
-            <a:pPr lvl="0"/>
-            <a:r>
-              <a:rPr lang="zh-TW" altLang="en-US"/>
-              <a:t>按一下以編輯母片文字樣式</a:t>
-            </a:r>
-          </a:p>
-          <a:p>
-            <a:pPr lvl="1"/>
-            <a:r>
-              <a:rPr lang="zh-TW" altLang="en-US"/>
-              <a:t>第二層</a:t>
-            </a:r>
-          </a:p>
-          <a:p>
-            <a:pPr lvl="2"/>
-            <a:r>
-              <a:rPr lang="zh-TW" altLang="en-US"/>
-              <a:t>第三層</a:t>
-            </a:r>
-          </a:p>
-          <a:p>
-            <a:pPr lvl="3"/>
-            <a:r>
-              <a:rPr lang="zh-TW" altLang="en-US"/>
-              <a:t>第四層</a:t>
-            </a:r>
-          </a:p>
-          <a:p>
-            <a:pPr lvl="4"/>
-            <a:r>
-              <a:rPr lang="zh-TW" altLang="en-US"/>
-              <a:t>第五層</a:t>
-            </a:r>
-          </a:p>
-        </p:txBody>
-      </p:sp>
-      <p:sp>
-        <p:nvSpPr>
-          <p:cNvPr id="7" name="頁尾版面配置區 4">
-            <a:extLst>
-              <a:ext uri="{FF2B5EF4-FFF2-40B4-BE49-F238E27FC236}">
-                <a16:creationId xmlns:a16="http://schemas.microsoft.com/office/drawing/2014/main" id="{C07E68E1-74E8-4B75-8BF6-3AD8D3EC35C4}"/>
-              </a:ext>
-            </a:extLst>
-          </p:cNvPr>
-          <p:cNvSpPr txBox="1">
-            <a:spLocks/>
-          </p:cNvSpPr>
-          <p:nvPr/>
-        </p:nvSpPr>
-        <p:spPr>
-          <a:xfrm>
-            <a:off x="0" y="6492875"/>
-            <a:ext cx="2743200" cy="365125"/>
-          </a:xfrm>
-          <a:prstGeom prst="rect">
-            <a:avLst/>
-          </a:prstGeom>
-        </p:spPr>
-        <p:txBody>
-          <a:bodyPr vert="horz" lIns="91440" tIns="45720" rIns="91440" bIns="45720" rtlCol="0" anchor="ctr"/>
-          <a:lstStyle>
-            <a:defPPr>
-              <a:defRPr lang="zh-TW"/>
-            </a:defPPr>
-            <a:lvl1pPr marL="0" algn="l" defTabSz="914400" rtl="0" eaLnBrk="1" latinLnBrk="0" hangingPunct="1">
-              <a:defRPr sz="1200" kern="1200">
-                <a:solidFill>
-                  <a:schemeClr val="tx1">
-                    <a:tint val="75000"/>
-                  </a:schemeClr>
-                </a:solidFill>
-                <a:latin typeface="+mn-lt"/>
-                <a:ea typeface="+mn-ea"/>
-                <a:cs typeface="+mn-cs"/>
-              </a:defRPr>
-            </a:lvl1pPr>
-            <a:lvl2pPr marL="457200" algn="l" defTabSz="914400" rtl="0" eaLnBrk="1" latinLnBrk="0" hangingPunct="1">
-              <a:defRPr sz="1800" kern="1200">
-                <a:solidFill>
-                  <a:schemeClr val="tx1"/>
-                </a:solidFill>
-                <a:latin typeface="+mn-lt"/>
-                <a:ea typeface="+mn-ea"/>
-                <a:cs typeface="+mn-cs"/>
-              </a:defRPr>
-            </a:lvl2pPr>
-            <a:lvl3pPr marL="914400" algn="l" defTabSz="914400" rtl="0" eaLnBrk="1" latinLnBrk="0" hangingPunct="1">
-              <a:defRPr sz="1800" kern="1200">
-                <a:solidFill>
-                  <a:schemeClr val="tx1"/>
-                </a:solidFill>
-                <a:latin typeface="+mn-lt"/>
-                <a:ea typeface="+mn-ea"/>
-                <a:cs typeface="+mn-cs"/>
-              </a:defRPr>
-            </a:lvl3pPr>
-            <a:lvl4pPr marL="1371600" algn="l" defTabSz="914400" rtl="0" eaLnBrk="1" latinLnBrk="0" hangingPunct="1">
-              <a:defRPr sz="1800" kern="1200">
-                <a:solidFill>
-                  <a:schemeClr val="tx1"/>
-                </a:solidFill>
-                <a:latin typeface="+mn-lt"/>
-                <a:ea typeface="+mn-ea"/>
-                <a:cs typeface="+mn-cs"/>
-              </a:defRPr>
-            </a:lvl4pPr>
-            <a:lvl5pPr marL="1828800" algn="l" defTabSz="914400" rtl="0" eaLnBrk="1" latinLnBrk="0" hangingPunct="1">
-              <a:defRPr sz="1800" kern="1200">
-                <a:solidFill>
-                  <a:schemeClr val="tx1"/>
-                </a:solidFill>
-                <a:latin typeface="+mn-lt"/>
-                <a:ea typeface="+mn-ea"/>
-                <a:cs typeface="+mn-cs"/>
-              </a:defRPr>
-            </a:lvl5pPr>
-            <a:lvl6pPr marL="2286000" algn="l" defTabSz="914400" rtl="0" eaLnBrk="1" latinLnBrk="0" hangingPunct="1">
-              <a:defRPr sz="1800" kern="1200">
-                <a:solidFill>
-                  <a:schemeClr val="tx1"/>
-                </a:solidFill>
-                <a:latin typeface="+mn-lt"/>
-                <a:ea typeface="+mn-ea"/>
-                <a:cs typeface="+mn-cs"/>
-              </a:defRPr>
-            </a:lvl6pPr>
-            <a:lvl7pPr marL="2743200" algn="l" defTabSz="914400" rtl="0" eaLnBrk="1" latinLnBrk="0" hangingPunct="1">
-              <a:defRPr sz="1800" kern="1200">
-                <a:solidFill>
-                  <a:schemeClr val="tx1"/>
-                </a:solidFill>
-                <a:latin typeface="+mn-lt"/>
-                <a:ea typeface="+mn-ea"/>
-                <a:cs typeface="+mn-cs"/>
-              </a:defRPr>
-            </a:lvl7pPr>
-            <a:lvl8pPr marL="3200400" algn="l" defTabSz="914400" rtl="0" eaLnBrk="1" latinLnBrk="0" hangingPunct="1">
-              <a:defRPr sz="1800" kern="1200">
-                <a:solidFill>
-                  <a:schemeClr val="tx1"/>
-                </a:solidFill>
-                <a:latin typeface="+mn-lt"/>
-                <a:ea typeface="+mn-ea"/>
-                <a:cs typeface="+mn-cs"/>
-              </a:defRPr>
-            </a:lvl8pPr>
-            <a:lvl9pPr marL="3657600" algn="l" defTabSz="914400" rtl="0" eaLnBrk="1" latinLnBrk="0" hangingPunct="1">
-              <a:defRPr sz="1800" kern="1200">
-                <a:solidFill>
-                  <a:schemeClr val="tx1"/>
-                </a:solidFill>
-                <a:latin typeface="+mn-lt"/>
-                <a:ea typeface="+mn-ea"/>
-                <a:cs typeface="+mn-cs"/>
-              </a:defRPr>
-            </a:lvl9pPr>
-          </a:lstStyle>
-          <a:p>
-            <a:r>
-              <a:rPr lang="en-US" altLang="zh-TW"/>
-              <a:t>TYIC</a:t>
-            </a:r>
-            <a:r>
-              <a:rPr lang="zh-TW" altLang="en-US"/>
-              <a:t>桃高資訊社</a:t>
-            </a:r>
-          </a:p>
-        </p:txBody>
-      </p:sp>
-      <p:sp>
-        <p:nvSpPr>
-          <p:cNvPr id="8" name="投影片編號版面配置區 5">
-            <a:extLst>
-              <a:ext uri="{FF2B5EF4-FFF2-40B4-BE49-F238E27FC236}">
-                <a16:creationId xmlns:a16="http://schemas.microsoft.com/office/drawing/2014/main" id="{0A141965-84F2-41A3-BCDC-079B065A2E38}"/>
-              </a:ext>
-            </a:extLst>
-          </p:cNvPr>
-          <p:cNvSpPr txBox="1">
-            <a:spLocks/>
-          </p:cNvSpPr>
-          <p:nvPr/>
-        </p:nvSpPr>
-        <p:spPr>
-          <a:xfrm>
-            <a:off x="9448800" y="6492874"/>
-            <a:ext cx="2743200" cy="365125"/>
-          </a:xfrm>
-          <a:prstGeom prst="rect">
-            <a:avLst/>
-          </a:prstGeom>
-        </p:spPr>
-        <p:txBody>
-          <a:bodyPr vert="horz" lIns="91440" tIns="45720" rIns="91440" bIns="45720" rtlCol="0" anchor="ctr"/>
-          <a:lstStyle>
-            <a:defPPr>
-              <a:defRPr lang="zh-TW"/>
-            </a:defPPr>
-            <a:lvl1pPr marL="0" algn="r" defTabSz="914400" rtl="0" eaLnBrk="1" latinLnBrk="0" hangingPunct="1">
-              <a:defRPr sz="1200" kern="1200">
-                <a:solidFill>
-                  <a:schemeClr val="tx1">
-                    <a:tint val="75000"/>
-                  </a:schemeClr>
-                </a:solidFill>
-                <a:latin typeface="+mn-lt"/>
-                <a:ea typeface="+mn-ea"/>
-                <a:cs typeface="+mn-cs"/>
-              </a:defRPr>
-            </a:lvl1pPr>
-            <a:lvl2pPr marL="457200" algn="l" defTabSz="914400" rtl="0" eaLnBrk="1" latinLnBrk="0" hangingPunct="1">
-              <a:defRPr sz="1800" kern="1200">
-                <a:solidFill>
-                  <a:schemeClr val="tx1"/>
-                </a:solidFill>
-                <a:latin typeface="+mn-lt"/>
-                <a:ea typeface="+mn-ea"/>
-                <a:cs typeface="+mn-cs"/>
-              </a:defRPr>
-            </a:lvl2pPr>
-            <a:lvl3pPr marL="914400" algn="l" defTabSz="914400" rtl="0" eaLnBrk="1" latinLnBrk="0" hangingPunct="1">
-              <a:defRPr sz="1800" kern="1200">
-                <a:solidFill>
-                  <a:schemeClr val="tx1"/>
-                </a:solidFill>
-                <a:latin typeface="+mn-lt"/>
-                <a:ea typeface="+mn-ea"/>
-                <a:cs typeface="+mn-cs"/>
-              </a:defRPr>
-            </a:lvl3pPr>
-            <a:lvl4pPr marL="1371600" algn="l" defTabSz="914400" rtl="0" eaLnBrk="1" latinLnBrk="0" hangingPunct="1">
-              <a:defRPr sz="1800" kern="1200">
-                <a:solidFill>
-                  <a:schemeClr val="tx1"/>
-                </a:solidFill>
-                <a:latin typeface="+mn-lt"/>
-                <a:ea typeface="+mn-ea"/>
-                <a:cs typeface="+mn-cs"/>
-              </a:defRPr>
-            </a:lvl4pPr>
-            <a:lvl5pPr marL="1828800" algn="l" defTabSz="914400" rtl="0" eaLnBrk="1" latinLnBrk="0" hangingPunct="1">
-              <a:defRPr sz="1800" kern="1200">
-                <a:solidFill>
-                  <a:schemeClr val="tx1"/>
-                </a:solidFill>
-                <a:latin typeface="+mn-lt"/>
-                <a:ea typeface="+mn-ea"/>
-                <a:cs typeface="+mn-cs"/>
-              </a:defRPr>
-            </a:lvl5pPr>
-            <a:lvl6pPr marL="2286000" algn="l" defTabSz="914400" rtl="0" eaLnBrk="1" latinLnBrk="0" hangingPunct="1">
-              <a:defRPr sz="1800" kern="1200">
-                <a:solidFill>
-                  <a:schemeClr val="tx1"/>
-                </a:solidFill>
-                <a:latin typeface="+mn-lt"/>
-                <a:ea typeface="+mn-ea"/>
-                <a:cs typeface="+mn-cs"/>
-              </a:defRPr>
-            </a:lvl6pPr>
-            <a:lvl7pPr marL="2743200" algn="l" defTabSz="914400" rtl="0" eaLnBrk="1" latinLnBrk="0" hangingPunct="1">
-              <a:defRPr sz="1800" kern="1200">
-                <a:solidFill>
-                  <a:schemeClr val="tx1"/>
-                </a:solidFill>
-                <a:latin typeface="+mn-lt"/>
-                <a:ea typeface="+mn-ea"/>
-                <a:cs typeface="+mn-cs"/>
-              </a:defRPr>
-            </a:lvl7pPr>
-            <a:lvl8pPr marL="3200400" algn="l" defTabSz="914400" rtl="0" eaLnBrk="1" latinLnBrk="0" hangingPunct="1">
-              <a:defRPr sz="1800" kern="1200">
-                <a:solidFill>
-                  <a:schemeClr val="tx1"/>
-                </a:solidFill>
-                <a:latin typeface="+mn-lt"/>
-                <a:ea typeface="+mn-ea"/>
-                <a:cs typeface="+mn-cs"/>
-              </a:defRPr>
-            </a:lvl8pPr>
-            <a:lvl9pPr marL="3657600" algn="l" defTabSz="914400" rtl="0" eaLnBrk="1" latinLnBrk="0" hangingPunct="1">
-              <a:defRPr sz="1800" kern="1200">
-                <a:solidFill>
-                  <a:schemeClr val="tx1"/>
-                </a:solidFill>
-                <a:latin typeface="+mn-lt"/>
-                <a:ea typeface="+mn-ea"/>
-                <a:cs typeface="+mn-cs"/>
-              </a:defRPr>
-            </a:lvl9pPr>
-          </a:lstStyle>
-          <a:p>
-            <a:fld id="{D4328D90-2A6F-4F23-88A8-C5DCC2B5F307}" type="slidenum">
-              <a:rPr lang="zh-TW" altLang="en-US" smtClean="0"/>
-              <a:pPr/>
-              <a:t>‹#›</a:t>
-            </a:fld>
-            <a:endParaRPr lang="zh-TW" altLang="en-US"/>
-          </a:p>
-        </p:txBody>
-      </p:sp>
-      <p:sp>
-        <p:nvSpPr>
-          <p:cNvPr id="6" name="頁尾版面配置區 4">
-            <a:extLst>
-              <a:ext uri="{FF2B5EF4-FFF2-40B4-BE49-F238E27FC236}">
-                <a16:creationId xmlns:a16="http://schemas.microsoft.com/office/drawing/2014/main" id="{34401409-FF0A-4514-8915-53F19DD13094}"/>
-              </a:ext>
-            </a:extLst>
-          </p:cNvPr>
-          <p:cNvSpPr txBox="1">
-            <a:spLocks/>
-          </p:cNvSpPr>
-          <p:nvPr/>
-        </p:nvSpPr>
-        <p:spPr>
-          <a:xfrm>
-            <a:off x="0" y="6492875"/>
-            <a:ext cx="2743200" cy="365125"/>
-          </a:xfrm>
-          <a:prstGeom prst="rect">
-            <a:avLst/>
-          </a:prstGeom>
-        </p:spPr>
-        <p:txBody>
-          <a:bodyPr vert="horz" lIns="91440" tIns="45720" rIns="91440" bIns="45720" rtlCol="0" anchor="ctr"/>
-          <a:lstStyle>
-            <a:defPPr>
-              <a:defRPr lang="zh-TW"/>
-            </a:defPPr>
-            <a:lvl1pPr marL="0" algn="l" defTabSz="914400" rtl="0" eaLnBrk="1" latinLnBrk="0" hangingPunct="1">
-              <a:defRPr sz="1200" kern="1200">
-                <a:solidFill>
-                  <a:schemeClr val="tx1">
-                    <a:tint val="75000"/>
-                  </a:schemeClr>
-                </a:solidFill>
-                <a:latin typeface="+mn-lt"/>
-                <a:ea typeface="+mn-ea"/>
-                <a:cs typeface="+mn-cs"/>
-              </a:defRPr>
-            </a:lvl1pPr>
-            <a:lvl2pPr marL="457200" algn="l" defTabSz="914400" rtl="0" eaLnBrk="1" latinLnBrk="0" hangingPunct="1">
-              <a:defRPr sz="1800" kern="1200">
-                <a:solidFill>
-                  <a:schemeClr val="tx1"/>
-                </a:solidFill>
-                <a:latin typeface="+mn-lt"/>
-                <a:ea typeface="+mn-ea"/>
-                <a:cs typeface="+mn-cs"/>
-              </a:defRPr>
-            </a:lvl2pPr>
-            <a:lvl3pPr marL="914400" algn="l" defTabSz="914400" rtl="0" eaLnBrk="1" latinLnBrk="0" hangingPunct="1">
-              <a:defRPr sz="1800" kern="1200">
-                <a:solidFill>
-                  <a:schemeClr val="tx1"/>
-                </a:solidFill>
-                <a:latin typeface="+mn-lt"/>
-                <a:ea typeface="+mn-ea"/>
-                <a:cs typeface="+mn-cs"/>
-              </a:defRPr>
-            </a:lvl3pPr>
-            <a:lvl4pPr marL="1371600" algn="l" defTabSz="914400" rtl="0" eaLnBrk="1" latinLnBrk="0" hangingPunct="1">
-              <a:defRPr sz="1800" kern="1200">
-                <a:solidFill>
-                  <a:schemeClr val="tx1"/>
-                </a:solidFill>
-                <a:latin typeface="+mn-lt"/>
-                <a:ea typeface="+mn-ea"/>
-                <a:cs typeface="+mn-cs"/>
-              </a:defRPr>
-            </a:lvl4pPr>
-            <a:lvl5pPr marL="1828800" algn="l" defTabSz="914400" rtl="0" eaLnBrk="1" latinLnBrk="0" hangingPunct="1">
-              <a:defRPr sz="1800" kern="1200">
-                <a:solidFill>
-                  <a:schemeClr val="tx1"/>
-                </a:solidFill>
-                <a:latin typeface="+mn-lt"/>
-                <a:ea typeface="+mn-ea"/>
-                <a:cs typeface="+mn-cs"/>
-              </a:defRPr>
-            </a:lvl5pPr>
-            <a:lvl6pPr marL="2286000" algn="l" defTabSz="914400" rtl="0" eaLnBrk="1" latinLnBrk="0" hangingPunct="1">
-              <a:defRPr sz="1800" kern="1200">
-                <a:solidFill>
-                  <a:schemeClr val="tx1"/>
-                </a:solidFill>
-                <a:latin typeface="+mn-lt"/>
-                <a:ea typeface="+mn-ea"/>
-                <a:cs typeface="+mn-cs"/>
-              </a:defRPr>
-            </a:lvl6pPr>
-            <a:lvl7pPr marL="2743200" algn="l" defTabSz="914400" rtl="0" eaLnBrk="1" latinLnBrk="0" hangingPunct="1">
-              <a:defRPr sz="1800" kern="1200">
-                <a:solidFill>
-                  <a:schemeClr val="tx1"/>
-                </a:solidFill>
-                <a:latin typeface="+mn-lt"/>
-                <a:ea typeface="+mn-ea"/>
-                <a:cs typeface="+mn-cs"/>
-              </a:defRPr>
-            </a:lvl7pPr>
-            <a:lvl8pPr marL="3200400" algn="l" defTabSz="914400" rtl="0" eaLnBrk="1" latinLnBrk="0" hangingPunct="1">
-              <a:defRPr sz="1800" kern="1200">
-                <a:solidFill>
-                  <a:schemeClr val="tx1"/>
-                </a:solidFill>
-                <a:latin typeface="+mn-lt"/>
-                <a:ea typeface="+mn-ea"/>
-                <a:cs typeface="+mn-cs"/>
-              </a:defRPr>
-            </a:lvl8pPr>
-            <a:lvl9pPr marL="3657600" algn="l" defTabSz="914400" rtl="0" eaLnBrk="1" latinLnBrk="0" hangingPunct="1">
-              <a:defRPr sz="1800" kern="1200">
-                <a:solidFill>
-                  <a:schemeClr val="tx1"/>
-                </a:solidFill>
-                <a:latin typeface="+mn-lt"/>
-                <a:ea typeface="+mn-ea"/>
-                <a:cs typeface="+mn-cs"/>
-              </a:defRPr>
-            </a:lvl9pPr>
-          </a:lstStyle>
-          <a:p>
-            <a:r>
-              <a:rPr lang="en-US" altLang="zh-TW" dirty="0"/>
-              <a:t>TYIC</a:t>
-            </a:r>
-            <a:r>
-              <a:rPr lang="zh-TW" altLang="en-US"/>
-              <a:t>桃高資訊社</a:t>
-            </a:r>
-          </a:p>
-        </p:txBody>
-      </p:sp>
-      <p:sp>
-        <p:nvSpPr>
-          <p:cNvPr id="9" name="投影片編號版面配置區 5">
-            <a:extLst>
-              <a:ext uri="{FF2B5EF4-FFF2-40B4-BE49-F238E27FC236}">
-                <a16:creationId xmlns:a16="http://schemas.microsoft.com/office/drawing/2014/main" id="{FB25D919-C7D1-4A41-8D37-72F630F4A97B}"/>
-              </a:ext>
-            </a:extLst>
-          </p:cNvPr>
-          <p:cNvSpPr txBox="1">
-            <a:spLocks/>
-          </p:cNvSpPr>
-          <p:nvPr/>
-        </p:nvSpPr>
-        <p:spPr>
-          <a:xfrm>
-            <a:off x="9448800" y="6492874"/>
-            <a:ext cx="2743200" cy="365125"/>
-          </a:xfrm>
-          <a:prstGeom prst="rect">
-            <a:avLst/>
-          </a:prstGeom>
-        </p:spPr>
-        <p:txBody>
-          <a:bodyPr vert="horz" lIns="91440" tIns="45720" rIns="91440" bIns="45720" rtlCol="0" anchor="ctr"/>
-          <a:lstStyle>
-            <a:defPPr>
-              <a:defRPr lang="zh-TW"/>
-            </a:defPPr>
-            <a:lvl1pPr marL="0" algn="r" defTabSz="914400" rtl="0" eaLnBrk="1" latinLnBrk="0" hangingPunct="1">
-              <a:defRPr sz="1200" kern="1200">
-                <a:solidFill>
-                  <a:schemeClr val="tx1">
-                    <a:tint val="75000"/>
-                  </a:schemeClr>
-                </a:solidFill>
-                <a:latin typeface="+mn-lt"/>
-                <a:ea typeface="+mn-ea"/>
-                <a:cs typeface="+mn-cs"/>
-              </a:defRPr>
-            </a:lvl1pPr>
-            <a:lvl2pPr marL="457200" algn="l" defTabSz="914400" rtl="0" eaLnBrk="1" latinLnBrk="0" hangingPunct="1">
-              <a:defRPr sz="1800" kern="1200">
-                <a:solidFill>
-                  <a:schemeClr val="tx1"/>
-                </a:solidFill>
-                <a:latin typeface="+mn-lt"/>
-                <a:ea typeface="+mn-ea"/>
-                <a:cs typeface="+mn-cs"/>
-              </a:defRPr>
-            </a:lvl2pPr>
-            <a:lvl3pPr marL="914400" algn="l" defTabSz="914400" rtl="0" eaLnBrk="1" latinLnBrk="0" hangingPunct="1">
-              <a:defRPr sz="1800" kern="1200">
-                <a:solidFill>
-                  <a:schemeClr val="tx1"/>
-                </a:solidFill>
-                <a:latin typeface="+mn-lt"/>
-                <a:ea typeface="+mn-ea"/>
-                <a:cs typeface="+mn-cs"/>
-              </a:defRPr>
-            </a:lvl3pPr>
-            <a:lvl4pPr marL="1371600" algn="l" defTabSz="914400" rtl="0" eaLnBrk="1" latinLnBrk="0" hangingPunct="1">
-              <a:defRPr sz="1800" kern="1200">
-                <a:solidFill>
-                  <a:schemeClr val="tx1"/>
-                </a:solidFill>
-                <a:latin typeface="+mn-lt"/>
-                <a:ea typeface="+mn-ea"/>
-                <a:cs typeface="+mn-cs"/>
-              </a:defRPr>
-            </a:lvl4pPr>
-            <a:lvl5pPr marL="1828800" algn="l" defTabSz="914400" rtl="0" eaLnBrk="1" latinLnBrk="0" hangingPunct="1">
-              <a:defRPr sz="1800" kern="1200">
-                <a:solidFill>
-                  <a:schemeClr val="tx1"/>
-                </a:solidFill>
-                <a:latin typeface="+mn-lt"/>
-                <a:ea typeface="+mn-ea"/>
-                <a:cs typeface="+mn-cs"/>
-              </a:defRPr>
-            </a:lvl5pPr>
-            <a:lvl6pPr marL="2286000" algn="l" defTabSz="914400" rtl="0" eaLnBrk="1" latinLnBrk="0" hangingPunct="1">
-              <a:defRPr sz="1800" kern="1200">
-                <a:solidFill>
-                  <a:schemeClr val="tx1"/>
-                </a:solidFill>
-                <a:latin typeface="+mn-lt"/>
-                <a:ea typeface="+mn-ea"/>
-                <a:cs typeface="+mn-cs"/>
-              </a:defRPr>
-            </a:lvl6pPr>
-            <a:lvl7pPr marL="2743200" algn="l" defTabSz="914400" rtl="0" eaLnBrk="1" latinLnBrk="0" hangingPunct="1">
-              <a:defRPr sz="1800" kern="1200">
-                <a:solidFill>
-                  <a:schemeClr val="tx1"/>
-                </a:solidFill>
-                <a:latin typeface="+mn-lt"/>
-                <a:ea typeface="+mn-ea"/>
-                <a:cs typeface="+mn-cs"/>
-              </a:defRPr>
-            </a:lvl7pPr>
-            <a:lvl8pPr marL="3200400" algn="l" defTabSz="914400" rtl="0" eaLnBrk="1" latinLnBrk="0" hangingPunct="1">
-              <a:defRPr sz="1800" kern="1200">
-                <a:solidFill>
-                  <a:schemeClr val="tx1"/>
-                </a:solidFill>
-                <a:latin typeface="+mn-lt"/>
-                <a:ea typeface="+mn-ea"/>
-                <a:cs typeface="+mn-cs"/>
-              </a:defRPr>
-            </a:lvl8pPr>
-            <a:lvl9pPr marL="3657600" algn="l" defTabSz="914400" rtl="0" eaLnBrk="1" latinLnBrk="0" hangingPunct="1">
-              <a:defRPr sz="1800" kern="1200">
-                <a:solidFill>
-                  <a:schemeClr val="tx1"/>
-                </a:solidFill>
-                <a:latin typeface="+mn-lt"/>
-                <a:ea typeface="+mn-ea"/>
-                <a:cs typeface="+mn-cs"/>
-              </a:defRPr>
-            </a:lvl9pPr>
-          </a:lstStyle>
-          <a:p>
-            <a:fld id="{D4328D90-2A6F-4F23-88A8-C5DCC2B5F307}" type="slidenum">
-              <a:rPr lang="zh-TW" altLang="en-US" smtClean="0"/>
-              <a:pPr/>
-              <a:t>‹#›</a:t>
-            </a:fld>
-            <a:endParaRPr lang="zh-TW" altLang="en-US"/>
-          </a:p>
-        </p:txBody>
-      </p:sp>
-    </p:spTree>
-    <p:extLst>
-      <p:ext uri="{BB962C8B-B14F-4D97-AF65-F5344CB8AC3E}">
-        <p14:creationId xmlns:p14="http://schemas.microsoft.com/office/powerpoint/2010/main" val="1861958969"/>
-      </p:ext>
-    </p:extLst>
-  </p:cSld>
-  <p:clrMapOvr>
-    <a:masterClrMapping/>
-  </p:clrMapOvr>
-  <p:transition spd="slow">
-    <p:push dir="u"/>
-  </p:transition>
-</p:sldLayout>
-</file>
-
-<file path=ppt/slideLayouts/slideLayout12.xml><?xml version="1.0" encoding="utf-8"?>
-<p:sldLayout xmlns:a="http://schemas.openxmlformats.org/drawingml/2006/main" xmlns:r="http://schemas.openxmlformats.org/officeDocument/2006/relationships" xmlns:p="http://schemas.openxmlformats.org/presentationml/2006/main" preserve="1">
-  <p:cSld name="1_標題投影片">
-    <p:spTree>
-      <p:nvGrpSpPr>
-        <p:cNvPr id="1" name=""/>
-        <p:cNvGrpSpPr/>
-        <p:nvPr/>
-      </p:nvGrpSpPr>
-      <p:grpSpPr>
-        <a:xfrm>
-          <a:off x="0" y="0"/>
-          <a:ext cx="0" cy="0"/>
-          <a:chOff x="0" y="0"/>
-          <a:chExt cx="0" cy="0"/>
-        </a:xfrm>
-      </p:grpSpPr>
-      <p:sp>
-        <p:nvSpPr>
-          <p:cNvPr id="2" name="標題 1">
-            <a:extLst>
-              <a:ext uri="{FF2B5EF4-FFF2-40B4-BE49-F238E27FC236}">
-                <a16:creationId xmlns:a16="http://schemas.microsoft.com/office/drawing/2014/main" id="{2EB502BE-089D-4633-B90E-46A3D4FB7D4E}"/>
-              </a:ext>
-            </a:extLst>
-          </p:cNvPr>
-          <p:cNvSpPr>
-            <a:spLocks noGrp="1"/>
-          </p:cNvSpPr>
-          <p:nvPr>
-            <p:ph type="ctrTitle"/>
-          </p:nvPr>
-        </p:nvSpPr>
-        <p:spPr>
-          <a:xfrm>
-            <a:off x="1524000" y="1122363"/>
-            <a:ext cx="9144000" cy="2387600"/>
-          </a:xfrm>
-        </p:spPr>
-        <p:txBody>
-          <a:bodyPr anchor="b"/>
-          <a:lstStyle>
-            <a:lvl1pPr algn="ctr">
-              <a:defRPr sz="6000"/>
-            </a:lvl1pPr>
-          </a:lstStyle>
-          <a:p>
-            <a:r>
-              <a:rPr lang="zh-TW" altLang="en-US"/>
-              <a:t>按一下以編輯母片標題樣式</a:t>
-            </a:r>
-          </a:p>
-        </p:txBody>
-      </p:sp>
-      <p:sp>
-        <p:nvSpPr>
-          <p:cNvPr id="3" name="副標題 2">
-            <a:extLst>
-              <a:ext uri="{FF2B5EF4-FFF2-40B4-BE49-F238E27FC236}">
-                <a16:creationId xmlns:a16="http://schemas.microsoft.com/office/drawing/2014/main" id="{471674D0-0840-4D4C-93FB-3ABDEB2CAD45}"/>
-              </a:ext>
-            </a:extLst>
-          </p:cNvPr>
-          <p:cNvSpPr>
-            <a:spLocks noGrp="1"/>
-          </p:cNvSpPr>
-          <p:nvPr>
-            <p:ph type="subTitle" idx="1"/>
-          </p:nvPr>
-        </p:nvSpPr>
-        <p:spPr>
-          <a:xfrm>
-            <a:off x="1524000" y="3602038"/>
-            <a:ext cx="9144000" cy="1655762"/>
-          </a:xfrm>
-        </p:spPr>
-        <p:txBody>
-          <a:bodyPr/>
-          <a:lstStyle>
-            <a:lvl1pPr marL="0" indent="0" algn="ctr">
-              <a:buNone/>
-              <a:defRPr sz="2400"/>
-            </a:lvl1pPr>
-            <a:lvl2pPr marL="457200" indent="0" algn="ctr">
-              <a:buNone/>
-              <a:defRPr sz="2000"/>
-            </a:lvl2pPr>
-            <a:lvl3pPr marL="914400" indent="0" algn="ctr">
-              <a:buNone/>
-              <a:defRPr sz="1800"/>
-            </a:lvl3pPr>
-            <a:lvl4pPr marL="1371600" indent="0" algn="ctr">
-              <a:buNone/>
-              <a:defRPr sz="1600"/>
-            </a:lvl4pPr>
-            <a:lvl5pPr marL="1828800" indent="0" algn="ctr">
-              <a:buNone/>
-              <a:defRPr sz="1600"/>
-            </a:lvl5pPr>
-            <a:lvl6pPr marL="2286000" indent="0" algn="ctr">
-              <a:buNone/>
-              <a:defRPr sz="1600"/>
-            </a:lvl6pPr>
-            <a:lvl7pPr marL="2743200" indent="0" algn="ctr">
-              <a:buNone/>
-              <a:defRPr sz="1600"/>
-            </a:lvl7pPr>
-            <a:lvl8pPr marL="3200400" indent="0" algn="ctr">
-              <a:buNone/>
-              <a:defRPr sz="1600"/>
-            </a:lvl8pPr>
-            <a:lvl9pPr marL="3657600" indent="0" algn="ctr">
-              <a:buNone/>
-              <a:defRPr sz="1600"/>
-            </a:lvl9pPr>
-          </a:lstStyle>
-          <a:p>
-            <a:r>
-              <a:rPr lang="zh-TW" altLang="en-US"/>
-              <a:t>按一下以編輯母片子標題樣式</a:t>
-            </a:r>
-          </a:p>
-        </p:txBody>
-      </p:sp>
-    </p:spTree>
-    <p:extLst>
-      <p:ext uri="{BB962C8B-B14F-4D97-AF65-F5344CB8AC3E}">
-        <p14:creationId xmlns:p14="http://schemas.microsoft.com/office/powerpoint/2010/main" val="350823397"/>
+        <p14:creationId xmlns:p14="http://schemas.microsoft.com/office/powerpoint/2010/main" val="1009855766"/>
       </p:ext>
     </p:extLst>
   </p:cSld>
@@ -2475,7 +1025,7 @@
             </a:r>
             <a:r>
               <a:rPr lang="zh-TW" altLang="en-US"/>
-              <a:t>桃高資訊社</a:t>
+              <a:t> 桃高資訊社</a:t>
             </a:r>
           </a:p>
         </p:txBody>
@@ -2612,276 +1162,10 @@
           </a:p>
         </p:txBody>
       </p:sp>
-      <p:sp>
-        <p:nvSpPr>
-          <p:cNvPr id="6" name="頁尾版面配置區 4">
-            <a:extLst>
-              <a:ext uri="{FF2B5EF4-FFF2-40B4-BE49-F238E27FC236}">
-                <a16:creationId xmlns:a16="http://schemas.microsoft.com/office/drawing/2014/main" id="{4EFEB44B-B18F-472F-97B4-61D1CE94D3C7}"/>
-              </a:ext>
-            </a:extLst>
-          </p:cNvPr>
-          <p:cNvSpPr txBox="1">
-            <a:spLocks/>
-          </p:cNvSpPr>
-          <p:nvPr/>
-        </p:nvSpPr>
-        <p:spPr>
-          <a:xfrm>
-            <a:off x="0" y="6492875"/>
-            <a:ext cx="2743200" cy="365125"/>
-          </a:xfrm>
-          <a:prstGeom prst="rect">
-            <a:avLst/>
-          </a:prstGeom>
-        </p:spPr>
-        <p:txBody>
-          <a:bodyPr vert="horz" lIns="91440" tIns="45720" rIns="91440" bIns="45720" rtlCol="0" anchor="ctr"/>
-          <a:lstStyle>
-            <a:defPPr>
-              <a:defRPr lang="zh-TW"/>
-            </a:defPPr>
-            <a:lvl1pPr marL="0" algn="l" defTabSz="914400" rtl="0" eaLnBrk="1" latinLnBrk="0" hangingPunct="1">
-              <a:defRPr sz="1200" kern="1200">
-                <a:solidFill>
-                  <a:schemeClr val="tx1">
-                    <a:tint val="75000"/>
-                  </a:schemeClr>
-                </a:solidFill>
-                <a:latin typeface="+mn-lt"/>
-                <a:ea typeface="+mn-ea"/>
-                <a:cs typeface="+mn-cs"/>
-              </a:defRPr>
-            </a:lvl1pPr>
-            <a:lvl2pPr marL="457200" algn="l" defTabSz="914400" rtl="0" eaLnBrk="1" latinLnBrk="0" hangingPunct="1">
-              <a:defRPr sz="1800" kern="1200">
-                <a:solidFill>
-                  <a:schemeClr val="tx1"/>
-                </a:solidFill>
-                <a:latin typeface="+mn-lt"/>
-                <a:ea typeface="+mn-ea"/>
-                <a:cs typeface="+mn-cs"/>
-              </a:defRPr>
-            </a:lvl2pPr>
-            <a:lvl3pPr marL="914400" algn="l" defTabSz="914400" rtl="0" eaLnBrk="1" latinLnBrk="0" hangingPunct="1">
-              <a:defRPr sz="1800" kern="1200">
-                <a:solidFill>
-                  <a:schemeClr val="tx1"/>
-                </a:solidFill>
-                <a:latin typeface="+mn-lt"/>
-                <a:ea typeface="+mn-ea"/>
-                <a:cs typeface="+mn-cs"/>
-              </a:defRPr>
-            </a:lvl3pPr>
-            <a:lvl4pPr marL="1371600" algn="l" defTabSz="914400" rtl="0" eaLnBrk="1" latinLnBrk="0" hangingPunct="1">
-              <a:defRPr sz="1800" kern="1200">
-                <a:solidFill>
-                  <a:schemeClr val="tx1"/>
-                </a:solidFill>
-                <a:latin typeface="+mn-lt"/>
-                <a:ea typeface="+mn-ea"/>
-                <a:cs typeface="+mn-cs"/>
-              </a:defRPr>
-            </a:lvl4pPr>
-            <a:lvl5pPr marL="1828800" algn="l" defTabSz="914400" rtl="0" eaLnBrk="1" latinLnBrk="0" hangingPunct="1">
-              <a:defRPr sz="1800" kern="1200">
-                <a:solidFill>
-                  <a:schemeClr val="tx1"/>
-                </a:solidFill>
-                <a:latin typeface="+mn-lt"/>
-                <a:ea typeface="+mn-ea"/>
-                <a:cs typeface="+mn-cs"/>
-              </a:defRPr>
-            </a:lvl5pPr>
-            <a:lvl6pPr marL="2286000" algn="l" defTabSz="914400" rtl="0" eaLnBrk="1" latinLnBrk="0" hangingPunct="1">
-              <a:defRPr sz="1800" kern="1200">
-                <a:solidFill>
-                  <a:schemeClr val="tx1"/>
-                </a:solidFill>
-                <a:latin typeface="+mn-lt"/>
-                <a:ea typeface="+mn-ea"/>
-                <a:cs typeface="+mn-cs"/>
-              </a:defRPr>
-            </a:lvl6pPr>
-            <a:lvl7pPr marL="2743200" algn="l" defTabSz="914400" rtl="0" eaLnBrk="1" latinLnBrk="0" hangingPunct="1">
-              <a:defRPr sz="1800" kern="1200">
-                <a:solidFill>
-                  <a:schemeClr val="tx1"/>
-                </a:solidFill>
-                <a:latin typeface="+mn-lt"/>
-                <a:ea typeface="+mn-ea"/>
-                <a:cs typeface="+mn-cs"/>
-              </a:defRPr>
-            </a:lvl7pPr>
-            <a:lvl8pPr marL="3200400" algn="l" defTabSz="914400" rtl="0" eaLnBrk="1" latinLnBrk="0" hangingPunct="1">
-              <a:defRPr sz="1800" kern="1200">
-                <a:solidFill>
-                  <a:schemeClr val="tx1"/>
-                </a:solidFill>
-                <a:latin typeface="+mn-lt"/>
-                <a:ea typeface="+mn-ea"/>
-                <a:cs typeface="+mn-cs"/>
-              </a:defRPr>
-            </a:lvl8pPr>
-            <a:lvl9pPr marL="3657600" algn="l" defTabSz="914400" rtl="0" eaLnBrk="1" latinLnBrk="0" hangingPunct="1">
-              <a:defRPr sz="1800" kern="1200">
-                <a:solidFill>
-                  <a:schemeClr val="tx1"/>
-                </a:solidFill>
-                <a:latin typeface="+mn-lt"/>
-                <a:ea typeface="+mn-ea"/>
-                <a:cs typeface="+mn-cs"/>
-              </a:defRPr>
-            </a:lvl9pPr>
-          </a:lstStyle>
-          <a:p>
-            <a:r>
-              <a:rPr lang="en-US" altLang="zh-TW" dirty="0"/>
-              <a:t>TYIC</a:t>
-            </a:r>
-            <a:r>
-              <a:rPr lang="zh-TW" altLang="en-US"/>
-              <a:t>桃高資訊社</a:t>
-            </a:r>
-          </a:p>
-        </p:txBody>
-      </p:sp>
-      <p:sp>
-        <p:nvSpPr>
-          <p:cNvPr id="9" name="投影片編號版面配置區 5">
-            <a:extLst>
-              <a:ext uri="{FF2B5EF4-FFF2-40B4-BE49-F238E27FC236}">
-                <a16:creationId xmlns:a16="http://schemas.microsoft.com/office/drawing/2014/main" id="{402E92B5-4BB1-4E6F-A32C-6E1A69B65B9E}"/>
-              </a:ext>
-            </a:extLst>
-          </p:cNvPr>
-          <p:cNvSpPr txBox="1">
-            <a:spLocks/>
-          </p:cNvSpPr>
-          <p:nvPr/>
-        </p:nvSpPr>
-        <p:spPr>
-          <a:xfrm>
-            <a:off x="9448800" y="6492874"/>
-            <a:ext cx="2743200" cy="365125"/>
-          </a:xfrm>
-          <a:prstGeom prst="rect">
-            <a:avLst/>
-          </a:prstGeom>
-        </p:spPr>
-        <p:txBody>
-          <a:bodyPr vert="horz" lIns="91440" tIns="45720" rIns="91440" bIns="45720" rtlCol="0" anchor="ctr"/>
-          <a:lstStyle>
-            <a:defPPr>
-              <a:defRPr lang="zh-TW"/>
-            </a:defPPr>
-            <a:lvl1pPr marL="0" algn="r" defTabSz="914400" rtl="0" eaLnBrk="1" latinLnBrk="0" hangingPunct="1">
-              <a:defRPr sz="1200" kern="1200">
-                <a:solidFill>
-                  <a:schemeClr val="tx1">
-                    <a:tint val="75000"/>
-                  </a:schemeClr>
-                </a:solidFill>
-                <a:latin typeface="+mn-lt"/>
-                <a:ea typeface="+mn-ea"/>
-                <a:cs typeface="+mn-cs"/>
-              </a:defRPr>
-            </a:lvl1pPr>
-            <a:lvl2pPr marL="457200" algn="l" defTabSz="914400" rtl="0" eaLnBrk="1" latinLnBrk="0" hangingPunct="1">
-              <a:defRPr sz="1800" kern="1200">
-                <a:solidFill>
-                  <a:schemeClr val="tx1"/>
-                </a:solidFill>
-                <a:latin typeface="+mn-lt"/>
-                <a:ea typeface="+mn-ea"/>
-                <a:cs typeface="+mn-cs"/>
-              </a:defRPr>
-            </a:lvl2pPr>
-            <a:lvl3pPr marL="914400" algn="l" defTabSz="914400" rtl="0" eaLnBrk="1" latinLnBrk="0" hangingPunct="1">
-              <a:defRPr sz="1800" kern="1200">
-                <a:solidFill>
-                  <a:schemeClr val="tx1"/>
-                </a:solidFill>
-                <a:latin typeface="+mn-lt"/>
-                <a:ea typeface="+mn-ea"/>
-                <a:cs typeface="+mn-cs"/>
-              </a:defRPr>
-            </a:lvl3pPr>
-            <a:lvl4pPr marL="1371600" algn="l" defTabSz="914400" rtl="0" eaLnBrk="1" latinLnBrk="0" hangingPunct="1">
-              <a:defRPr sz="1800" kern="1200">
-                <a:solidFill>
-                  <a:schemeClr val="tx1"/>
-                </a:solidFill>
-                <a:latin typeface="+mn-lt"/>
-                <a:ea typeface="+mn-ea"/>
-                <a:cs typeface="+mn-cs"/>
-              </a:defRPr>
-            </a:lvl4pPr>
-            <a:lvl5pPr marL="1828800" algn="l" defTabSz="914400" rtl="0" eaLnBrk="1" latinLnBrk="0" hangingPunct="1">
-              <a:defRPr sz="1800" kern="1200">
-                <a:solidFill>
-                  <a:schemeClr val="tx1"/>
-                </a:solidFill>
-                <a:latin typeface="+mn-lt"/>
-                <a:ea typeface="+mn-ea"/>
-                <a:cs typeface="+mn-cs"/>
-              </a:defRPr>
-            </a:lvl5pPr>
-            <a:lvl6pPr marL="2286000" algn="l" defTabSz="914400" rtl="0" eaLnBrk="1" latinLnBrk="0" hangingPunct="1">
-              <a:defRPr sz="1800" kern="1200">
-                <a:solidFill>
-                  <a:schemeClr val="tx1"/>
-                </a:solidFill>
-                <a:latin typeface="+mn-lt"/>
-                <a:ea typeface="+mn-ea"/>
-                <a:cs typeface="+mn-cs"/>
-              </a:defRPr>
-            </a:lvl6pPr>
-            <a:lvl7pPr marL="2743200" algn="l" defTabSz="914400" rtl="0" eaLnBrk="1" latinLnBrk="0" hangingPunct="1">
-              <a:defRPr sz="1800" kern="1200">
-                <a:solidFill>
-                  <a:schemeClr val="tx1"/>
-                </a:solidFill>
-                <a:latin typeface="+mn-lt"/>
-                <a:ea typeface="+mn-ea"/>
-                <a:cs typeface="+mn-cs"/>
-              </a:defRPr>
-            </a:lvl7pPr>
-            <a:lvl8pPr marL="3200400" algn="l" defTabSz="914400" rtl="0" eaLnBrk="1" latinLnBrk="0" hangingPunct="1">
-              <a:defRPr sz="1800" kern="1200">
-                <a:solidFill>
-                  <a:schemeClr val="tx1"/>
-                </a:solidFill>
-                <a:latin typeface="+mn-lt"/>
-                <a:ea typeface="+mn-ea"/>
-                <a:cs typeface="+mn-cs"/>
-              </a:defRPr>
-            </a:lvl8pPr>
-            <a:lvl9pPr marL="3657600" algn="l" defTabSz="914400" rtl="0" eaLnBrk="1" latinLnBrk="0" hangingPunct="1">
-              <a:defRPr sz="1800" kern="1200">
-                <a:solidFill>
-                  <a:schemeClr val="tx1"/>
-                </a:solidFill>
-                <a:latin typeface="+mn-lt"/>
-                <a:ea typeface="+mn-ea"/>
-                <a:cs typeface="+mn-cs"/>
-              </a:defRPr>
-            </a:lvl9pPr>
-          </a:lstStyle>
-          <a:p>
-            <a:fld id="{D4328D90-2A6F-4F23-88A8-C5DCC2B5F307}" type="slidenum">
-              <a:rPr lang="zh-TW" altLang="en-US" smtClean="0"/>
-              <a:pPr/>
-              <a:t>‹#›</a:t>
-            </a:fld>
-            <a:endParaRPr lang="zh-TW" altLang="en-US"/>
-          </a:p>
-        </p:txBody>
-      </p:sp>
     </p:spTree>
     <p:extLst>
       <p:ext uri="{BB962C8B-B14F-4D97-AF65-F5344CB8AC3E}">
-        <p14:creationId xmlns:p14="http://schemas.microsoft.com/office/powerpoint/2010/main" val="3428809696"/>
+        <p14:creationId xmlns:p14="http://schemas.microsoft.com/office/powerpoint/2010/main" val="1949994909"/>
       </p:ext>
     </p:extLst>
   </p:cSld>
@@ -2895,2314 +1179,6 @@
 </file>
 
 <file path=ppt/slideLayouts/slideLayout3.xml><?xml version="1.0" encoding="utf-8"?>
-<p:sldLayout xmlns:a="http://schemas.openxmlformats.org/drawingml/2006/main" xmlns:r="http://schemas.openxmlformats.org/officeDocument/2006/relationships" xmlns:p="http://schemas.openxmlformats.org/presentationml/2006/main" type="secHead" preserve="1">
-  <p:cSld name="章節標題">
-    <p:spTree>
-      <p:nvGrpSpPr>
-        <p:cNvPr id="1" name=""/>
-        <p:cNvGrpSpPr/>
-        <p:nvPr/>
-      </p:nvGrpSpPr>
-      <p:grpSpPr>
-        <a:xfrm>
-          <a:off x="0" y="0"/>
-          <a:ext cx="0" cy="0"/>
-          <a:chOff x="0" y="0"/>
-          <a:chExt cx="0" cy="0"/>
-        </a:xfrm>
-      </p:grpSpPr>
-      <p:sp>
-        <p:nvSpPr>
-          <p:cNvPr id="2" name="標題 1">
-            <a:extLst>
-              <a:ext uri="{FF2B5EF4-FFF2-40B4-BE49-F238E27FC236}">
-                <a16:creationId xmlns:a16="http://schemas.microsoft.com/office/drawing/2014/main" id="{CE768223-9832-40C6-9F3C-AE20E7AB8621}"/>
-              </a:ext>
-            </a:extLst>
-          </p:cNvPr>
-          <p:cNvSpPr>
-            <a:spLocks noGrp="1"/>
-          </p:cNvSpPr>
-          <p:nvPr>
-            <p:ph type="title"/>
-          </p:nvPr>
-        </p:nvSpPr>
-        <p:spPr>
-          <a:xfrm>
-            <a:off x="831850" y="1709738"/>
-            <a:ext cx="10515600" cy="2852737"/>
-          </a:xfrm>
-        </p:spPr>
-        <p:txBody>
-          <a:bodyPr anchor="b"/>
-          <a:lstStyle>
-            <a:lvl1pPr>
-              <a:defRPr sz="6000"/>
-            </a:lvl1pPr>
-          </a:lstStyle>
-          <a:p>
-            <a:r>
-              <a:rPr lang="zh-TW" altLang="en-US"/>
-              <a:t>按一下以編輯母片標題樣式</a:t>
-            </a:r>
-          </a:p>
-        </p:txBody>
-      </p:sp>
-      <p:sp>
-        <p:nvSpPr>
-          <p:cNvPr id="3" name="文字版面配置區 2">
-            <a:extLst>
-              <a:ext uri="{FF2B5EF4-FFF2-40B4-BE49-F238E27FC236}">
-                <a16:creationId xmlns:a16="http://schemas.microsoft.com/office/drawing/2014/main" id="{0DA52283-8089-4430-AD3E-3D1C2559F3A0}"/>
-              </a:ext>
-            </a:extLst>
-          </p:cNvPr>
-          <p:cNvSpPr>
-            <a:spLocks noGrp="1"/>
-          </p:cNvSpPr>
-          <p:nvPr>
-            <p:ph type="body" idx="1"/>
-          </p:nvPr>
-        </p:nvSpPr>
-        <p:spPr>
-          <a:xfrm>
-            <a:off x="831850" y="4589463"/>
-            <a:ext cx="10515600" cy="1500187"/>
-          </a:xfrm>
-        </p:spPr>
-        <p:txBody>
-          <a:bodyPr/>
-          <a:lstStyle>
-            <a:lvl1pPr marL="0" indent="0">
-              <a:buNone/>
-              <a:defRPr sz="2400">
-                <a:solidFill>
-                  <a:schemeClr val="tx1">
-                    <a:tint val="75000"/>
-                  </a:schemeClr>
-                </a:solidFill>
-              </a:defRPr>
-            </a:lvl1pPr>
-            <a:lvl2pPr marL="457200" indent="0">
-              <a:buNone/>
-              <a:defRPr sz="2000">
-                <a:solidFill>
-                  <a:schemeClr val="tx1">
-                    <a:tint val="75000"/>
-                  </a:schemeClr>
-                </a:solidFill>
-              </a:defRPr>
-            </a:lvl2pPr>
-            <a:lvl3pPr marL="914400" indent="0">
-              <a:buNone/>
-              <a:defRPr sz="1800">
-                <a:solidFill>
-                  <a:schemeClr val="tx1">
-                    <a:tint val="75000"/>
-                  </a:schemeClr>
-                </a:solidFill>
-              </a:defRPr>
-            </a:lvl3pPr>
-            <a:lvl4pPr marL="1371600" indent="0">
-              <a:buNone/>
-              <a:defRPr sz="1600">
-                <a:solidFill>
-                  <a:schemeClr val="tx1">
-                    <a:tint val="75000"/>
-                  </a:schemeClr>
-                </a:solidFill>
-              </a:defRPr>
-            </a:lvl4pPr>
-            <a:lvl5pPr marL="1828800" indent="0">
-              <a:buNone/>
-              <a:defRPr sz="1600">
-                <a:solidFill>
-                  <a:schemeClr val="tx1">
-                    <a:tint val="75000"/>
-                  </a:schemeClr>
-                </a:solidFill>
-              </a:defRPr>
-            </a:lvl5pPr>
-            <a:lvl6pPr marL="2286000" indent="0">
-              <a:buNone/>
-              <a:defRPr sz="1600">
-                <a:solidFill>
-                  <a:schemeClr val="tx1">
-                    <a:tint val="75000"/>
-                  </a:schemeClr>
-                </a:solidFill>
-              </a:defRPr>
-            </a:lvl6pPr>
-            <a:lvl7pPr marL="2743200" indent="0">
-              <a:buNone/>
-              <a:defRPr sz="1600">
-                <a:solidFill>
-                  <a:schemeClr val="tx1">
-                    <a:tint val="75000"/>
-                  </a:schemeClr>
-                </a:solidFill>
-              </a:defRPr>
-            </a:lvl7pPr>
-            <a:lvl8pPr marL="3200400" indent="0">
-              <a:buNone/>
-              <a:defRPr sz="1600">
-                <a:solidFill>
-                  <a:schemeClr val="tx1">
-                    <a:tint val="75000"/>
-                  </a:schemeClr>
-                </a:solidFill>
-              </a:defRPr>
-            </a:lvl8pPr>
-            <a:lvl9pPr marL="3657600" indent="0">
-              <a:buNone/>
-              <a:defRPr sz="1600">
-                <a:solidFill>
-                  <a:schemeClr val="tx1">
-                    <a:tint val="75000"/>
-                  </a:schemeClr>
-                </a:solidFill>
-              </a:defRPr>
-            </a:lvl9pPr>
-          </a:lstStyle>
-          <a:p>
-            <a:pPr lvl="0"/>
-            <a:r>
-              <a:rPr lang="zh-TW" altLang="en-US"/>
-              <a:t>按一下以編輯母片文字樣式</a:t>
-            </a:r>
-          </a:p>
-        </p:txBody>
-      </p:sp>
-      <p:sp>
-        <p:nvSpPr>
-          <p:cNvPr id="7" name="頁尾版面配置區 4">
-            <a:extLst>
-              <a:ext uri="{FF2B5EF4-FFF2-40B4-BE49-F238E27FC236}">
-                <a16:creationId xmlns:a16="http://schemas.microsoft.com/office/drawing/2014/main" id="{FD7123E0-421B-4835-AD6B-2FDC040BCC53}"/>
-              </a:ext>
-            </a:extLst>
-          </p:cNvPr>
-          <p:cNvSpPr txBox="1">
-            <a:spLocks/>
-          </p:cNvSpPr>
-          <p:nvPr/>
-        </p:nvSpPr>
-        <p:spPr>
-          <a:xfrm>
-            <a:off x="0" y="6492875"/>
-            <a:ext cx="2743200" cy="365125"/>
-          </a:xfrm>
-          <a:prstGeom prst="rect">
-            <a:avLst/>
-          </a:prstGeom>
-        </p:spPr>
-        <p:txBody>
-          <a:bodyPr vert="horz" lIns="91440" tIns="45720" rIns="91440" bIns="45720" rtlCol="0" anchor="ctr"/>
-          <a:lstStyle>
-            <a:defPPr>
-              <a:defRPr lang="zh-TW"/>
-            </a:defPPr>
-            <a:lvl1pPr marL="0" algn="l" defTabSz="914400" rtl="0" eaLnBrk="1" latinLnBrk="0" hangingPunct="1">
-              <a:defRPr sz="1200" kern="1200">
-                <a:solidFill>
-                  <a:schemeClr val="tx1">
-                    <a:tint val="75000"/>
-                  </a:schemeClr>
-                </a:solidFill>
-                <a:latin typeface="+mn-lt"/>
-                <a:ea typeface="+mn-ea"/>
-                <a:cs typeface="+mn-cs"/>
-              </a:defRPr>
-            </a:lvl1pPr>
-            <a:lvl2pPr marL="457200" algn="l" defTabSz="914400" rtl="0" eaLnBrk="1" latinLnBrk="0" hangingPunct="1">
-              <a:defRPr sz="1800" kern="1200">
-                <a:solidFill>
-                  <a:schemeClr val="tx1"/>
-                </a:solidFill>
-                <a:latin typeface="+mn-lt"/>
-                <a:ea typeface="+mn-ea"/>
-                <a:cs typeface="+mn-cs"/>
-              </a:defRPr>
-            </a:lvl2pPr>
-            <a:lvl3pPr marL="914400" algn="l" defTabSz="914400" rtl="0" eaLnBrk="1" latinLnBrk="0" hangingPunct="1">
-              <a:defRPr sz="1800" kern="1200">
-                <a:solidFill>
-                  <a:schemeClr val="tx1"/>
-                </a:solidFill>
-                <a:latin typeface="+mn-lt"/>
-                <a:ea typeface="+mn-ea"/>
-                <a:cs typeface="+mn-cs"/>
-              </a:defRPr>
-            </a:lvl3pPr>
-            <a:lvl4pPr marL="1371600" algn="l" defTabSz="914400" rtl="0" eaLnBrk="1" latinLnBrk="0" hangingPunct="1">
-              <a:defRPr sz="1800" kern="1200">
-                <a:solidFill>
-                  <a:schemeClr val="tx1"/>
-                </a:solidFill>
-                <a:latin typeface="+mn-lt"/>
-                <a:ea typeface="+mn-ea"/>
-                <a:cs typeface="+mn-cs"/>
-              </a:defRPr>
-            </a:lvl4pPr>
-            <a:lvl5pPr marL="1828800" algn="l" defTabSz="914400" rtl="0" eaLnBrk="1" latinLnBrk="0" hangingPunct="1">
-              <a:defRPr sz="1800" kern="1200">
-                <a:solidFill>
-                  <a:schemeClr val="tx1"/>
-                </a:solidFill>
-                <a:latin typeface="+mn-lt"/>
-                <a:ea typeface="+mn-ea"/>
-                <a:cs typeface="+mn-cs"/>
-              </a:defRPr>
-            </a:lvl5pPr>
-            <a:lvl6pPr marL="2286000" algn="l" defTabSz="914400" rtl="0" eaLnBrk="1" latinLnBrk="0" hangingPunct="1">
-              <a:defRPr sz="1800" kern="1200">
-                <a:solidFill>
-                  <a:schemeClr val="tx1"/>
-                </a:solidFill>
-                <a:latin typeface="+mn-lt"/>
-                <a:ea typeface="+mn-ea"/>
-                <a:cs typeface="+mn-cs"/>
-              </a:defRPr>
-            </a:lvl6pPr>
-            <a:lvl7pPr marL="2743200" algn="l" defTabSz="914400" rtl="0" eaLnBrk="1" latinLnBrk="0" hangingPunct="1">
-              <a:defRPr sz="1800" kern="1200">
-                <a:solidFill>
-                  <a:schemeClr val="tx1"/>
-                </a:solidFill>
-                <a:latin typeface="+mn-lt"/>
-                <a:ea typeface="+mn-ea"/>
-                <a:cs typeface="+mn-cs"/>
-              </a:defRPr>
-            </a:lvl7pPr>
-            <a:lvl8pPr marL="3200400" algn="l" defTabSz="914400" rtl="0" eaLnBrk="1" latinLnBrk="0" hangingPunct="1">
-              <a:defRPr sz="1800" kern="1200">
-                <a:solidFill>
-                  <a:schemeClr val="tx1"/>
-                </a:solidFill>
-                <a:latin typeface="+mn-lt"/>
-                <a:ea typeface="+mn-ea"/>
-                <a:cs typeface="+mn-cs"/>
-              </a:defRPr>
-            </a:lvl8pPr>
-            <a:lvl9pPr marL="3657600" algn="l" defTabSz="914400" rtl="0" eaLnBrk="1" latinLnBrk="0" hangingPunct="1">
-              <a:defRPr sz="1800" kern="1200">
-                <a:solidFill>
-                  <a:schemeClr val="tx1"/>
-                </a:solidFill>
-                <a:latin typeface="+mn-lt"/>
-                <a:ea typeface="+mn-ea"/>
-                <a:cs typeface="+mn-cs"/>
-              </a:defRPr>
-            </a:lvl9pPr>
-          </a:lstStyle>
-          <a:p>
-            <a:r>
-              <a:rPr lang="en-US" altLang="zh-TW"/>
-              <a:t>TYIC</a:t>
-            </a:r>
-            <a:r>
-              <a:rPr lang="zh-TW" altLang="en-US"/>
-              <a:t>桃高資訊社</a:t>
-            </a:r>
-          </a:p>
-        </p:txBody>
-      </p:sp>
-      <p:sp>
-        <p:nvSpPr>
-          <p:cNvPr id="8" name="投影片編號版面配置區 5">
-            <a:extLst>
-              <a:ext uri="{FF2B5EF4-FFF2-40B4-BE49-F238E27FC236}">
-                <a16:creationId xmlns:a16="http://schemas.microsoft.com/office/drawing/2014/main" id="{013C5E04-2F03-430B-BA13-D3137E372625}"/>
-              </a:ext>
-            </a:extLst>
-          </p:cNvPr>
-          <p:cNvSpPr txBox="1">
-            <a:spLocks/>
-          </p:cNvSpPr>
-          <p:nvPr/>
-        </p:nvSpPr>
-        <p:spPr>
-          <a:xfrm>
-            <a:off x="9448800" y="6492874"/>
-            <a:ext cx="2743200" cy="365125"/>
-          </a:xfrm>
-          <a:prstGeom prst="rect">
-            <a:avLst/>
-          </a:prstGeom>
-        </p:spPr>
-        <p:txBody>
-          <a:bodyPr vert="horz" lIns="91440" tIns="45720" rIns="91440" bIns="45720" rtlCol="0" anchor="ctr"/>
-          <a:lstStyle>
-            <a:defPPr>
-              <a:defRPr lang="zh-TW"/>
-            </a:defPPr>
-            <a:lvl1pPr marL="0" algn="r" defTabSz="914400" rtl="0" eaLnBrk="1" latinLnBrk="0" hangingPunct="1">
-              <a:defRPr sz="1200" kern="1200">
-                <a:solidFill>
-                  <a:schemeClr val="tx1">
-                    <a:tint val="75000"/>
-                  </a:schemeClr>
-                </a:solidFill>
-                <a:latin typeface="+mn-lt"/>
-                <a:ea typeface="+mn-ea"/>
-                <a:cs typeface="+mn-cs"/>
-              </a:defRPr>
-            </a:lvl1pPr>
-            <a:lvl2pPr marL="457200" algn="l" defTabSz="914400" rtl="0" eaLnBrk="1" latinLnBrk="0" hangingPunct="1">
-              <a:defRPr sz="1800" kern="1200">
-                <a:solidFill>
-                  <a:schemeClr val="tx1"/>
-                </a:solidFill>
-                <a:latin typeface="+mn-lt"/>
-                <a:ea typeface="+mn-ea"/>
-                <a:cs typeface="+mn-cs"/>
-              </a:defRPr>
-            </a:lvl2pPr>
-            <a:lvl3pPr marL="914400" algn="l" defTabSz="914400" rtl="0" eaLnBrk="1" latinLnBrk="0" hangingPunct="1">
-              <a:defRPr sz="1800" kern="1200">
-                <a:solidFill>
-                  <a:schemeClr val="tx1"/>
-                </a:solidFill>
-                <a:latin typeface="+mn-lt"/>
-                <a:ea typeface="+mn-ea"/>
-                <a:cs typeface="+mn-cs"/>
-              </a:defRPr>
-            </a:lvl3pPr>
-            <a:lvl4pPr marL="1371600" algn="l" defTabSz="914400" rtl="0" eaLnBrk="1" latinLnBrk="0" hangingPunct="1">
-              <a:defRPr sz="1800" kern="1200">
-                <a:solidFill>
-                  <a:schemeClr val="tx1"/>
-                </a:solidFill>
-                <a:latin typeface="+mn-lt"/>
-                <a:ea typeface="+mn-ea"/>
-                <a:cs typeface="+mn-cs"/>
-              </a:defRPr>
-            </a:lvl4pPr>
-            <a:lvl5pPr marL="1828800" algn="l" defTabSz="914400" rtl="0" eaLnBrk="1" latinLnBrk="0" hangingPunct="1">
-              <a:defRPr sz="1800" kern="1200">
-                <a:solidFill>
-                  <a:schemeClr val="tx1"/>
-                </a:solidFill>
-                <a:latin typeface="+mn-lt"/>
-                <a:ea typeface="+mn-ea"/>
-                <a:cs typeface="+mn-cs"/>
-              </a:defRPr>
-            </a:lvl5pPr>
-            <a:lvl6pPr marL="2286000" algn="l" defTabSz="914400" rtl="0" eaLnBrk="1" latinLnBrk="0" hangingPunct="1">
-              <a:defRPr sz="1800" kern="1200">
-                <a:solidFill>
-                  <a:schemeClr val="tx1"/>
-                </a:solidFill>
-                <a:latin typeface="+mn-lt"/>
-                <a:ea typeface="+mn-ea"/>
-                <a:cs typeface="+mn-cs"/>
-              </a:defRPr>
-            </a:lvl6pPr>
-            <a:lvl7pPr marL="2743200" algn="l" defTabSz="914400" rtl="0" eaLnBrk="1" latinLnBrk="0" hangingPunct="1">
-              <a:defRPr sz="1800" kern="1200">
-                <a:solidFill>
-                  <a:schemeClr val="tx1"/>
-                </a:solidFill>
-                <a:latin typeface="+mn-lt"/>
-                <a:ea typeface="+mn-ea"/>
-                <a:cs typeface="+mn-cs"/>
-              </a:defRPr>
-            </a:lvl7pPr>
-            <a:lvl8pPr marL="3200400" algn="l" defTabSz="914400" rtl="0" eaLnBrk="1" latinLnBrk="0" hangingPunct="1">
-              <a:defRPr sz="1800" kern="1200">
-                <a:solidFill>
-                  <a:schemeClr val="tx1"/>
-                </a:solidFill>
-                <a:latin typeface="+mn-lt"/>
-                <a:ea typeface="+mn-ea"/>
-                <a:cs typeface="+mn-cs"/>
-              </a:defRPr>
-            </a:lvl8pPr>
-            <a:lvl9pPr marL="3657600" algn="l" defTabSz="914400" rtl="0" eaLnBrk="1" latinLnBrk="0" hangingPunct="1">
-              <a:defRPr sz="1800" kern="1200">
-                <a:solidFill>
-                  <a:schemeClr val="tx1"/>
-                </a:solidFill>
-                <a:latin typeface="+mn-lt"/>
-                <a:ea typeface="+mn-ea"/>
-                <a:cs typeface="+mn-cs"/>
-              </a:defRPr>
-            </a:lvl9pPr>
-          </a:lstStyle>
-          <a:p>
-            <a:fld id="{D4328D90-2A6F-4F23-88A8-C5DCC2B5F307}" type="slidenum">
-              <a:rPr lang="zh-TW" altLang="en-US" smtClean="0"/>
-              <a:pPr/>
-              <a:t>‹#›</a:t>
-            </a:fld>
-            <a:endParaRPr lang="zh-TW" altLang="en-US"/>
-          </a:p>
-        </p:txBody>
-      </p:sp>
-      <p:sp>
-        <p:nvSpPr>
-          <p:cNvPr id="6" name="頁尾版面配置區 4">
-            <a:extLst>
-              <a:ext uri="{FF2B5EF4-FFF2-40B4-BE49-F238E27FC236}">
-                <a16:creationId xmlns:a16="http://schemas.microsoft.com/office/drawing/2014/main" id="{C4CC887B-C0A8-4A82-9A58-FE8B0FAD3FD6}"/>
-              </a:ext>
-            </a:extLst>
-          </p:cNvPr>
-          <p:cNvSpPr txBox="1">
-            <a:spLocks/>
-          </p:cNvSpPr>
-          <p:nvPr/>
-        </p:nvSpPr>
-        <p:spPr>
-          <a:xfrm>
-            <a:off x="0" y="6492875"/>
-            <a:ext cx="2743200" cy="365125"/>
-          </a:xfrm>
-          <a:prstGeom prst="rect">
-            <a:avLst/>
-          </a:prstGeom>
-        </p:spPr>
-        <p:txBody>
-          <a:bodyPr vert="horz" lIns="91440" tIns="45720" rIns="91440" bIns="45720" rtlCol="0" anchor="ctr"/>
-          <a:lstStyle>
-            <a:defPPr>
-              <a:defRPr lang="zh-TW"/>
-            </a:defPPr>
-            <a:lvl1pPr marL="0" algn="l" defTabSz="914400" rtl="0" eaLnBrk="1" latinLnBrk="0" hangingPunct="1">
-              <a:defRPr sz="1200" kern="1200">
-                <a:solidFill>
-                  <a:schemeClr val="tx1">
-                    <a:tint val="75000"/>
-                  </a:schemeClr>
-                </a:solidFill>
-                <a:latin typeface="+mn-lt"/>
-                <a:ea typeface="+mn-ea"/>
-                <a:cs typeface="+mn-cs"/>
-              </a:defRPr>
-            </a:lvl1pPr>
-            <a:lvl2pPr marL="457200" algn="l" defTabSz="914400" rtl="0" eaLnBrk="1" latinLnBrk="0" hangingPunct="1">
-              <a:defRPr sz="1800" kern="1200">
-                <a:solidFill>
-                  <a:schemeClr val="tx1"/>
-                </a:solidFill>
-                <a:latin typeface="+mn-lt"/>
-                <a:ea typeface="+mn-ea"/>
-                <a:cs typeface="+mn-cs"/>
-              </a:defRPr>
-            </a:lvl2pPr>
-            <a:lvl3pPr marL="914400" algn="l" defTabSz="914400" rtl="0" eaLnBrk="1" latinLnBrk="0" hangingPunct="1">
-              <a:defRPr sz="1800" kern="1200">
-                <a:solidFill>
-                  <a:schemeClr val="tx1"/>
-                </a:solidFill>
-                <a:latin typeface="+mn-lt"/>
-                <a:ea typeface="+mn-ea"/>
-                <a:cs typeface="+mn-cs"/>
-              </a:defRPr>
-            </a:lvl3pPr>
-            <a:lvl4pPr marL="1371600" algn="l" defTabSz="914400" rtl="0" eaLnBrk="1" latinLnBrk="0" hangingPunct="1">
-              <a:defRPr sz="1800" kern="1200">
-                <a:solidFill>
-                  <a:schemeClr val="tx1"/>
-                </a:solidFill>
-                <a:latin typeface="+mn-lt"/>
-                <a:ea typeface="+mn-ea"/>
-                <a:cs typeface="+mn-cs"/>
-              </a:defRPr>
-            </a:lvl4pPr>
-            <a:lvl5pPr marL="1828800" algn="l" defTabSz="914400" rtl="0" eaLnBrk="1" latinLnBrk="0" hangingPunct="1">
-              <a:defRPr sz="1800" kern="1200">
-                <a:solidFill>
-                  <a:schemeClr val="tx1"/>
-                </a:solidFill>
-                <a:latin typeface="+mn-lt"/>
-                <a:ea typeface="+mn-ea"/>
-                <a:cs typeface="+mn-cs"/>
-              </a:defRPr>
-            </a:lvl5pPr>
-            <a:lvl6pPr marL="2286000" algn="l" defTabSz="914400" rtl="0" eaLnBrk="1" latinLnBrk="0" hangingPunct="1">
-              <a:defRPr sz="1800" kern="1200">
-                <a:solidFill>
-                  <a:schemeClr val="tx1"/>
-                </a:solidFill>
-                <a:latin typeface="+mn-lt"/>
-                <a:ea typeface="+mn-ea"/>
-                <a:cs typeface="+mn-cs"/>
-              </a:defRPr>
-            </a:lvl6pPr>
-            <a:lvl7pPr marL="2743200" algn="l" defTabSz="914400" rtl="0" eaLnBrk="1" latinLnBrk="0" hangingPunct="1">
-              <a:defRPr sz="1800" kern="1200">
-                <a:solidFill>
-                  <a:schemeClr val="tx1"/>
-                </a:solidFill>
-                <a:latin typeface="+mn-lt"/>
-                <a:ea typeface="+mn-ea"/>
-                <a:cs typeface="+mn-cs"/>
-              </a:defRPr>
-            </a:lvl7pPr>
-            <a:lvl8pPr marL="3200400" algn="l" defTabSz="914400" rtl="0" eaLnBrk="1" latinLnBrk="0" hangingPunct="1">
-              <a:defRPr sz="1800" kern="1200">
-                <a:solidFill>
-                  <a:schemeClr val="tx1"/>
-                </a:solidFill>
-                <a:latin typeface="+mn-lt"/>
-                <a:ea typeface="+mn-ea"/>
-                <a:cs typeface="+mn-cs"/>
-              </a:defRPr>
-            </a:lvl8pPr>
-            <a:lvl9pPr marL="3657600" algn="l" defTabSz="914400" rtl="0" eaLnBrk="1" latinLnBrk="0" hangingPunct="1">
-              <a:defRPr sz="1800" kern="1200">
-                <a:solidFill>
-                  <a:schemeClr val="tx1"/>
-                </a:solidFill>
-                <a:latin typeface="+mn-lt"/>
-                <a:ea typeface="+mn-ea"/>
-                <a:cs typeface="+mn-cs"/>
-              </a:defRPr>
-            </a:lvl9pPr>
-          </a:lstStyle>
-          <a:p>
-            <a:r>
-              <a:rPr lang="en-US" altLang="zh-TW" dirty="0"/>
-              <a:t>TYIC</a:t>
-            </a:r>
-            <a:r>
-              <a:rPr lang="zh-TW" altLang="en-US"/>
-              <a:t>桃高資訊社</a:t>
-            </a:r>
-          </a:p>
-        </p:txBody>
-      </p:sp>
-      <p:sp>
-        <p:nvSpPr>
-          <p:cNvPr id="9" name="投影片編號版面配置區 5">
-            <a:extLst>
-              <a:ext uri="{FF2B5EF4-FFF2-40B4-BE49-F238E27FC236}">
-                <a16:creationId xmlns:a16="http://schemas.microsoft.com/office/drawing/2014/main" id="{6B740742-BB51-4CCB-AA18-2F0900F32D31}"/>
-              </a:ext>
-            </a:extLst>
-          </p:cNvPr>
-          <p:cNvSpPr txBox="1">
-            <a:spLocks/>
-          </p:cNvSpPr>
-          <p:nvPr/>
-        </p:nvSpPr>
-        <p:spPr>
-          <a:xfrm>
-            <a:off x="9448800" y="6492874"/>
-            <a:ext cx="2743200" cy="365125"/>
-          </a:xfrm>
-          <a:prstGeom prst="rect">
-            <a:avLst/>
-          </a:prstGeom>
-        </p:spPr>
-        <p:txBody>
-          <a:bodyPr vert="horz" lIns="91440" tIns="45720" rIns="91440" bIns="45720" rtlCol="0" anchor="ctr"/>
-          <a:lstStyle>
-            <a:defPPr>
-              <a:defRPr lang="zh-TW"/>
-            </a:defPPr>
-            <a:lvl1pPr marL="0" algn="r" defTabSz="914400" rtl="0" eaLnBrk="1" latinLnBrk="0" hangingPunct="1">
-              <a:defRPr sz="1200" kern="1200">
-                <a:solidFill>
-                  <a:schemeClr val="tx1">
-                    <a:tint val="75000"/>
-                  </a:schemeClr>
-                </a:solidFill>
-                <a:latin typeface="+mn-lt"/>
-                <a:ea typeface="+mn-ea"/>
-                <a:cs typeface="+mn-cs"/>
-              </a:defRPr>
-            </a:lvl1pPr>
-            <a:lvl2pPr marL="457200" algn="l" defTabSz="914400" rtl="0" eaLnBrk="1" latinLnBrk="0" hangingPunct="1">
-              <a:defRPr sz="1800" kern="1200">
-                <a:solidFill>
-                  <a:schemeClr val="tx1"/>
-                </a:solidFill>
-                <a:latin typeface="+mn-lt"/>
-                <a:ea typeface="+mn-ea"/>
-                <a:cs typeface="+mn-cs"/>
-              </a:defRPr>
-            </a:lvl2pPr>
-            <a:lvl3pPr marL="914400" algn="l" defTabSz="914400" rtl="0" eaLnBrk="1" latinLnBrk="0" hangingPunct="1">
-              <a:defRPr sz="1800" kern="1200">
-                <a:solidFill>
-                  <a:schemeClr val="tx1"/>
-                </a:solidFill>
-                <a:latin typeface="+mn-lt"/>
-                <a:ea typeface="+mn-ea"/>
-                <a:cs typeface="+mn-cs"/>
-              </a:defRPr>
-            </a:lvl3pPr>
-            <a:lvl4pPr marL="1371600" algn="l" defTabSz="914400" rtl="0" eaLnBrk="1" latinLnBrk="0" hangingPunct="1">
-              <a:defRPr sz="1800" kern="1200">
-                <a:solidFill>
-                  <a:schemeClr val="tx1"/>
-                </a:solidFill>
-                <a:latin typeface="+mn-lt"/>
-                <a:ea typeface="+mn-ea"/>
-                <a:cs typeface="+mn-cs"/>
-              </a:defRPr>
-            </a:lvl4pPr>
-            <a:lvl5pPr marL="1828800" algn="l" defTabSz="914400" rtl="0" eaLnBrk="1" latinLnBrk="0" hangingPunct="1">
-              <a:defRPr sz="1800" kern="1200">
-                <a:solidFill>
-                  <a:schemeClr val="tx1"/>
-                </a:solidFill>
-                <a:latin typeface="+mn-lt"/>
-                <a:ea typeface="+mn-ea"/>
-                <a:cs typeface="+mn-cs"/>
-              </a:defRPr>
-            </a:lvl5pPr>
-            <a:lvl6pPr marL="2286000" algn="l" defTabSz="914400" rtl="0" eaLnBrk="1" latinLnBrk="0" hangingPunct="1">
-              <a:defRPr sz="1800" kern="1200">
-                <a:solidFill>
-                  <a:schemeClr val="tx1"/>
-                </a:solidFill>
-                <a:latin typeface="+mn-lt"/>
-                <a:ea typeface="+mn-ea"/>
-                <a:cs typeface="+mn-cs"/>
-              </a:defRPr>
-            </a:lvl6pPr>
-            <a:lvl7pPr marL="2743200" algn="l" defTabSz="914400" rtl="0" eaLnBrk="1" latinLnBrk="0" hangingPunct="1">
-              <a:defRPr sz="1800" kern="1200">
-                <a:solidFill>
-                  <a:schemeClr val="tx1"/>
-                </a:solidFill>
-                <a:latin typeface="+mn-lt"/>
-                <a:ea typeface="+mn-ea"/>
-                <a:cs typeface="+mn-cs"/>
-              </a:defRPr>
-            </a:lvl7pPr>
-            <a:lvl8pPr marL="3200400" algn="l" defTabSz="914400" rtl="0" eaLnBrk="1" latinLnBrk="0" hangingPunct="1">
-              <a:defRPr sz="1800" kern="1200">
-                <a:solidFill>
-                  <a:schemeClr val="tx1"/>
-                </a:solidFill>
-                <a:latin typeface="+mn-lt"/>
-                <a:ea typeface="+mn-ea"/>
-                <a:cs typeface="+mn-cs"/>
-              </a:defRPr>
-            </a:lvl8pPr>
-            <a:lvl9pPr marL="3657600" algn="l" defTabSz="914400" rtl="0" eaLnBrk="1" latinLnBrk="0" hangingPunct="1">
-              <a:defRPr sz="1800" kern="1200">
-                <a:solidFill>
-                  <a:schemeClr val="tx1"/>
-                </a:solidFill>
-                <a:latin typeface="+mn-lt"/>
-                <a:ea typeface="+mn-ea"/>
-                <a:cs typeface="+mn-cs"/>
-              </a:defRPr>
-            </a:lvl9pPr>
-          </a:lstStyle>
-          <a:p>
-            <a:fld id="{D4328D90-2A6F-4F23-88A8-C5DCC2B5F307}" type="slidenum">
-              <a:rPr lang="zh-TW" altLang="en-US" smtClean="0"/>
-              <a:pPr/>
-              <a:t>‹#›</a:t>
-            </a:fld>
-            <a:endParaRPr lang="zh-TW" altLang="en-US"/>
-          </a:p>
-        </p:txBody>
-      </p:sp>
-    </p:spTree>
-    <p:extLst>
-      <p:ext uri="{BB962C8B-B14F-4D97-AF65-F5344CB8AC3E}">
-        <p14:creationId xmlns:p14="http://schemas.microsoft.com/office/powerpoint/2010/main" val="3797941370"/>
-      </p:ext>
-    </p:extLst>
-  </p:cSld>
-  <p:clrMapOvr>
-    <a:masterClrMapping/>
-  </p:clrMapOvr>
-  <p:transition spd="slow">
-    <p:push dir="u"/>
-  </p:transition>
-</p:sldLayout>
-</file>
-
-<file path=ppt/slideLayouts/slideLayout4.xml><?xml version="1.0" encoding="utf-8"?>
-<p:sldLayout xmlns:a="http://schemas.openxmlformats.org/drawingml/2006/main" xmlns:r="http://schemas.openxmlformats.org/officeDocument/2006/relationships" xmlns:p="http://schemas.openxmlformats.org/presentationml/2006/main" type="twoObj" preserve="1">
-  <p:cSld name="兩個內容">
-    <p:spTree>
-      <p:nvGrpSpPr>
-        <p:cNvPr id="1" name=""/>
-        <p:cNvGrpSpPr/>
-        <p:nvPr/>
-      </p:nvGrpSpPr>
-      <p:grpSpPr>
-        <a:xfrm>
-          <a:off x="0" y="0"/>
-          <a:ext cx="0" cy="0"/>
-          <a:chOff x="0" y="0"/>
-          <a:chExt cx="0" cy="0"/>
-        </a:xfrm>
-      </p:grpSpPr>
-      <p:sp>
-        <p:nvSpPr>
-          <p:cNvPr id="2" name="標題 1">
-            <a:extLst>
-              <a:ext uri="{FF2B5EF4-FFF2-40B4-BE49-F238E27FC236}">
-                <a16:creationId xmlns:a16="http://schemas.microsoft.com/office/drawing/2014/main" id="{98909132-6CD8-4DB4-8922-349AAC7CBF28}"/>
-              </a:ext>
-            </a:extLst>
-          </p:cNvPr>
-          <p:cNvSpPr>
-            <a:spLocks noGrp="1"/>
-          </p:cNvSpPr>
-          <p:nvPr>
-            <p:ph type="title"/>
-          </p:nvPr>
-        </p:nvSpPr>
-        <p:spPr/>
-        <p:txBody>
-          <a:bodyPr/>
-          <a:lstStyle/>
-          <a:p>
-            <a:r>
-              <a:rPr lang="zh-TW" altLang="en-US"/>
-              <a:t>按一下以編輯母片標題樣式</a:t>
-            </a:r>
-          </a:p>
-        </p:txBody>
-      </p:sp>
-      <p:sp>
-        <p:nvSpPr>
-          <p:cNvPr id="3" name="內容版面配置區 2">
-            <a:extLst>
-              <a:ext uri="{FF2B5EF4-FFF2-40B4-BE49-F238E27FC236}">
-                <a16:creationId xmlns:a16="http://schemas.microsoft.com/office/drawing/2014/main" id="{EB255D59-E76E-4ADA-A943-4A398DF946C0}"/>
-              </a:ext>
-            </a:extLst>
-          </p:cNvPr>
-          <p:cNvSpPr>
-            <a:spLocks noGrp="1"/>
-          </p:cNvSpPr>
-          <p:nvPr>
-            <p:ph sz="half" idx="1"/>
-          </p:nvPr>
-        </p:nvSpPr>
-        <p:spPr>
-          <a:xfrm>
-            <a:off x="838200" y="1825625"/>
-            <a:ext cx="5181600" cy="4351338"/>
-          </a:xfrm>
-        </p:spPr>
-        <p:txBody>
-          <a:bodyPr/>
-          <a:lstStyle/>
-          <a:p>
-            <a:pPr lvl="0"/>
-            <a:r>
-              <a:rPr lang="zh-TW" altLang="en-US"/>
-              <a:t>按一下以編輯母片文字樣式</a:t>
-            </a:r>
-          </a:p>
-          <a:p>
-            <a:pPr lvl="1"/>
-            <a:r>
-              <a:rPr lang="zh-TW" altLang="en-US"/>
-              <a:t>第二層</a:t>
-            </a:r>
-          </a:p>
-          <a:p>
-            <a:pPr lvl="2"/>
-            <a:r>
-              <a:rPr lang="zh-TW" altLang="en-US"/>
-              <a:t>第三層</a:t>
-            </a:r>
-          </a:p>
-          <a:p>
-            <a:pPr lvl="3"/>
-            <a:r>
-              <a:rPr lang="zh-TW" altLang="en-US"/>
-              <a:t>第四層</a:t>
-            </a:r>
-          </a:p>
-          <a:p>
-            <a:pPr lvl="4"/>
-            <a:r>
-              <a:rPr lang="zh-TW" altLang="en-US"/>
-              <a:t>第五層</a:t>
-            </a:r>
-          </a:p>
-        </p:txBody>
-      </p:sp>
-      <p:sp>
-        <p:nvSpPr>
-          <p:cNvPr id="4" name="內容版面配置區 3">
-            <a:extLst>
-              <a:ext uri="{FF2B5EF4-FFF2-40B4-BE49-F238E27FC236}">
-                <a16:creationId xmlns:a16="http://schemas.microsoft.com/office/drawing/2014/main" id="{28909BA4-D9F5-4D3A-8AF7-74A53147863D}"/>
-              </a:ext>
-            </a:extLst>
-          </p:cNvPr>
-          <p:cNvSpPr>
-            <a:spLocks noGrp="1"/>
-          </p:cNvSpPr>
-          <p:nvPr>
-            <p:ph sz="half" idx="2"/>
-          </p:nvPr>
-        </p:nvSpPr>
-        <p:spPr>
-          <a:xfrm>
-            <a:off x="6172200" y="1825625"/>
-            <a:ext cx="5181600" cy="4351338"/>
-          </a:xfrm>
-        </p:spPr>
-        <p:txBody>
-          <a:bodyPr/>
-          <a:lstStyle/>
-          <a:p>
-            <a:pPr lvl="0"/>
-            <a:r>
-              <a:rPr lang="zh-TW" altLang="en-US"/>
-              <a:t>按一下以編輯母片文字樣式</a:t>
-            </a:r>
-          </a:p>
-          <a:p>
-            <a:pPr lvl="1"/>
-            <a:r>
-              <a:rPr lang="zh-TW" altLang="en-US"/>
-              <a:t>第二層</a:t>
-            </a:r>
-          </a:p>
-          <a:p>
-            <a:pPr lvl="2"/>
-            <a:r>
-              <a:rPr lang="zh-TW" altLang="en-US"/>
-              <a:t>第三層</a:t>
-            </a:r>
-          </a:p>
-          <a:p>
-            <a:pPr lvl="3"/>
-            <a:r>
-              <a:rPr lang="zh-TW" altLang="en-US"/>
-              <a:t>第四層</a:t>
-            </a:r>
-          </a:p>
-          <a:p>
-            <a:pPr lvl="4"/>
-            <a:r>
-              <a:rPr lang="zh-TW" altLang="en-US"/>
-              <a:t>第五層</a:t>
-            </a:r>
-          </a:p>
-        </p:txBody>
-      </p:sp>
-      <p:sp>
-        <p:nvSpPr>
-          <p:cNvPr id="8" name="頁尾版面配置區 4">
-            <a:extLst>
-              <a:ext uri="{FF2B5EF4-FFF2-40B4-BE49-F238E27FC236}">
-                <a16:creationId xmlns:a16="http://schemas.microsoft.com/office/drawing/2014/main" id="{260865D4-10BE-42AB-942E-8A6A7231E073}"/>
-              </a:ext>
-            </a:extLst>
-          </p:cNvPr>
-          <p:cNvSpPr txBox="1">
-            <a:spLocks/>
-          </p:cNvSpPr>
-          <p:nvPr/>
-        </p:nvSpPr>
-        <p:spPr>
-          <a:xfrm>
-            <a:off x="0" y="6492875"/>
-            <a:ext cx="2743200" cy="365125"/>
-          </a:xfrm>
-          <a:prstGeom prst="rect">
-            <a:avLst/>
-          </a:prstGeom>
-        </p:spPr>
-        <p:txBody>
-          <a:bodyPr vert="horz" lIns="91440" tIns="45720" rIns="91440" bIns="45720" rtlCol="0" anchor="ctr"/>
-          <a:lstStyle>
-            <a:defPPr>
-              <a:defRPr lang="zh-TW"/>
-            </a:defPPr>
-            <a:lvl1pPr marL="0" algn="l" defTabSz="914400" rtl="0" eaLnBrk="1" latinLnBrk="0" hangingPunct="1">
-              <a:defRPr sz="1200" kern="1200">
-                <a:solidFill>
-                  <a:schemeClr val="tx1">
-                    <a:tint val="75000"/>
-                  </a:schemeClr>
-                </a:solidFill>
-                <a:latin typeface="+mn-lt"/>
-                <a:ea typeface="+mn-ea"/>
-                <a:cs typeface="+mn-cs"/>
-              </a:defRPr>
-            </a:lvl1pPr>
-            <a:lvl2pPr marL="457200" algn="l" defTabSz="914400" rtl="0" eaLnBrk="1" latinLnBrk="0" hangingPunct="1">
-              <a:defRPr sz="1800" kern="1200">
-                <a:solidFill>
-                  <a:schemeClr val="tx1"/>
-                </a:solidFill>
-                <a:latin typeface="+mn-lt"/>
-                <a:ea typeface="+mn-ea"/>
-                <a:cs typeface="+mn-cs"/>
-              </a:defRPr>
-            </a:lvl2pPr>
-            <a:lvl3pPr marL="914400" algn="l" defTabSz="914400" rtl="0" eaLnBrk="1" latinLnBrk="0" hangingPunct="1">
-              <a:defRPr sz="1800" kern="1200">
-                <a:solidFill>
-                  <a:schemeClr val="tx1"/>
-                </a:solidFill>
-                <a:latin typeface="+mn-lt"/>
-                <a:ea typeface="+mn-ea"/>
-                <a:cs typeface="+mn-cs"/>
-              </a:defRPr>
-            </a:lvl3pPr>
-            <a:lvl4pPr marL="1371600" algn="l" defTabSz="914400" rtl="0" eaLnBrk="1" latinLnBrk="0" hangingPunct="1">
-              <a:defRPr sz="1800" kern="1200">
-                <a:solidFill>
-                  <a:schemeClr val="tx1"/>
-                </a:solidFill>
-                <a:latin typeface="+mn-lt"/>
-                <a:ea typeface="+mn-ea"/>
-                <a:cs typeface="+mn-cs"/>
-              </a:defRPr>
-            </a:lvl4pPr>
-            <a:lvl5pPr marL="1828800" algn="l" defTabSz="914400" rtl="0" eaLnBrk="1" latinLnBrk="0" hangingPunct="1">
-              <a:defRPr sz="1800" kern="1200">
-                <a:solidFill>
-                  <a:schemeClr val="tx1"/>
-                </a:solidFill>
-                <a:latin typeface="+mn-lt"/>
-                <a:ea typeface="+mn-ea"/>
-                <a:cs typeface="+mn-cs"/>
-              </a:defRPr>
-            </a:lvl5pPr>
-            <a:lvl6pPr marL="2286000" algn="l" defTabSz="914400" rtl="0" eaLnBrk="1" latinLnBrk="0" hangingPunct="1">
-              <a:defRPr sz="1800" kern="1200">
-                <a:solidFill>
-                  <a:schemeClr val="tx1"/>
-                </a:solidFill>
-                <a:latin typeface="+mn-lt"/>
-                <a:ea typeface="+mn-ea"/>
-                <a:cs typeface="+mn-cs"/>
-              </a:defRPr>
-            </a:lvl6pPr>
-            <a:lvl7pPr marL="2743200" algn="l" defTabSz="914400" rtl="0" eaLnBrk="1" latinLnBrk="0" hangingPunct="1">
-              <a:defRPr sz="1800" kern="1200">
-                <a:solidFill>
-                  <a:schemeClr val="tx1"/>
-                </a:solidFill>
-                <a:latin typeface="+mn-lt"/>
-                <a:ea typeface="+mn-ea"/>
-                <a:cs typeface="+mn-cs"/>
-              </a:defRPr>
-            </a:lvl7pPr>
-            <a:lvl8pPr marL="3200400" algn="l" defTabSz="914400" rtl="0" eaLnBrk="1" latinLnBrk="0" hangingPunct="1">
-              <a:defRPr sz="1800" kern="1200">
-                <a:solidFill>
-                  <a:schemeClr val="tx1"/>
-                </a:solidFill>
-                <a:latin typeface="+mn-lt"/>
-                <a:ea typeface="+mn-ea"/>
-                <a:cs typeface="+mn-cs"/>
-              </a:defRPr>
-            </a:lvl8pPr>
-            <a:lvl9pPr marL="3657600" algn="l" defTabSz="914400" rtl="0" eaLnBrk="1" latinLnBrk="0" hangingPunct="1">
-              <a:defRPr sz="1800" kern="1200">
-                <a:solidFill>
-                  <a:schemeClr val="tx1"/>
-                </a:solidFill>
-                <a:latin typeface="+mn-lt"/>
-                <a:ea typeface="+mn-ea"/>
-                <a:cs typeface="+mn-cs"/>
-              </a:defRPr>
-            </a:lvl9pPr>
-          </a:lstStyle>
-          <a:p>
-            <a:r>
-              <a:rPr lang="en-US" altLang="zh-TW"/>
-              <a:t>TYIC</a:t>
-            </a:r>
-            <a:r>
-              <a:rPr lang="zh-TW" altLang="en-US"/>
-              <a:t>桃高資訊社</a:t>
-            </a:r>
-          </a:p>
-        </p:txBody>
-      </p:sp>
-      <p:sp>
-        <p:nvSpPr>
-          <p:cNvPr id="9" name="投影片編號版面配置區 5">
-            <a:extLst>
-              <a:ext uri="{FF2B5EF4-FFF2-40B4-BE49-F238E27FC236}">
-                <a16:creationId xmlns:a16="http://schemas.microsoft.com/office/drawing/2014/main" id="{086F29C3-C792-4CB1-A6F8-A95D8E6D4CBA}"/>
-              </a:ext>
-            </a:extLst>
-          </p:cNvPr>
-          <p:cNvSpPr txBox="1">
-            <a:spLocks/>
-          </p:cNvSpPr>
-          <p:nvPr/>
-        </p:nvSpPr>
-        <p:spPr>
-          <a:xfrm>
-            <a:off x="9448800" y="6492874"/>
-            <a:ext cx="2743200" cy="365125"/>
-          </a:xfrm>
-          <a:prstGeom prst="rect">
-            <a:avLst/>
-          </a:prstGeom>
-        </p:spPr>
-        <p:txBody>
-          <a:bodyPr vert="horz" lIns="91440" tIns="45720" rIns="91440" bIns="45720" rtlCol="0" anchor="ctr"/>
-          <a:lstStyle>
-            <a:defPPr>
-              <a:defRPr lang="zh-TW"/>
-            </a:defPPr>
-            <a:lvl1pPr marL="0" algn="r" defTabSz="914400" rtl="0" eaLnBrk="1" latinLnBrk="0" hangingPunct="1">
-              <a:defRPr sz="1200" kern="1200">
-                <a:solidFill>
-                  <a:schemeClr val="tx1">
-                    <a:tint val="75000"/>
-                  </a:schemeClr>
-                </a:solidFill>
-                <a:latin typeface="+mn-lt"/>
-                <a:ea typeface="+mn-ea"/>
-                <a:cs typeface="+mn-cs"/>
-              </a:defRPr>
-            </a:lvl1pPr>
-            <a:lvl2pPr marL="457200" algn="l" defTabSz="914400" rtl="0" eaLnBrk="1" latinLnBrk="0" hangingPunct="1">
-              <a:defRPr sz="1800" kern="1200">
-                <a:solidFill>
-                  <a:schemeClr val="tx1"/>
-                </a:solidFill>
-                <a:latin typeface="+mn-lt"/>
-                <a:ea typeface="+mn-ea"/>
-                <a:cs typeface="+mn-cs"/>
-              </a:defRPr>
-            </a:lvl2pPr>
-            <a:lvl3pPr marL="914400" algn="l" defTabSz="914400" rtl="0" eaLnBrk="1" latinLnBrk="0" hangingPunct="1">
-              <a:defRPr sz="1800" kern="1200">
-                <a:solidFill>
-                  <a:schemeClr val="tx1"/>
-                </a:solidFill>
-                <a:latin typeface="+mn-lt"/>
-                <a:ea typeface="+mn-ea"/>
-                <a:cs typeface="+mn-cs"/>
-              </a:defRPr>
-            </a:lvl3pPr>
-            <a:lvl4pPr marL="1371600" algn="l" defTabSz="914400" rtl="0" eaLnBrk="1" latinLnBrk="0" hangingPunct="1">
-              <a:defRPr sz="1800" kern="1200">
-                <a:solidFill>
-                  <a:schemeClr val="tx1"/>
-                </a:solidFill>
-                <a:latin typeface="+mn-lt"/>
-                <a:ea typeface="+mn-ea"/>
-                <a:cs typeface="+mn-cs"/>
-              </a:defRPr>
-            </a:lvl4pPr>
-            <a:lvl5pPr marL="1828800" algn="l" defTabSz="914400" rtl="0" eaLnBrk="1" latinLnBrk="0" hangingPunct="1">
-              <a:defRPr sz="1800" kern="1200">
-                <a:solidFill>
-                  <a:schemeClr val="tx1"/>
-                </a:solidFill>
-                <a:latin typeface="+mn-lt"/>
-                <a:ea typeface="+mn-ea"/>
-                <a:cs typeface="+mn-cs"/>
-              </a:defRPr>
-            </a:lvl5pPr>
-            <a:lvl6pPr marL="2286000" algn="l" defTabSz="914400" rtl="0" eaLnBrk="1" latinLnBrk="0" hangingPunct="1">
-              <a:defRPr sz="1800" kern="1200">
-                <a:solidFill>
-                  <a:schemeClr val="tx1"/>
-                </a:solidFill>
-                <a:latin typeface="+mn-lt"/>
-                <a:ea typeface="+mn-ea"/>
-                <a:cs typeface="+mn-cs"/>
-              </a:defRPr>
-            </a:lvl6pPr>
-            <a:lvl7pPr marL="2743200" algn="l" defTabSz="914400" rtl="0" eaLnBrk="1" latinLnBrk="0" hangingPunct="1">
-              <a:defRPr sz="1800" kern="1200">
-                <a:solidFill>
-                  <a:schemeClr val="tx1"/>
-                </a:solidFill>
-                <a:latin typeface="+mn-lt"/>
-                <a:ea typeface="+mn-ea"/>
-                <a:cs typeface="+mn-cs"/>
-              </a:defRPr>
-            </a:lvl7pPr>
-            <a:lvl8pPr marL="3200400" algn="l" defTabSz="914400" rtl="0" eaLnBrk="1" latinLnBrk="0" hangingPunct="1">
-              <a:defRPr sz="1800" kern="1200">
-                <a:solidFill>
-                  <a:schemeClr val="tx1"/>
-                </a:solidFill>
-                <a:latin typeface="+mn-lt"/>
-                <a:ea typeface="+mn-ea"/>
-                <a:cs typeface="+mn-cs"/>
-              </a:defRPr>
-            </a:lvl8pPr>
-            <a:lvl9pPr marL="3657600" algn="l" defTabSz="914400" rtl="0" eaLnBrk="1" latinLnBrk="0" hangingPunct="1">
-              <a:defRPr sz="1800" kern="1200">
-                <a:solidFill>
-                  <a:schemeClr val="tx1"/>
-                </a:solidFill>
-                <a:latin typeface="+mn-lt"/>
-                <a:ea typeface="+mn-ea"/>
-                <a:cs typeface="+mn-cs"/>
-              </a:defRPr>
-            </a:lvl9pPr>
-          </a:lstStyle>
-          <a:p>
-            <a:fld id="{D4328D90-2A6F-4F23-88A8-C5DCC2B5F307}" type="slidenum">
-              <a:rPr lang="zh-TW" altLang="en-US" smtClean="0"/>
-              <a:pPr/>
-              <a:t>‹#›</a:t>
-            </a:fld>
-            <a:endParaRPr lang="zh-TW" altLang="en-US"/>
-          </a:p>
-        </p:txBody>
-      </p:sp>
-      <p:sp>
-        <p:nvSpPr>
-          <p:cNvPr id="7" name="頁尾版面配置區 4">
-            <a:extLst>
-              <a:ext uri="{FF2B5EF4-FFF2-40B4-BE49-F238E27FC236}">
-                <a16:creationId xmlns:a16="http://schemas.microsoft.com/office/drawing/2014/main" id="{EF7FE82B-39CB-4D43-85C1-1888CFE5720D}"/>
-              </a:ext>
-            </a:extLst>
-          </p:cNvPr>
-          <p:cNvSpPr txBox="1">
-            <a:spLocks/>
-          </p:cNvSpPr>
-          <p:nvPr/>
-        </p:nvSpPr>
-        <p:spPr>
-          <a:xfrm>
-            <a:off x="0" y="6492875"/>
-            <a:ext cx="2743200" cy="365125"/>
-          </a:xfrm>
-          <a:prstGeom prst="rect">
-            <a:avLst/>
-          </a:prstGeom>
-        </p:spPr>
-        <p:txBody>
-          <a:bodyPr vert="horz" lIns="91440" tIns="45720" rIns="91440" bIns="45720" rtlCol="0" anchor="ctr"/>
-          <a:lstStyle>
-            <a:defPPr>
-              <a:defRPr lang="zh-TW"/>
-            </a:defPPr>
-            <a:lvl1pPr marL="0" algn="l" defTabSz="914400" rtl="0" eaLnBrk="1" latinLnBrk="0" hangingPunct="1">
-              <a:defRPr sz="1200" kern="1200">
-                <a:solidFill>
-                  <a:schemeClr val="tx1">
-                    <a:tint val="75000"/>
-                  </a:schemeClr>
-                </a:solidFill>
-                <a:latin typeface="+mn-lt"/>
-                <a:ea typeface="+mn-ea"/>
-                <a:cs typeface="+mn-cs"/>
-              </a:defRPr>
-            </a:lvl1pPr>
-            <a:lvl2pPr marL="457200" algn="l" defTabSz="914400" rtl="0" eaLnBrk="1" latinLnBrk="0" hangingPunct="1">
-              <a:defRPr sz="1800" kern="1200">
-                <a:solidFill>
-                  <a:schemeClr val="tx1"/>
-                </a:solidFill>
-                <a:latin typeface="+mn-lt"/>
-                <a:ea typeface="+mn-ea"/>
-                <a:cs typeface="+mn-cs"/>
-              </a:defRPr>
-            </a:lvl2pPr>
-            <a:lvl3pPr marL="914400" algn="l" defTabSz="914400" rtl="0" eaLnBrk="1" latinLnBrk="0" hangingPunct="1">
-              <a:defRPr sz="1800" kern="1200">
-                <a:solidFill>
-                  <a:schemeClr val="tx1"/>
-                </a:solidFill>
-                <a:latin typeface="+mn-lt"/>
-                <a:ea typeface="+mn-ea"/>
-                <a:cs typeface="+mn-cs"/>
-              </a:defRPr>
-            </a:lvl3pPr>
-            <a:lvl4pPr marL="1371600" algn="l" defTabSz="914400" rtl="0" eaLnBrk="1" latinLnBrk="0" hangingPunct="1">
-              <a:defRPr sz="1800" kern="1200">
-                <a:solidFill>
-                  <a:schemeClr val="tx1"/>
-                </a:solidFill>
-                <a:latin typeface="+mn-lt"/>
-                <a:ea typeface="+mn-ea"/>
-                <a:cs typeface="+mn-cs"/>
-              </a:defRPr>
-            </a:lvl4pPr>
-            <a:lvl5pPr marL="1828800" algn="l" defTabSz="914400" rtl="0" eaLnBrk="1" latinLnBrk="0" hangingPunct="1">
-              <a:defRPr sz="1800" kern="1200">
-                <a:solidFill>
-                  <a:schemeClr val="tx1"/>
-                </a:solidFill>
-                <a:latin typeface="+mn-lt"/>
-                <a:ea typeface="+mn-ea"/>
-                <a:cs typeface="+mn-cs"/>
-              </a:defRPr>
-            </a:lvl5pPr>
-            <a:lvl6pPr marL="2286000" algn="l" defTabSz="914400" rtl="0" eaLnBrk="1" latinLnBrk="0" hangingPunct="1">
-              <a:defRPr sz="1800" kern="1200">
-                <a:solidFill>
-                  <a:schemeClr val="tx1"/>
-                </a:solidFill>
-                <a:latin typeface="+mn-lt"/>
-                <a:ea typeface="+mn-ea"/>
-                <a:cs typeface="+mn-cs"/>
-              </a:defRPr>
-            </a:lvl6pPr>
-            <a:lvl7pPr marL="2743200" algn="l" defTabSz="914400" rtl="0" eaLnBrk="1" latinLnBrk="0" hangingPunct="1">
-              <a:defRPr sz="1800" kern="1200">
-                <a:solidFill>
-                  <a:schemeClr val="tx1"/>
-                </a:solidFill>
-                <a:latin typeface="+mn-lt"/>
-                <a:ea typeface="+mn-ea"/>
-                <a:cs typeface="+mn-cs"/>
-              </a:defRPr>
-            </a:lvl7pPr>
-            <a:lvl8pPr marL="3200400" algn="l" defTabSz="914400" rtl="0" eaLnBrk="1" latinLnBrk="0" hangingPunct="1">
-              <a:defRPr sz="1800" kern="1200">
-                <a:solidFill>
-                  <a:schemeClr val="tx1"/>
-                </a:solidFill>
-                <a:latin typeface="+mn-lt"/>
-                <a:ea typeface="+mn-ea"/>
-                <a:cs typeface="+mn-cs"/>
-              </a:defRPr>
-            </a:lvl8pPr>
-            <a:lvl9pPr marL="3657600" algn="l" defTabSz="914400" rtl="0" eaLnBrk="1" latinLnBrk="0" hangingPunct="1">
-              <a:defRPr sz="1800" kern="1200">
-                <a:solidFill>
-                  <a:schemeClr val="tx1"/>
-                </a:solidFill>
-                <a:latin typeface="+mn-lt"/>
-                <a:ea typeface="+mn-ea"/>
-                <a:cs typeface="+mn-cs"/>
-              </a:defRPr>
-            </a:lvl9pPr>
-          </a:lstStyle>
-          <a:p>
-            <a:r>
-              <a:rPr lang="en-US" altLang="zh-TW" dirty="0"/>
-              <a:t>TYIC</a:t>
-            </a:r>
-            <a:r>
-              <a:rPr lang="zh-TW" altLang="en-US"/>
-              <a:t>桃高資訊社</a:t>
-            </a:r>
-          </a:p>
-        </p:txBody>
-      </p:sp>
-      <p:sp>
-        <p:nvSpPr>
-          <p:cNvPr id="10" name="投影片編號版面配置區 5">
-            <a:extLst>
-              <a:ext uri="{FF2B5EF4-FFF2-40B4-BE49-F238E27FC236}">
-                <a16:creationId xmlns:a16="http://schemas.microsoft.com/office/drawing/2014/main" id="{C49BA910-B89D-480D-839D-27EA45309D92}"/>
-              </a:ext>
-            </a:extLst>
-          </p:cNvPr>
-          <p:cNvSpPr txBox="1">
-            <a:spLocks/>
-          </p:cNvSpPr>
-          <p:nvPr/>
-        </p:nvSpPr>
-        <p:spPr>
-          <a:xfrm>
-            <a:off x="9448800" y="6492874"/>
-            <a:ext cx="2743200" cy="365125"/>
-          </a:xfrm>
-          <a:prstGeom prst="rect">
-            <a:avLst/>
-          </a:prstGeom>
-        </p:spPr>
-        <p:txBody>
-          <a:bodyPr vert="horz" lIns="91440" tIns="45720" rIns="91440" bIns="45720" rtlCol="0" anchor="ctr"/>
-          <a:lstStyle>
-            <a:defPPr>
-              <a:defRPr lang="zh-TW"/>
-            </a:defPPr>
-            <a:lvl1pPr marL="0" algn="r" defTabSz="914400" rtl="0" eaLnBrk="1" latinLnBrk="0" hangingPunct="1">
-              <a:defRPr sz="1200" kern="1200">
-                <a:solidFill>
-                  <a:schemeClr val="tx1">
-                    <a:tint val="75000"/>
-                  </a:schemeClr>
-                </a:solidFill>
-                <a:latin typeface="+mn-lt"/>
-                <a:ea typeface="+mn-ea"/>
-                <a:cs typeface="+mn-cs"/>
-              </a:defRPr>
-            </a:lvl1pPr>
-            <a:lvl2pPr marL="457200" algn="l" defTabSz="914400" rtl="0" eaLnBrk="1" latinLnBrk="0" hangingPunct="1">
-              <a:defRPr sz="1800" kern="1200">
-                <a:solidFill>
-                  <a:schemeClr val="tx1"/>
-                </a:solidFill>
-                <a:latin typeface="+mn-lt"/>
-                <a:ea typeface="+mn-ea"/>
-                <a:cs typeface="+mn-cs"/>
-              </a:defRPr>
-            </a:lvl2pPr>
-            <a:lvl3pPr marL="914400" algn="l" defTabSz="914400" rtl="0" eaLnBrk="1" latinLnBrk="0" hangingPunct="1">
-              <a:defRPr sz="1800" kern="1200">
-                <a:solidFill>
-                  <a:schemeClr val="tx1"/>
-                </a:solidFill>
-                <a:latin typeface="+mn-lt"/>
-                <a:ea typeface="+mn-ea"/>
-                <a:cs typeface="+mn-cs"/>
-              </a:defRPr>
-            </a:lvl3pPr>
-            <a:lvl4pPr marL="1371600" algn="l" defTabSz="914400" rtl="0" eaLnBrk="1" latinLnBrk="0" hangingPunct="1">
-              <a:defRPr sz="1800" kern="1200">
-                <a:solidFill>
-                  <a:schemeClr val="tx1"/>
-                </a:solidFill>
-                <a:latin typeface="+mn-lt"/>
-                <a:ea typeface="+mn-ea"/>
-                <a:cs typeface="+mn-cs"/>
-              </a:defRPr>
-            </a:lvl4pPr>
-            <a:lvl5pPr marL="1828800" algn="l" defTabSz="914400" rtl="0" eaLnBrk="1" latinLnBrk="0" hangingPunct="1">
-              <a:defRPr sz="1800" kern="1200">
-                <a:solidFill>
-                  <a:schemeClr val="tx1"/>
-                </a:solidFill>
-                <a:latin typeface="+mn-lt"/>
-                <a:ea typeface="+mn-ea"/>
-                <a:cs typeface="+mn-cs"/>
-              </a:defRPr>
-            </a:lvl5pPr>
-            <a:lvl6pPr marL="2286000" algn="l" defTabSz="914400" rtl="0" eaLnBrk="1" latinLnBrk="0" hangingPunct="1">
-              <a:defRPr sz="1800" kern="1200">
-                <a:solidFill>
-                  <a:schemeClr val="tx1"/>
-                </a:solidFill>
-                <a:latin typeface="+mn-lt"/>
-                <a:ea typeface="+mn-ea"/>
-                <a:cs typeface="+mn-cs"/>
-              </a:defRPr>
-            </a:lvl6pPr>
-            <a:lvl7pPr marL="2743200" algn="l" defTabSz="914400" rtl="0" eaLnBrk="1" latinLnBrk="0" hangingPunct="1">
-              <a:defRPr sz="1800" kern="1200">
-                <a:solidFill>
-                  <a:schemeClr val="tx1"/>
-                </a:solidFill>
-                <a:latin typeface="+mn-lt"/>
-                <a:ea typeface="+mn-ea"/>
-                <a:cs typeface="+mn-cs"/>
-              </a:defRPr>
-            </a:lvl7pPr>
-            <a:lvl8pPr marL="3200400" algn="l" defTabSz="914400" rtl="0" eaLnBrk="1" latinLnBrk="0" hangingPunct="1">
-              <a:defRPr sz="1800" kern="1200">
-                <a:solidFill>
-                  <a:schemeClr val="tx1"/>
-                </a:solidFill>
-                <a:latin typeface="+mn-lt"/>
-                <a:ea typeface="+mn-ea"/>
-                <a:cs typeface="+mn-cs"/>
-              </a:defRPr>
-            </a:lvl8pPr>
-            <a:lvl9pPr marL="3657600" algn="l" defTabSz="914400" rtl="0" eaLnBrk="1" latinLnBrk="0" hangingPunct="1">
-              <a:defRPr sz="1800" kern="1200">
-                <a:solidFill>
-                  <a:schemeClr val="tx1"/>
-                </a:solidFill>
-                <a:latin typeface="+mn-lt"/>
-                <a:ea typeface="+mn-ea"/>
-                <a:cs typeface="+mn-cs"/>
-              </a:defRPr>
-            </a:lvl9pPr>
-          </a:lstStyle>
-          <a:p>
-            <a:fld id="{D4328D90-2A6F-4F23-88A8-C5DCC2B5F307}" type="slidenum">
-              <a:rPr lang="zh-TW" altLang="en-US" smtClean="0"/>
-              <a:pPr/>
-              <a:t>‹#›</a:t>
-            </a:fld>
-            <a:endParaRPr lang="zh-TW" altLang="en-US"/>
-          </a:p>
-        </p:txBody>
-      </p:sp>
-    </p:spTree>
-    <p:extLst>
-      <p:ext uri="{BB962C8B-B14F-4D97-AF65-F5344CB8AC3E}">
-        <p14:creationId xmlns:p14="http://schemas.microsoft.com/office/powerpoint/2010/main" val="3387826391"/>
-      </p:ext>
-    </p:extLst>
-  </p:cSld>
-  <p:clrMapOvr>
-    <a:masterClrMapping/>
-  </p:clrMapOvr>
-  <p:transition spd="slow">
-    <p:push dir="u"/>
-  </p:transition>
-</p:sldLayout>
-</file>
-
-<file path=ppt/slideLayouts/slideLayout5.xml><?xml version="1.0" encoding="utf-8"?>
-<p:sldLayout xmlns:a="http://schemas.openxmlformats.org/drawingml/2006/main" xmlns:r="http://schemas.openxmlformats.org/officeDocument/2006/relationships" xmlns:p="http://schemas.openxmlformats.org/presentationml/2006/main" type="twoTxTwoObj" preserve="1">
-  <p:cSld name="比較">
-    <p:spTree>
-      <p:nvGrpSpPr>
-        <p:cNvPr id="1" name=""/>
-        <p:cNvGrpSpPr/>
-        <p:nvPr/>
-      </p:nvGrpSpPr>
-      <p:grpSpPr>
-        <a:xfrm>
-          <a:off x="0" y="0"/>
-          <a:ext cx="0" cy="0"/>
-          <a:chOff x="0" y="0"/>
-          <a:chExt cx="0" cy="0"/>
-        </a:xfrm>
-      </p:grpSpPr>
-      <p:sp>
-        <p:nvSpPr>
-          <p:cNvPr id="2" name="標題 1">
-            <a:extLst>
-              <a:ext uri="{FF2B5EF4-FFF2-40B4-BE49-F238E27FC236}">
-                <a16:creationId xmlns:a16="http://schemas.microsoft.com/office/drawing/2014/main" id="{1261A8C4-296D-438B-8D76-3F8B57A7B280}"/>
-              </a:ext>
-            </a:extLst>
-          </p:cNvPr>
-          <p:cNvSpPr>
-            <a:spLocks noGrp="1"/>
-          </p:cNvSpPr>
-          <p:nvPr>
-            <p:ph type="title"/>
-          </p:nvPr>
-        </p:nvSpPr>
-        <p:spPr>
-          <a:xfrm>
-            <a:off x="839788" y="365125"/>
-            <a:ext cx="10515600" cy="1325563"/>
-          </a:xfrm>
-        </p:spPr>
-        <p:txBody>
-          <a:bodyPr/>
-          <a:lstStyle/>
-          <a:p>
-            <a:r>
-              <a:rPr lang="zh-TW" altLang="en-US"/>
-              <a:t>按一下以編輯母片標題樣式</a:t>
-            </a:r>
-          </a:p>
-        </p:txBody>
-      </p:sp>
-      <p:sp>
-        <p:nvSpPr>
-          <p:cNvPr id="3" name="文字版面配置區 2">
-            <a:extLst>
-              <a:ext uri="{FF2B5EF4-FFF2-40B4-BE49-F238E27FC236}">
-                <a16:creationId xmlns:a16="http://schemas.microsoft.com/office/drawing/2014/main" id="{1D56BB08-0AE2-466A-A236-AF0465E555C2}"/>
-              </a:ext>
-            </a:extLst>
-          </p:cNvPr>
-          <p:cNvSpPr>
-            <a:spLocks noGrp="1"/>
-          </p:cNvSpPr>
-          <p:nvPr>
-            <p:ph type="body" idx="1"/>
-          </p:nvPr>
-        </p:nvSpPr>
-        <p:spPr>
-          <a:xfrm>
-            <a:off x="839788" y="1681163"/>
-            <a:ext cx="5157787" cy="823912"/>
-          </a:xfrm>
-        </p:spPr>
-        <p:txBody>
-          <a:bodyPr anchor="b"/>
-          <a:lstStyle>
-            <a:lvl1pPr marL="0" indent="0">
-              <a:buNone/>
-              <a:defRPr sz="2400" b="1"/>
-            </a:lvl1pPr>
-            <a:lvl2pPr marL="457200" indent="0">
-              <a:buNone/>
-              <a:defRPr sz="2000" b="1"/>
-            </a:lvl2pPr>
-            <a:lvl3pPr marL="914400" indent="0">
-              <a:buNone/>
-              <a:defRPr sz="1800" b="1"/>
-            </a:lvl3pPr>
-            <a:lvl4pPr marL="1371600" indent="0">
-              <a:buNone/>
-              <a:defRPr sz="1600" b="1"/>
-            </a:lvl4pPr>
-            <a:lvl5pPr marL="1828800" indent="0">
-              <a:buNone/>
-              <a:defRPr sz="1600" b="1"/>
-            </a:lvl5pPr>
-            <a:lvl6pPr marL="2286000" indent="0">
-              <a:buNone/>
-              <a:defRPr sz="1600" b="1"/>
-            </a:lvl6pPr>
-            <a:lvl7pPr marL="2743200" indent="0">
-              <a:buNone/>
-              <a:defRPr sz="1600" b="1"/>
-            </a:lvl7pPr>
-            <a:lvl8pPr marL="3200400" indent="0">
-              <a:buNone/>
-              <a:defRPr sz="1600" b="1"/>
-            </a:lvl8pPr>
-            <a:lvl9pPr marL="3657600" indent="0">
-              <a:buNone/>
-              <a:defRPr sz="1600" b="1"/>
-            </a:lvl9pPr>
-          </a:lstStyle>
-          <a:p>
-            <a:pPr lvl="0"/>
-            <a:r>
-              <a:rPr lang="zh-TW" altLang="en-US"/>
-              <a:t>按一下以編輯母片文字樣式</a:t>
-            </a:r>
-          </a:p>
-        </p:txBody>
-      </p:sp>
-      <p:sp>
-        <p:nvSpPr>
-          <p:cNvPr id="4" name="內容版面配置區 3">
-            <a:extLst>
-              <a:ext uri="{FF2B5EF4-FFF2-40B4-BE49-F238E27FC236}">
-                <a16:creationId xmlns:a16="http://schemas.microsoft.com/office/drawing/2014/main" id="{DBF7F7E7-C7E3-438A-9287-5ABE84A43B59}"/>
-              </a:ext>
-            </a:extLst>
-          </p:cNvPr>
-          <p:cNvSpPr>
-            <a:spLocks noGrp="1"/>
-          </p:cNvSpPr>
-          <p:nvPr>
-            <p:ph sz="half" idx="2"/>
-          </p:nvPr>
-        </p:nvSpPr>
-        <p:spPr>
-          <a:xfrm>
-            <a:off x="839788" y="2505075"/>
-            <a:ext cx="5157787" cy="3684588"/>
-          </a:xfrm>
-        </p:spPr>
-        <p:txBody>
-          <a:bodyPr/>
-          <a:lstStyle/>
-          <a:p>
-            <a:pPr lvl="0"/>
-            <a:r>
-              <a:rPr lang="zh-TW" altLang="en-US"/>
-              <a:t>按一下以編輯母片文字樣式</a:t>
-            </a:r>
-          </a:p>
-          <a:p>
-            <a:pPr lvl="1"/>
-            <a:r>
-              <a:rPr lang="zh-TW" altLang="en-US"/>
-              <a:t>第二層</a:t>
-            </a:r>
-          </a:p>
-          <a:p>
-            <a:pPr lvl="2"/>
-            <a:r>
-              <a:rPr lang="zh-TW" altLang="en-US"/>
-              <a:t>第三層</a:t>
-            </a:r>
-          </a:p>
-          <a:p>
-            <a:pPr lvl="3"/>
-            <a:r>
-              <a:rPr lang="zh-TW" altLang="en-US"/>
-              <a:t>第四層</a:t>
-            </a:r>
-          </a:p>
-          <a:p>
-            <a:pPr lvl="4"/>
-            <a:r>
-              <a:rPr lang="zh-TW" altLang="en-US"/>
-              <a:t>第五層</a:t>
-            </a:r>
-          </a:p>
-        </p:txBody>
-      </p:sp>
-      <p:sp>
-        <p:nvSpPr>
-          <p:cNvPr id="5" name="文字版面配置區 4">
-            <a:extLst>
-              <a:ext uri="{FF2B5EF4-FFF2-40B4-BE49-F238E27FC236}">
-                <a16:creationId xmlns:a16="http://schemas.microsoft.com/office/drawing/2014/main" id="{9DD36D3E-55E7-4DE3-A367-2D7A37528211}"/>
-              </a:ext>
-            </a:extLst>
-          </p:cNvPr>
-          <p:cNvSpPr>
-            <a:spLocks noGrp="1"/>
-          </p:cNvSpPr>
-          <p:nvPr>
-            <p:ph type="body" sz="quarter" idx="3"/>
-          </p:nvPr>
-        </p:nvSpPr>
-        <p:spPr>
-          <a:xfrm>
-            <a:off x="6172200" y="1681163"/>
-            <a:ext cx="5183188" cy="823912"/>
-          </a:xfrm>
-        </p:spPr>
-        <p:txBody>
-          <a:bodyPr anchor="b"/>
-          <a:lstStyle>
-            <a:lvl1pPr marL="0" indent="0">
-              <a:buNone/>
-              <a:defRPr sz="2400" b="1"/>
-            </a:lvl1pPr>
-            <a:lvl2pPr marL="457200" indent="0">
-              <a:buNone/>
-              <a:defRPr sz="2000" b="1"/>
-            </a:lvl2pPr>
-            <a:lvl3pPr marL="914400" indent="0">
-              <a:buNone/>
-              <a:defRPr sz="1800" b="1"/>
-            </a:lvl3pPr>
-            <a:lvl4pPr marL="1371600" indent="0">
-              <a:buNone/>
-              <a:defRPr sz="1600" b="1"/>
-            </a:lvl4pPr>
-            <a:lvl5pPr marL="1828800" indent="0">
-              <a:buNone/>
-              <a:defRPr sz="1600" b="1"/>
-            </a:lvl5pPr>
-            <a:lvl6pPr marL="2286000" indent="0">
-              <a:buNone/>
-              <a:defRPr sz="1600" b="1"/>
-            </a:lvl6pPr>
-            <a:lvl7pPr marL="2743200" indent="0">
-              <a:buNone/>
-              <a:defRPr sz="1600" b="1"/>
-            </a:lvl7pPr>
-            <a:lvl8pPr marL="3200400" indent="0">
-              <a:buNone/>
-              <a:defRPr sz="1600" b="1"/>
-            </a:lvl8pPr>
-            <a:lvl9pPr marL="3657600" indent="0">
-              <a:buNone/>
-              <a:defRPr sz="1600" b="1"/>
-            </a:lvl9pPr>
-          </a:lstStyle>
-          <a:p>
-            <a:pPr lvl="0"/>
-            <a:r>
-              <a:rPr lang="zh-TW" altLang="en-US"/>
-              <a:t>按一下以編輯母片文字樣式</a:t>
-            </a:r>
-          </a:p>
-        </p:txBody>
-      </p:sp>
-      <p:sp>
-        <p:nvSpPr>
-          <p:cNvPr id="6" name="內容版面配置區 5">
-            <a:extLst>
-              <a:ext uri="{FF2B5EF4-FFF2-40B4-BE49-F238E27FC236}">
-                <a16:creationId xmlns:a16="http://schemas.microsoft.com/office/drawing/2014/main" id="{AC2AB8B4-F49C-4138-953D-5AA69A9F2ED5}"/>
-              </a:ext>
-            </a:extLst>
-          </p:cNvPr>
-          <p:cNvSpPr>
-            <a:spLocks noGrp="1"/>
-          </p:cNvSpPr>
-          <p:nvPr>
-            <p:ph sz="quarter" idx="4"/>
-          </p:nvPr>
-        </p:nvSpPr>
-        <p:spPr>
-          <a:xfrm>
-            <a:off x="6172200" y="2505075"/>
-            <a:ext cx="5183188" cy="3684588"/>
-          </a:xfrm>
-        </p:spPr>
-        <p:txBody>
-          <a:bodyPr/>
-          <a:lstStyle/>
-          <a:p>
-            <a:pPr lvl="0"/>
-            <a:r>
-              <a:rPr lang="zh-TW" altLang="en-US"/>
-              <a:t>按一下以編輯母片文字樣式</a:t>
-            </a:r>
-          </a:p>
-          <a:p>
-            <a:pPr lvl="1"/>
-            <a:r>
-              <a:rPr lang="zh-TW" altLang="en-US"/>
-              <a:t>第二層</a:t>
-            </a:r>
-          </a:p>
-          <a:p>
-            <a:pPr lvl="2"/>
-            <a:r>
-              <a:rPr lang="zh-TW" altLang="en-US"/>
-              <a:t>第三層</a:t>
-            </a:r>
-          </a:p>
-          <a:p>
-            <a:pPr lvl="3"/>
-            <a:r>
-              <a:rPr lang="zh-TW" altLang="en-US"/>
-              <a:t>第四層</a:t>
-            </a:r>
-          </a:p>
-          <a:p>
-            <a:pPr lvl="4"/>
-            <a:r>
-              <a:rPr lang="zh-TW" altLang="en-US"/>
-              <a:t>第五層</a:t>
-            </a:r>
-          </a:p>
-        </p:txBody>
-      </p:sp>
-      <p:sp>
-        <p:nvSpPr>
-          <p:cNvPr id="10" name="頁尾版面配置區 4">
-            <a:extLst>
-              <a:ext uri="{FF2B5EF4-FFF2-40B4-BE49-F238E27FC236}">
-                <a16:creationId xmlns:a16="http://schemas.microsoft.com/office/drawing/2014/main" id="{EE0D0455-DB77-4E86-9A44-7A5FDD1DD418}"/>
-              </a:ext>
-            </a:extLst>
-          </p:cNvPr>
-          <p:cNvSpPr txBox="1">
-            <a:spLocks/>
-          </p:cNvSpPr>
-          <p:nvPr/>
-        </p:nvSpPr>
-        <p:spPr>
-          <a:xfrm>
-            <a:off x="0" y="6492875"/>
-            <a:ext cx="2743200" cy="365125"/>
-          </a:xfrm>
-          <a:prstGeom prst="rect">
-            <a:avLst/>
-          </a:prstGeom>
-        </p:spPr>
-        <p:txBody>
-          <a:bodyPr vert="horz" lIns="91440" tIns="45720" rIns="91440" bIns="45720" rtlCol="0" anchor="ctr"/>
-          <a:lstStyle>
-            <a:defPPr>
-              <a:defRPr lang="zh-TW"/>
-            </a:defPPr>
-            <a:lvl1pPr marL="0" algn="l" defTabSz="914400" rtl="0" eaLnBrk="1" latinLnBrk="0" hangingPunct="1">
-              <a:defRPr sz="1200" kern="1200">
-                <a:solidFill>
-                  <a:schemeClr val="tx1">
-                    <a:tint val="75000"/>
-                  </a:schemeClr>
-                </a:solidFill>
-                <a:latin typeface="+mn-lt"/>
-                <a:ea typeface="+mn-ea"/>
-                <a:cs typeface="+mn-cs"/>
-              </a:defRPr>
-            </a:lvl1pPr>
-            <a:lvl2pPr marL="457200" algn="l" defTabSz="914400" rtl="0" eaLnBrk="1" latinLnBrk="0" hangingPunct="1">
-              <a:defRPr sz="1800" kern="1200">
-                <a:solidFill>
-                  <a:schemeClr val="tx1"/>
-                </a:solidFill>
-                <a:latin typeface="+mn-lt"/>
-                <a:ea typeface="+mn-ea"/>
-                <a:cs typeface="+mn-cs"/>
-              </a:defRPr>
-            </a:lvl2pPr>
-            <a:lvl3pPr marL="914400" algn="l" defTabSz="914400" rtl="0" eaLnBrk="1" latinLnBrk="0" hangingPunct="1">
-              <a:defRPr sz="1800" kern="1200">
-                <a:solidFill>
-                  <a:schemeClr val="tx1"/>
-                </a:solidFill>
-                <a:latin typeface="+mn-lt"/>
-                <a:ea typeface="+mn-ea"/>
-                <a:cs typeface="+mn-cs"/>
-              </a:defRPr>
-            </a:lvl3pPr>
-            <a:lvl4pPr marL="1371600" algn="l" defTabSz="914400" rtl="0" eaLnBrk="1" latinLnBrk="0" hangingPunct="1">
-              <a:defRPr sz="1800" kern="1200">
-                <a:solidFill>
-                  <a:schemeClr val="tx1"/>
-                </a:solidFill>
-                <a:latin typeface="+mn-lt"/>
-                <a:ea typeface="+mn-ea"/>
-                <a:cs typeface="+mn-cs"/>
-              </a:defRPr>
-            </a:lvl4pPr>
-            <a:lvl5pPr marL="1828800" algn="l" defTabSz="914400" rtl="0" eaLnBrk="1" latinLnBrk="0" hangingPunct="1">
-              <a:defRPr sz="1800" kern="1200">
-                <a:solidFill>
-                  <a:schemeClr val="tx1"/>
-                </a:solidFill>
-                <a:latin typeface="+mn-lt"/>
-                <a:ea typeface="+mn-ea"/>
-                <a:cs typeface="+mn-cs"/>
-              </a:defRPr>
-            </a:lvl5pPr>
-            <a:lvl6pPr marL="2286000" algn="l" defTabSz="914400" rtl="0" eaLnBrk="1" latinLnBrk="0" hangingPunct="1">
-              <a:defRPr sz="1800" kern="1200">
-                <a:solidFill>
-                  <a:schemeClr val="tx1"/>
-                </a:solidFill>
-                <a:latin typeface="+mn-lt"/>
-                <a:ea typeface="+mn-ea"/>
-                <a:cs typeface="+mn-cs"/>
-              </a:defRPr>
-            </a:lvl6pPr>
-            <a:lvl7pPr marL="2743200" algn="l" defTabSz="914400" rtl="0" eaLnBrk="1" latinLnBrk="0" hangingPunct="1">
-              <a:defRPr sz="1800" kern="1200">
-                <a:solidFill>
-                  <a:schemeClr val="tx1"/>
-                </a:solidFill>
-                <a:latin typeface="+mn-lt"/>
-                <a:ea typeface="+mn-ea"/>
-                <a:cs typeface="+mn-cs"/>
-              </a:defRPr>
-            </a:lvl7pPr>
-            <a:lvl8pPr marL="3200400" algn="l" defTabSz="914400" rtl="0" eaLnBrk="1" latinLnBrk="0" hangingPunct="1">
-              <a:defRPr sz="1800" kern="1200">
-                <a:solidFill>
-                  <a:schemeClr val="tx1"/>
-                </a:solidFill>
-                <a:latin typeface="+mn-lt"/>
-                <a:ea typeface="+mn-ea"/>
-                <a:cs typeface="+mn-cs"/>
-              </a:defRPr>
-            </a:lvl8pPr>
-            <a:lvl9pPr marL="3657600" algn="l" defTabSz="914400" rtl="0" eaLnBrk="1" latinLnBrk="0" hangingPunct="1">
-              <a:defRPr sz="1800" kern="1200">
-                <a:solidFill>
-                  <a:schemeClr val="tx1"/>
-                </a:solidFill>
-                <a:latin typeface="+mn-lt"/>
-                <a:ea typeface="+mn-ea"/>
-                <a:cs typeface="+mn-cs"/>
-              </a:defRPr>
-            </a:lvl9pPr>
-          </a:lstStyle>
-          <a:p>
-            <a:r>
-              <a:rPr lang="en-US" altLang="zh-TW"/>
-              <a:t>TYIC</a:t>
-            </a:r>
-            <a:r>
-              <a:rPr lang="zh-TW" altLang="en-US"/>
-              <a:t>桃高資訊社</a:t>
-            </a:r>
-          </a:p>
-        </p:txBody>
-      </p:sp>
-      <p:sp>
-        <p:nvSpPr>
-          <p:cNvPr id="11" name="投影片編號版面配置區 5">
-            <a:extLst>
-              <a:ext uri="{FF2B5EF4-FFF2-40B4-BE49-F238E27FC236}">
-                <a16:creationId xmlns:a16="http://schemas.microsoft.com/office/drawing/2014/main" id="{61BEB5C0-CA6F-4D05-A5B1-D9B3326D213A}"/>
-              </a:ext>
-            </a:extLst>
-          </p:cNvPr>
-          <p:cNvSpPr txBox="1">
-            <a:spLocks/>
-          </p:cNvSpPr>
-          <p:nvPr/>
-        </p:nvSpPr>
-        <p:spPr>
-          <a:xfrm>
-            <a:off x="9448800" y="6492874"/>
-            <a:ext cx="2743200" cy="365125"/>
-          </a:xfrm>
-          <a:prstGeom prst="rect">
-            <a:avLst/>
-          </a:prstGeom>
-        </p:spPr>
-        <p:txBody>
-          <a:bodyPr vert="horz" lIns="91440" tIns="45720" rIns="91440" bIns="45720" rtlCol="0" anchor="ctr"/>
-          <a:lstStyle>
-            <a:defPPr>
-              <a:defRPr lang="zh-TW"/>
-            </a:defPPr>
-            <a:lvl1pPr marL="0" algn="r" defTabSz="914400" rtl="0" eaLnBrk="1" latinLnBrk="0" hangingPunct="1">
-              <a:defRPr sz="1200" kern="1200">
-                <a:solidFill>
-                  <a:schemeClr val="tx1">
-                    <a:tint val="75000"/>
-                  </a:schemeClr>
-                </a:solidFill>
-                <a:latin typeface="+mn-lt"/>
-                <a:ea typeface="+mn-ea"/>
-                <a:cs typeface="+mn-cs"/>
-              </a:defRPr>
-            </a:lvl1pPr>
-            <a:lvl2pPr marL="457200" algn="l" defTabSz="914400" rtl="0" eaLnBrk="1" latinLnBrk="0" hangingPunct="1">
-              <a:defRPr sz="1800" kern="1200">
-                <a:solidFill>
-                  <a:schemeClr val="tx1"/>
-                </a:solidFill>
-                <a:latin typeface="+mn-lt"/>
-                <a:ea typeface="+mn-ea"/>
-                <a:cs typeface="+mn-cs"/>
-              </a:defRPr>
-            </a:lvl2pPr>
-            <a:lvl3pPr marL="914400" algn="l" defTabSz="914400" rtl="0" eaLnBrk="1" latinLnBrk="0" hangingPunct="1">
-              <a:defRPr sz="1800" kern="1200">
-                <a:solidFill>
-                  <a:schemeClr val="tx1"/>
-                </a:solidFill>
-                <a:latin typeface="+mn-lt"/>
-                <a:ea typeface="+mn-ea"/>
-                <a:cs typeface="+mn-cs"/>
-              </a:defRPr>
-            </a:lvl3pPr>
-            <a:lvl4pPr marL="1371600" algn="l" defTabSz="914400" rtl="0" eaLnBrk="1" latinLnBrk="0" hangingPunct="1">
-              <a:defRPr sz="1800" kern="1200">
-                <a:solidFill>
-                  <a:schemeClr val="tx1"/>
-                </a:solidFill>
-                <a:latin typeface="+mn-lt"/>
-                <a:ea typeface="+mn-ea"/>
-                <a:cs typeface="+mn-cs"/>
-              </a:defRPr>
-            </a:lvl4pPr>
-            <a:lvl5pPr marL="1828800" algn="l" defTabSz="914400" rtl="0" eaLnBrk="1" latinLnBrk="0" hangingPunct="1">
-              <a:defRPr sz="1800" kern="1200">
-                <a:solidFill>
-                  <a:schemeClr val="tx1"/>
-                </a:solidFill>
-                <a:latin typeface="+mn-lt"/>
-                <a:ea typeface="+mn-ea"/>
-                <a:cs typeface="+mn-cs"/>
-              </a:defRPr>
-            </a:lvl5pPr>
-            <a:lvl6pPr marL="2286000" algn="l" defTabSz="914400" rtl="0" eaLnBrk="1" latinLnBrk="0" hangingPunct="1">
-              <a:defRPr sz="1800" kern="1200">
-                <a:solidFill>
-                  <a:schemeClr val="tx1"/>
-                </a:solidFill>
-                <a:latin typeface="+mn-lt"/>
-                <a:ea typeface="+mn-ea"/>
-                <a:cs typeface="+mn-cs"/>
-              </a:defRPr>
-            </a:lvl6pPr>
-            <a:lvl7pPr marL="2743200" algn="l" defTabSz="914400" rtl="0" eaLnBrk="1" latinLnBrk="0" hangingPunct="1">
-              <a:defRPr sz="1800" kern="1200">
-                <a:solidFill>
-                  <a:schemeClr val="tx1"/>
-                </a:solidFill>
-                <a:latin typeface="+mn-lt"/>
-                <a:ea typeface="+mn-ea"/>
-                <a:cs typeface="+mn-cs"/>
-              </a:defRPr>
-            </a:lvl7pPr>
-            <a:lvl8pPr marL="3200400" algn="l" defTabSz="914400" rtl="0" eaLnBrk="1" latinLnBrk="0" hangingPunct="1">
-              <a:defRPr sz="1800" kern="1200">
-                <a:solidFill>
-                  <a:schemeClr val="tx1"/>
-                </a:solidFill>
-                <a:latin typeface="+mn-lt"/>
-                <a:ea typeface="+mn-ea"/>
-                <a:cs typeface="+mn-cs"/>
-              </a:defRPr>
-            </a:lvl8pPr>
-            <a:lvl9pPr marL="3657600" algn="l" defTabSz="914400" rtl="0" eaLnBrk="1" latinLnBrk="0" hangingPunct="1">
-              <a:defRPr sz="1800" kern="1200">
-                <a:solidFill>
-                  <a:schemeClr val="tx1"/>
-                </a:solidFill>
-                <a:latin typeface="+mn-lt"/>
-                <a:ea typeface="+mn-ea"/>
-                <a:cs typeface="+mn-cs"/>
-              </a:defRPr>
-            </a:lvl9pPr>
-          </a:lstStyle>
-          <a:p>
-            <a:fld id="{D4328D90-2A6F-4F23-88A8-C5DCC2B5F307}" type="slidenum">
-              <a:rPr lang="zh-TW" altLang="en-US" smtClean="0"/>
-              <a:pPr/>
-              <a:t>‹#›</a:t>
-            </a:fld>
-            <a:endParaRPr lang="zh-TW" altLang="en-US"/>
-          </a:p>
-        </p:txBody>
-      </p:sp>
-      <p:sp>
-        <p:nvSpPr>
-          <p:cNvPr id="9" name="頁尾版面配置區 4">
-            <a:extLst>
-              <a:ext uri="{FF2B5EF4-FFF2-40B4-BE49-F238E27FC236}">
-                <a16:creationId xmlns:a16="http://schemas.microsoft.com/office/drawing/2014/main" id="{605C848C-2FFE-453B-B32A-6EEEAD465B71}"/>
-              </a:ext>
-            </a:extLst>
-          </p:cNvPr>
-          <p:cNvSpPr txBox="1">
-            <a:spLocks/>
-          </p:cNvSpPr>
-          <p:nvPr/>
-        </p:nvSpPr>
-        <p:spPr>
-          <a:xfrm>
-            <a:off x="0" y="6492875"/>
-            <a:ext cx="2743200" cy="365125"/>
-          </a:xfrm>
-          <a:prstGeom prst="rect">
-            <a:avLst/>
-          </a:prstGeom>
-        </p:spPr>
-        <p:txBody>
-          <a:bodyPr vert="horz" lIns="91440" tIns="45720" rIns="91440" bIns="45720" rtlCol="0" anchor="ctr"/>
-          <a:lstStyle>
-            <a:defPPr>
-              <a:defRPr lang="zh-TW"/>
-            </a:defPPr>
-            <a:lvl1pPr marL="0" algn="l" defTabSz="914400" rtl="0" eaLnBrk="1" latinLnBrk="0" hangingPunct="1">
-              <a:defRPr sz="1200" kern="1200">
-                <a:solidFill>
-                  <a:schemeClr val="tx1">
-                    <a:tint val="75000"/>
-                  </a:schemeClr>
-                </a:solidFill>
-                <a:latin typeface="+mn-lt"/>
-                <a:ea typeface="+mn-ea"/>
-                <a:cs typeface="+mn-cs"/>
-              </a:defRPr>
-            </a:lvl1pPr>
-            <a:lvl2pPr marL="457200" algn="l" defTabSz="914400" rtl="0" eaLnBrk="1" latinLnBrk="0" hangingPunct="1">
-              <a:defRPr sz="1800" kern="1200">
-                <a:solidFill>
-                  <a:schemeClr val="tx1"/>
-                </a:solidFill>
-                <a:latin typeface="+mn-lt"/>
-                <a:ea typeface="+mn-ea"/>
-                <a:cs typeface="+mn-cs"/>
-              </a:defRPr>
-            </a:lvl2pPr>
-            <a:lvl3pPr marL="914400" algn="l" defTabSz="914400" rtl="0" eaLnBrk="1" latinLnBrk="0" hangingPunct="1">
-              <a:defRPr sz="1800" kern="1200">
-                <a:solidFill>
-                  <a:schemeClr val="tx1"/>
-                </a:solidFill>
-                <a:latin typeface="+mn-lt"/>
-                <a:ea typeface="+mn-ea"/>
-                <a:cs typeface="+mn-cs"/>
-              </a:defRPr>
-            </a:lvl3pPr>
-            <a:lvl4pPr marL="1371600" algn="l" defTabSz="914400" rtl="0" eaLnBrk="1" latinLnBrk="0" hangingPunct="1">
-              <a:defRPr sz="1800" kern="1200">
-                <a:solidFill>
-                  <a:schemeClr val="tx1"/>
-                </a:solidFill>
-                <a:latin typeface="+mn-lt"/>
-                <a:ea typeface="+mn-ea"/>
-                <a:cs typeface="+mn-cs"/>
-              </a:defRPr>
-            </a:lvl4pPr>
-            <a:lvl5pPr marL="1828800" algn="l" defTabSz="914400" rtl="0" eaLnBrk="1" latinLnBrk="0" hangingPunct="1">
-              <a:defRPr sz="1800" kern="1200">
-                <a:solidFill>
-                  <a:schemeClr val="tx1"/>
-                </a:solidFill>
-                <a:latin typeface="+mn-lt"/>
-                <a:ea typeface="+mn-ea"/>
-                <a:cs typeface="+mn-cs"/>
-              </a:defRPr>
-            </a:lvl5pPr>
-            <a:lvl6pPr marL="2286000" algn="l" defTabSz="914400" rtl="0" eaLnBrk="1" latinLnBrk="0" hangingPunct="1">
-              <a:defRPr sz="1800" kern="1200">
-                <a:solidFill>
-                  <a:schemeClr val="tx1"/>
-                </a:solidFill>
-                <a:latin typeface="+mn-lt"/>
-                <a:ea typeface="+mn-ea"/>
-                <a:cs typeface="+mn-cs"/>
-              </a:defRPr>
-            </a:lvl6pPr>
-            <a:lvl7pPr marL="2743200" algn="l" defTabSz="914400" rtl="0" eaLnBrk="1" latinLnBrk="0" hangingPunct="1">
-              <a:defRPr sz="1800" kern="1200">
-                <a:solidFill>
-                  <a:schemeClr val="tx1"/>
-                </a:solidFill>
-                <a:latin typeface="+mn-lt"/>
-                <a:ea typeface="+mn-ea"/>
-                <a:cs typeface="+mn-cs"/>
-              </a:defRPr>
-            </a:lvl7pPr>
-            <a:lvl8pPr marL="3200400" algn="l" defTabSz="914400" rtl="0" eaLnBrk="1" latinLnBrk="0" hangingPunct="1">
-              <a:defRPr sz="1800" kern="1200">
-                <a:solidFill>
-                  <a:schemeClr val="tx1"/>
-                </a:solidFill>
-                <a:latin typeface="+mn-lt"/>
-                <a:ea typeface="+mn-ea"/>
-                <a:cs typeface="+mn-cs"/>
-              </a:defRPr>
-            </a:lvl8pPr>
-            <a:lvl9pPr marL="3657600" algn="l" defTabSz="914400" rtl="0" eaLnBrk="1" latinLnBrk="0" hangingPunct="1">
-              <a:defRPr sz="1800" kern="1200">
-                <a:solidFill>
-                  <a:schemeClr val="tx1"/>
-                </a:solidFill>
-                <a:latin typeface="+mn-lt"/>
-                <a:ea typeface="+mn-ea"/>
-                <a:cs typeface="+mn-cs"/>
-              </a:defRPr>
-            </a:lvl9pPr>
-          </a:lstStyle>
-          <a:p>
-            <a:r>
-              <a:rPr lang="en-US" altLang="zh-TW" dirty="0"/>
-              <a:t>TYIC</a:t>
-            </a:r>
-            <a:r>
-              <a:rPr lang="zh-TW" altLang="en-US"/>
-              <a:t>桃高資訊社</a:t>
-            </a:r>
-          </a:p>
-        </p:txBody>
-      </p:sp>
-      <p:sp>
-        <p:nvSpPr>
-          <p:cNvPr id="12" name="投影片編號版面配置區 5">
-            <a:extLst>
-              <a:ext uri="{FF2B5EF4-FFF2-40B4-BE49-F238E27FC236}">
-                <a16:creationId xmlns:a16="http://schemas.microsoft.com/office/drawing/2014/main" id="{BA25B8BA-C96A-4CF8-B988-C05CD53A4761}"/>
-              </a:ext>
-            </a:extLst>
-          </p:cNvPr>
-          <p:cNvSpPr txBox="1">
-            <a:spLocks/>
-          </p:cNvSpPr>
-          <p:nvPr/>
-        </p:nvSpPr>
-        <p:spPr>
-          <a:xfrm>
-            <a:off x="9448800" y="6492874"/>
-            <a:ext cx="2743200" cy="365125"/>
-          </a:xfrm>
-          <a:prstGeom prst="rect">
-            <a:avLst/>
-          </a:prstGeom>
-        </p:spPr>
-        <p:txBody>
-          <a:bodyPr vert="horz" lIns="91440" tIns="45720" rIns="91440" bIns="45720" rtlCol="0" anchor="ctr"/>
-          <a:lstStyle>
-            <a:defPPr>
-              <a:defRPr lang="zh-TW"/>
-            </a:defPPr>
-            <a:lvl1pPr marL="0" algn="r" defTabSz="914400" rtl="0" eaLnBrk="1" latinLnBrk="0" hangingPunct="1">
-              <a:defRPr sz="1200" kern="1200">
-                <a:solidFill>
-                  <a:schemeClr val="tx1">
-                    <a:tint val="75000"/>
-                  </a:schemeClr>
-                </a:solidFill>
-                <a:latin typeface="+mn-lt"/>
-                <a:ea typeface="+mn-ea"/>
-                <a:cs typeface="+mn-cs"/>
-              </a:defRPr>
-            </a:lvl1pPr>
-            <a:lvl2pPr marL="457200" algn="l" defTabSz="914400" rtl="0" eaLnBrk="1" latinLnBrk="0" hangingPunct="1">
-              <a:defRPr sz="1800" kern="1200">
-                <a:solidFill>
-                  <a:schemeClr val="tx1"/>
-                </a:solidFill>
-                <a:latin typeface="+mn-lt"/>
-                <a:ea typeface="+mn-ea"/>
-                <a:cs typeface="+mn-cs"/>
-              </a:defRPr>
-            </a:lvl2pPr>
-            <a:lvl3pPr marL="914400" algn="l" defTabSz="914400" rtl="0" eaLnBrk="1" latinLnBrk="0" hangingPunct="1">
-              <a:defRPr sz="1800" kern="1200">
-                <a:solidFill>
-                  <a:schemeClr val="tx1"/>
-                </a:solidFill>
-                <a:latin typeface="+mn-lt"/>
-                <a:ea typeface="+mn-ea"/>
-                <a:cs typeface="+mn-cs"/>
-              </a:defRPr>
-            </a:lvl3pPr>
-            <a:lvl4pPr marL="1371600" algn="l" defTabSz="914400" rtl="0" eaLnBrk="1" latinLnBrk="0" hangingPunct="1">
-              <a:defRPr sz="1800" kern="1200">
-                <a:solidFill>
-                  <a:schemeClr val="tx1"/>
-                </a:solidFill>
-                <a:latin typeface="+mn-lt"/>
-                <a:ea typeface="+mn-ea"/>
-                <a:cs typeface="+mn-cs"/>
-              </a:defRPr>
-            </a:lvl4pPr>
-            <a:lvl5pPr marL="1828800" algn="l" defTabSz="914400" rtl="0" eaLnBrk="1" latinLnBrk="0" hangingPunct="1">
-              <a:defRPr sz="1800" kern="1200">
-                <a:solidFill>
-                  <a:schemeClr val="tx1"/>
-                </a:solidFill>
-                <a:latin typeface="+mn-lt"/>
-                <a:ea typeface="+mn-ea"/>
-                <a:cs typeface="+mn-cs"/>
-              </a:defRPr>
-            </a:lvl5pPr>
-            <a:lvl6pPr marL="2286000" algn="l" defTabSz="914400" rtl="0" eaLnBrk="1" latinLnBrk="0" hangingPunct="1">
-              <a:defRPr sz="1800" kern="1200">
-                <a:solidFill>
-                  <a:schemeClr val="tx1"/>
-                </a:solidFill>
-                <a:latin typeface="+mn-lt"/>
-                <a:ea typeface="+mn-ea"/>
-                <a:cs typeface="+mn-cs"/>
-              </a:defRPr>
-            </a:lvl6pPr>
-            <a:lvl7pPr marL="2743200" algn="l" defTabSz="914400" rtl="0" eaLnBrk="1" latinLnBrk="0" hangingPunct="1">
-              <a:defRPr sz="1800" kern="1200">
-                <a:solidFill>
-                  <a:schemeClr val="tx1"/>
-                </a:solidFill>
-                <a:latin typeface="+mn-lt"/>
-                <a:ea typeface="+mn-ea"/>
-                <a:cs typeface="+mn-cs"/>
-              </a:defRPr>
-            </a:lvl7pPr>
-            <a:lvl8pPr marL="3200400" algn="l" defTabSz="914400" rtl="0" eaLnBrk="1" latinLnBrk="0" hangingPunct="1">
-              <a:defRPr sz="1800" kern="1200">
-                <a:solidFill>
-                  <a:schemeClr val="tx1"/>
-                </a:solidFill>
-                <a:latin typeface="+mn-lt"/>
-                <a:ea typeface="+mn-ea"/>
-                <a:cs typeface="+mn-cs"/>
-              </a:defRPr>
-            </a:lvl8pPr>
-            <a:lvl9pPr marL="3657600" algn="l" defTabSz="914400" rtl="0" eaLnBrk="1" latinLnBrk="0" hangingPunct="1">
-              <a:defRPr sz="1800" kern="1200">
-                <a:solidFill>
-                  <a:schemeClr val="tx1"/>
-                </a:solidFill>
-                <a:latin typeface="+mn-lt"/>
-                <a:ea typeface="+mn-ea"/>
-                <a:cs typeface="+mn-cs"/>
-              </a:defRPr>
-            </a:lvl9pPr>
-          </a:lstStyle>
-          <a:p>
-            <a:fld id="{D4328D90-2A6F-4F23-88A8-C5DCC2B5F307}" type="slidenum">
-              <a:rPr lang="zh-TW" altLang="en-US" smtClean="0"/>
-              <a:pPr/>
-              <a:t>‹#›</a:t>
-            </a:fld>
-            <a:endParaRPr lang="zh-TW" altLang="en-US"/>
-          </a:p>
-        </p:txBody>
-      </p:sp>
-    </p:spTree>
-    <p:extLst>
-      <p:ext uri="{BB962C8B-B14F-4D97-AF65-F5344CB8AC3E}">
-        <p14:creationId xmlns:p14="http://schemas.microsoft.com/office/powerpoint/2010/main" val="1498759718"/>
-      </p:ext>
-    </p:extLst>
-  </p:cSld>
-  <p:clrMapOvr>
-    <a:masterClrMapping/>
-  </p:clrMapOvr>
-  <p:transition spd="slow">
-    <p:push dir="u"/>
-  </p:transition>
-</p:sldLayout>
-</file>
-
-<file path=ppt/slideLayouts/slideLayout6.xml><?xml version="1.0" encoding="utf-8"?>
 <p:sldLayout xmlns:a="http://schemas.openxmlformats.org/drawingml/2006/main" xmlns:r="http://schemas.openxmlformats.org/officeDocument/2006/relationships" xmlns:p="http://schemas.openxmlformats.org/presentationml/2006/main" type="titleOnly" preserve="1">
   <p:cSld name="只有標題">
     <p:spTree>
@@ -5376,7 +1352,7 @@
             </a:r>
             <a:r>
               <a:rPr lang="zh-TW" altLang="en-US"/>
-              <a:t>桃高資訊社</a:t>
+              <a:t> 桃高資訊社</a:t>
             </a:r>
           </a:p>
         </p:txBody>
@@ -5513,276 +1489,10 @@
           </a:p>
         </p:txBody>
       </p:sp>
-      <p:sp>
-        <p:nvSpPr>
-          <p:cNvPr id="5" name="頁尾版面配置區 4">
-            <a:extLst>
-              <a:ext uri="{FF2B5EF4-FFF2-40B4-BE49-F238E27FC236}">
-                <a16:creationId xmlns:a16="http://schemas.microsoft.com/office/drawing/2014/main" id="{D8E74B65-EAF7-495F-B1FC-F79D9D03475E}"/>
-              </a:ext>
-            </a:extLst>
-          </p:cNvPr>
-          <p:cNvSpPr txBox="1">
-            <a:spLocks/>
-          </p:cNvSpPr>
-          <p:nvPr/>
-        </p:nvSpPr>
-        <p:spPr>
-          <a:xfrm>
-            <a:off x="0" y="6492875"/>
-            <a:ext cx="2743200" cy="365125"/>
-          </a:xfrm>
-          <a:prstGeom prst="rect">
-            <a:avLst/>
-          </a:prstGeom>
-        </p:spPr>
-        <p:txBody>
-          <a:bodyPr vert="horz" lIns="91440" tIns="45720" rIns="91440" bIns="45720" rtlCol="0" anchor="ctr"/>
-          <a:lstStyle>
-            <a:defPPr>
-              <a:defRPr lang="zh-TW"/>
-            </a:defPPr>
-            <a:lvl1pPr marL="0" algn="l" defTabSz="914400" rtl="0" eaLnBrk="1" latinLnBrk="0" hangingPunct="1">
-              <a:defRPr sz="1200" kern="1200">
-                <a:solidFill>
-                  <a:schemeClr val="tx1">
-                    <a:tint val="75000"/>
-                  </a:schemeClr>
-                </a:solidFill>
-                <a:latin typeface="+mn-lt"/>
-                <a:ea typeface="+mn-ea"/>
-                <a:cs typeface="+mn-cs"/>
-              </a:defRPr>
-            </a:lvl1pPr>
-            <a:lvl2pPr marL="457200" algn="l" defTabSz="914400" rtl="0" eaLnBrk="1" latinLnBrk="0" hangingPunct="1">
-              <a:defRPr sz="1800" kern="1200">
-                <a:solidFill>
-                  <a:schemeClr val="tx1"/>
-                </a:solidFill>
-                <a:latin typeface="+mn-lt"/>
-                <a:ea typeface="+mn-ea"/>
-                <a:cs typeface="+mn-cs"/>
-              </a:defRPr>
-            </a:lvl2pPr>
-            <a:lvl3pPr marL="914400" algn="l" defTabSz="914400" rtl="0" eaLnBrk="1" latinLnBrk="0" hangingPunct="1">
-              <a:defRPr sz="1800" kern="1200">
-                <a:solidFill>
-                  <a:schemeClr val="tx1"/>
-                </a:solidFill>
-                <a:latin typeface="+mn-lt"/>
-                <a:ea typeface="+mn-ea"/>
-                <a:cs typeface="+mn-cs"/>
-              </a:defRPr>
-            </a:lvl3pPr>
-            <a:lvl4pPr marL="1371600" algn="l" defTabSz="914400" rtl="0" eaLnBrk="1" latinLnBrk="0" hangingPunct="1">
-              <a:defRPr sz="1800" kern="1200">
-                <a:solidFill>
-                  <a:schemeClr val="tx1"/>
-                </a:solidFill>
-                <a:latin typeface="+mn-lt"/>
-                <a:ea typeface="+mn-ea"/>
-                <a:cs typeface="+mn-cs"/>
-              </a:defRPr>
-            </a:lvl4pPr>
-            <a:lvl5pPr marL="1828800" algn="l" defTabSz="914400" rtl="0" eaLnBrk="1" latinLnBrk="0" hangingPunct="1">
-              <a:defRPr sz="1800" kern="1200">
-                <a:solidFill>
-                  <a:schemeClr val="tx1"/>
-                </a:solidFill>
-                <a:latin typeface="+mn-lt"/>
-                <a:ea typeface="+mn-ea"/>
-                <a:cs typeface="+mn-cs"/>
-              </a:defRPr>
-            </a:lvl5pPr>
-            <a:lvl6pPr marL="2286000" algn="l" defTabSz="914400" rtl="0" eaLnBrk="1" latinLnBrk="0" hangingPunct="1">
-              <a:defRPr sz="1800" kern="1200">
-                <a:solidFill>
-                  <a:schemeClr val="tx1"/>
-                </a:solidFill>
-                <a:latin typeface="+mn-lt"/>
-                <a:ea typeface="+mn-ea"/>
-                <a:cs typeface="+mn-cs"/>
-              </a:defRPr>
-            </a:lvl6pPr>
-            <a:lvl7pPr marL="2743200" algn="l" defTabSz="914400" rtl="0" eaLnBrk="1" latinLnBrk="0" hangingPunct="1">
-              <a:defRPr sz="1800" kern="1200">
-                <a:solidFill>
-                  <a:schemeClr val="tx1"/>
-                </a:solidFill>
-                <a:latin typeface="+mn-lt"/>
-                <a:ea typeface="+mn-ea"/>
-                <a:cs typeface="+mn-cs"/>
-              </a:defRPr>
-            </a:lvl7pPr>
-            <a:lvl8pPr marL="3200400" algn="l" defTabSz="914400" rtl="0" eaLnBrk="1" latinLnBrk="0" hangingPunct="1">
-              <a:defRPr sz="1800" kern="1200">
-                <a:solidFill>
-                  <a:schemeClr val="tx1"/>
-                </a:solidFill>
-                <a:latin typeface="+mn-lt"/>
-                <a:ea typeface="+mn-ea"/>
-                <a:cs typeface="+mn-cs"/>
-              </a:defRPr>
-            </a:lvl8pPr>
-            <a:lvl9pPr marL="3657600" algn="l" defTabSz="914400" rtl="0" eaLnBrk="1" latinLnBrk="0" hangingPunct="1">
-              <a:defRPr sz="1800" kern="1200">
-                <a:solidFill>
-                  <a:schemeClr val="tx1"/>
-                </a:solidFill>
-                <a:latin typeface="+mn-lt"/>
-                <a:ea typeface="+mn-ea"/>
-                <a:cs typeface="+mn-cs"/>
-              </a:defRPr>
-            </a:lvl9pPr>
-          </a:lstStyle>
-          <a:p>
-            <a:r>
-              <a:rPr lang="en-US" altLang="zh-TW" dirty="0"/>
-              <a:t>TYIC</a:t>
-            </a:r>
-            <a:r>
-              <a:rPr lang="zh-TW" altLang="en-US"/>
-              <a:t>桃高資訊社</a:t>
-            </a:r>
-          </a:p>
-        </p:txBody>
-      </p:sp>
-      <p:sp>
-        <p:nvSpPr>
-          <p:cNvPr id="8" name="投影片編號版面配置區 5">
-            <a:extLst>
-              <a:ext uri="{FF2B5EF4-FFF2-40B4-BE49-F238E27FC236}">
-                <a16:creationId xmlns:a16="http://schemas.microsoft.com/office/drawing/2014/main" id="{9D527980-0A68-41A1-8AEA-310C2B755958}"/>
-              </a:ext>
-            </a:extLst>
-          </p:cNvPr>
-          <p:cNvSpPr txBox="1">
-            <a:spLocks/>
-          </p:cNvSpPr>
-          <p:nvPr/>
-        </p:nvSpPr>
-        <p:spPr>
-          <a:xfrm>
-            <a:off x="9448800" y="6492874"/>
-            <a:ext cx="2743200" cy="365125"/>
-          </a:xfrm>
-          <a:prstGeom prst="rect">
-            <a:avLst/>
-          </a:prstGeom>
-        </p:spPr>
-        <p:txBody>
-          <a:bodyPr vert="horz" lIns="91440" tIns="45720" rIns="91440" bIns="45720" rtlCol="0" anchor="ctr"/>
-          <a:lstStyle>
-            <a:defPPr>
-              <a:defRPr lang="zh-TW"/>
-            </a:defPPr>
-            <a:lvl1pPr marL="0" algn="r" defTabSz="914400" rtl="0" eaLnBrk="1" latinLnBrk="0" hangingPunct="1">
-              <a:defRPr sz="1200" kern="1200">
-                <a:solidFill>
-                  <a:schemeClr val="tx1">
-                    <a:tint val="75000"/>
-                  </a:schemeClr>
-                </a:solidFill>
-                <a:latin typeface="+mn-lt"/>
-                <a:ea typeface="+mn-ea"/>
-                <a:cs typeface="+mn-cs"/>
-              </a:defRPr>
-            </a:lvl1pPr>
-            <a:lvl2pPr marL="457200" algn="l" defTabSz="914400" rtl="0" eaLnBrk="1" latinLnBrk="0" hangingPunct="1">
-              <a:defRPr sz="1800" kern="1200">
-                <a:solidFill>
-                  <a:schemeClr val="tx1"/>
-                </a:solidFill>
-                <a:latin typeface="+mn-lt"/>
-                <a:ea typeface="+mn-ea"/>
-                <a:cs typeface="+mn-cs"/>
-              </a:defRPr>
-            </a:lvl2pPr>
-            <a:lvl3pPr marL="914400" algn="l" defTabSz="914400" rtl="0" eaLnBrk="1" latinLnBrk="0" hangingPunct="1">
-              <a:defRPr sz="1800" kern="1200">
-                <a:solidFill>
-                  <a:schemeClr val="tx1"/>
-                </a:solidFill>
-                <a:latin typeface="+mn-lt"/>
-                <a:ea typeface="+mn-ea"/>
-                <a:cs typeface="+mn-cs"/>
-              </a:defRPr>
-            </a:lvl3pPr>
-            <a:lvl4pPr marL="1371600" algn="l" defTabSz="914400" rtl="0" eaLnBrk="1" latinLnBrk="0" hangingPunct="1">
-              <a:defRPr sz="1800" kern="1200">
-                <a:solidFill>
-                  <a:schemeClr val="tx1"/>
-                </a:solidFill>
-                <a:latin typeface="+mn-lt"/>
-                <a:ea typeface="+mn-ea"/>
-                <a:cs typeface="+mn-cs"/>
-              </a:defRPr>
-            </a:lvl4pPr>
-            <a:lvl5pPr marL="1828800" algn="l" defTabSz="914400" rtl="0" eaLnBrk="1" latinLnBrk="0" hangingPunct="1">
-              <a:defRPr sz="1800" kern="1200">
-                <a:solidFill>
-                  <a:schemeClr val="tx1"/>
-                </a:solidFill>
-                <a:latin typeface="+mn-lt"/>
-                <a:ea typeface="+mn-ea"/>
-                <a:cs typeface="+mn-cs"/>
-              </a:defRPr>
-            </a:lvl5pPr>
-            <a:lvl6pPr marL="2286000" algn="l" defTabSz="914400" rtl="0" eaLnBrk="1" latinLnBrk="0" hangingPunct="1">
-              <a:defRPr sz="1800" kern="1200">
-                <a:solidFill>
-                  <a:schemeClr val="tx1"/>
-                </a:solidFill>
-                <a:latin typeface="+mn-lt"/>
-                <a:ea typeface="+mn-ea"/>
-                <a:cs typeface="+mn-cs"/>
-              </a:defRPr>
-            </a:lvl6pPr>
-            <a:lvl7pPr marL="2743200" algn="l" defTabSz="914400" rtl="0" eaLnBrk="1" latinLnBrk="0" hangingPunct="1">
-              <a:defRPr sz="1800" kern="1200">
-                <a:solidFill>
-                  <a:schemeClr val="tx1"/>
-                </a:solidFill>
-                <a:latin typeface="+mn-lt"/>
-                <a:ea typeface="+mn-ea"/>
-                <a:cs typeface="+mn-cs"/>
-              </a:defRPr>
-            </a:lvl7pPr>
-            <a:lvl8pPr marL="3200400" algn="l" defTabSz="914400" rtl="0" eaLnBrk="1" latinLnBrk="0" hangingPunct="1">
-              <a:defRPr sz="1800" kern="1200">
-                <a:solidFill>
-                  <a:schemeClr val="tx1"/>
-                </a:solidFill>
-                <a:latin typeface="+mn-lt"/>
-                <a:ea typeface="+mn-ea"/>
-                <a:cs typeface="+mn-cs"/>
-              </a:defRPr>
-            </a:lvl8pPr>
-            <a:lvl9pPr marL="3657600" algn="l" defTabSz="914400" rtl="0" eaLnBrk="1" latinLnBrk="0" hangingPunct="1">
-              <a:defRPr sz="1800" kern="1200">
-                <a:solidFill>
-                  <a:schemeClr val="tx1"/>
-                </a:solidFill>
-                <a:latin typeface="+mn-lt"/>
-                <a:ea typeface="+mn-ea"/>
-                <a:cs typeface="+mn-cs"/>
-              </a:defRPr>
-            </a:lvl9pPr>
-          </a:lstStyle>
-          <a:p>
-            <a:fld id="{D4328D90-2A6F-4F23-88A8-C5DCC2B5F307}" type="slidenum">
-              <a:rPr lang="zh-TW" altLang="en-US" smtClean="0"/>
-              <a:pPr/>
-              <a:t>‹#›</a:t>
-            </a:fld>
-            <a:endParaRPr lang="zh-TW" altLang="en-US"/>
-          </a:p>
-        </p:txBody>
-      </p:sp>
     </p:spTree>
     <p:extLst>
       <p:ext uri="{BB962C8B-B14F-4D97-AF65-F5344CB8AC3E}">
-        <p14:creationId xmlns:p14="http://schemas.microsoft.com/office/powerpoint/2010/main" val="4063624181"/>
+        <p14:creationId xmlns:p14="http://schemas.microsoft.com/office/powerpoint/2010/main" val="3248679714"/>
       </p:ext>
     </p:extLst>
   </p:cSld>
@@ -5795,7 +1505,7 @@
 </p:sldLayout>
 </file>
 
-<file path=ppt/slideLayouts/slideLayout7.xml><?xml version="1.0" encoding="utf-8"?>
+<file path=ppt/slideLayouts/slideLayout4.xml><?xml version="1.0" encoding="utf-8"?>
 <p:sldLayout xmlns:a="http://schemas.openxmlformats.org/drawingml/2006/main" xmlns:r="http://schemas.openxmlformats.org/officeDocument/2006/relationships" xmlns:p="http://schemas.openxmlformats.org/presentationml/2006/main" type="blank" preserve="1">
   <p:cSld name="空白">
     <p:spTree>
@@ -5941,7 +1651,7 @@
             </a:r>
             <a:r>
               <a:rPr lang="zh-TW" altLang="en-US"/>
-              <a:t>桃高資訊社</a:t>
+              <a:t> 桃高資訊社</a:t>
             </a:r>
           </a:p>
         </p:txBody>
@@ -6078,1782 +1788,10 @@
           </a:p>
         </p:txBody>
       </p:sp>
-      <p:sp>
-        <p:nvSpPr>
-          <p:cNvPr id="4" name="頁尾版面配置區 4">
-            <a:extLst>
-              <a:ext uri="{FF2B5EF4-FFF2-40B4-BE49-F238E27FC236}">
-                <a16:creationId xmlns:a16="http://schemas.microsoft.com/office/drawing/2014/main" id="{DE9530A3-8E8B-4035-8447-3C54676CB584}"/>
-              </a:ext>
-            </a:extLst>
-          </p:cNvPr>
-          <p:cNvSpPr txBox="1">
-            <a:spLocks/>
-          </p:cNvSpPr>
-          <p:nvPr/>
-        </p:nvSpPr>
-        <p:spPr>
-          <a:xfrm>
-            <a:off x="0" y="6492875"/>
-            <a:ext cx="2743200" cy="365125"/>
-          </a:xfrm>
-          <a:prstGeom prst="rect">
-            <a:avLst/>
-          </a:prstGeom>
-        </p:spPr>
-        <p:txBody>
-          <a:bodyPr vert="horz" lIns="91440" tIns="45720" rIns="91440" bIns="45720" rtlCol="0" anchor="ctr"/>
-          <a:lstStyle>
-            <a:defPPr>
-              <a:defRPr lang="zh-TW"/>
-            </a:defPPr>
-            <a:lvl1pPr marL="0" algn="l" defTabSz="914400" rtl="0" eaLnBrk="1" latinLnBrk="0" hangingPunct="1">
-              <a:defRPr sz="1200" kern="1200">
-                <a:solidFill>
-                  <a:schemeClr val="tx1">
-                    <a:tint val="75000"/>
-                  </a:schemeClr>
-                </a:solidFill>
-                <a:latin typeface="+mn-lt"/>
-                <a:ea typeface="+mn-ea"/>
-                <a:cs typeface="+mn-cs"/>
-              </a:defRPr>
-            </a:lvl1pPr>
-            <a:lvl2pPr marL="457200" algn="l" defTabSz="914400" rtl="0" eaLnBrk="1" latinLnBrk="0" hangingPunct="1">
-              <a:defRPr sz="1800" kern="1200">
-                <a:solidFill>
-                  <a:schemeClr val="tx1"/>
-                </a:solidFill>
-                <a:latin typeface="+mn-lt"/>
-                <a:ea typeface="+mn-ea"/>
-                <a:cs typeface="+mn-cs"/>
-              </a:defRPr>
-            </a:lvl2pPr>
-            <a:lvl3pPr marL="914400" algn="l" defTabSz="914400" rtl="0" eaLnBrk="1" latinLnBrk="0" hangingPunct="1">
-              <a:defRPr sz="1800" kern="1200">
-                <a:solidFill>
-                  <a:schemeClr val="tx1"/>
-                </a:solidFill>
-                <a:latin typeface="+mn-lt"/>
-                <a:ea typeface="+mn-ea"/>
-                <a:cs typeface="+mn-cs"/>
-              </a:defRPr>
-            </a:lvl3pPr>
-            <a:lvl4pPr marL="1371600" algn="l" defTabSz="914400" rtl="0" eaLnBrk="1" latinLnBrk="0" hangingPunct="1">
-              <a:defRPr sz="1800" kern="1200">
-                <a:solidFill>
-                  <a:schemeClr val="tx1"/>
-                </a:solidFill>
-                <a:latin typeface="+mn-lt"/>
-                <a:ea typeface="+mn-ea"/>
-                <a:cs typeface="+mn-cs"/>
-              </a:defRPr>
-            </a:lvl4pPr>
-            <a:lvl5pPr marL="1828800" algn="l" defTabSz="914400" rtl="0" eaLnBrk="1" latinLnBrk="0" hangingPunct="1">
-              <a:defRPr sz="1800" kern="1200">
-                <a:solidFill>
-                  <a:schemeClr val="tx1"/>
-                </a:solidFill>
-                <a:latin typeface="+mn-lt"/>
-                <a:ea typeface="+mn-ea"/>
-                <a:cs typeface="+mn-cs"/>
-              </a:defRPr>
-            </a:lvl5pPr>
-            <a:lvl6pPr marL="2286000" algn="l" defTabSz="914400" rtl="0" eaLnBrk="1" latinLnBrk="0" hangingPunct="1">
-              <a:defRPr sz="1800" kern="1200">
-                <a:solidFill>
-                  <a:schemeClr val="tx1"/>
-                </a:solidFill>
-                <a:latin typeface="+mn-lt"/>
-                <a:ea typeface="+mn-ea"/>
-                <a:cs typeface="+mn-cs"/>
-              </a:defRPr>
-            </a:lvl6pPr>
-            <a:lvl7pPr marL="2743200" algn="l" defTabSz="914400" rtl="0" eaLnBrk="1" latinLnBrk="0" hangingPunct="1">
-              <a:defRPr sz="1800" kern="1200">
-                <a:solidFill>
-                  <a:schemeClr val="tx1"/>
-                </a:solidFill>
-                <a:latin typeface="+mn-lt"/>
-                <a:ea typeface="+mn-ea"/>
-                <a:cs typeface="+mn-cs"/>
-              </a:defRPr>
-            </a:lvl7pPr>
-            <a:lvl8pPr marL="3200400" algn="l" defTabSz="914400" rtl="0" eaLnBrk="1" latinLnBrk="0" hangingPunct="1">
-              <a:defRPr sz="1800" kern="1200">
-                <a:solidFill>
-                  <a:schemeClr val="tx1"/>
-                </a:solidFill>
-                <a:latin typeface="+mn-lt"/>
-                <a:ea typeface="+mn-ea"/>
-                <a:cs typeface="+mn-cs"/>
-              </a:defRPr>
-            </a:lvl8pPr>
-            <a:lvl9pPr marL="3657600" algn="l" defTabSz="914400" rtl="0" eaLnBrk="1" latinLnBrk="0" hangingPunct="1">
-              <a:defRPr sz="1800" kern="1200">
-                <a:solidFill>
-                  <a:schemeClr val="tx1"/>
-                </a:solidFill>
-                <a:latin typeface="+mn-lt"/>
-                <a:ea typeface="+mn-ea"/>
-                <a:cs typeface="+mn-cs"/>
-              </a:defRPr>
-            </a:lvl9pPr>
-          </a:lstStyle>
-          <a:p>
-            <a:r>
-              <a:rPr lang="en-US" altLang="zh-TW" dirty="0"/>
-              <a:t>TYIC</a:t>
-            </a:r>
-            <a:r>
-              <a:rPr lang="zh-TW" altLang="en-US"/>
-              <a:t>桃高資訊社</a:t>
-            </a:r>
-          </a:p>
-        </p:txBody>
-      </p:sp>
-      <p:sp>
-        <p:nvSpPr>
-          <p:cNvPr id="7" name="投影片編號版面配置區 5">
-            <a:extLst>
-              <a:ext uri="{FF2B5EF4-FFF2-40B4-BE49-F238E27FC236}">
-                <a16:creationId xmlns:a16="http://schemas.microsoft.com/office/drawing/2014/main" id="{A1767755-B60F-4671-8CA1-A778B3D23A26}"/>
-              </a:ext>
-            </a:extLst>
-          </p:cNvPr>
-          <p:cNvSpPr txBox="1">
-            <a:spLocks/>
-          </p:cNvSpPr>
-          <p:nvPr/>
-        </p:nvSpPr>
-        <p:spPr>
-          <a:xfrm>
-            <a:off x="9448800" y="6492874"/>
-            <a:ext cx="2743200" cy="365125"/>
-          </a:xfrm>
-          <a:prstGeom prst="rect">
-            <a:avLst/>
-          </a:prstGeom>
-        </p:spPr>
-        <p:txBody>
-          <a:bodyPr vert="horz" lIns="91440" tIns="45720" rIns="91440" bIns="45720" rtlCol="0" anchor="ctr"/>
-          <a:lstStyle>
-            <a:defPPr>
-              <a:defRPr lang="zh-TW"/>
-            </a:defPPr>
-            <a:lvl1pPr marL="0" algn="r" defTabSz="914400" rtl="0" eaLnBrk="1" latinLnBrk="0" hangingPunct="1">
-              <a:defRPr sz="1200" kern="1200">
-                <a:solidFill>
-                  <a:schemeClr val="tx1">
-                    <a:tint val="75000"/>
-                  </a:schemeClr>
-                </a:solidFill>
-                <a:latin typeface="+mn-lt"/>
-                <a:ea typeface="+mn-ea"/>
-                <a:cs typeface="+mn-cs"/>
-              </a:defRPr>
-            </a:lvl1pPr>
-            <a:lvl2pPr marL="457200" algn="l" defTabSz="914400" rtl="0" eaLnBrk="1" latinLnBrk="0" hangingPunct="1">
-              <a:defRPr sz="1800" kern="1200">
-                <a:solidFill>
-                  <a:schemeClr val="tx1"/>
-                </a:solidFill>
-                <a:latin typeface="+mn-lt"/>
-                <a:ea typeface="+mn-ea"/>
-                <a:cs typeface="+mn-cs"/>
-              </a:defRPr>
-            </a:lvl2pPr>
-            <a:lvl3pPr marL="914400" algn="l" defTabSz="914400" rtl="0" eaLnBrk="1" latinLnBrk="0" hangingPunct="1">
-              <a:defRPr sz="1800" kern="1200">
-                <a:solidFill>
-                  <a:schemeClr val="tx1"/>
-                </a:solidFill>
-                <a:latin typeface="+mn-lt"/>
-                <a:ea typeface="+mn-ea"/>
-                <a:cs typeface="+mn-cs"/>
-              </a:defRPr>
-            </a:lvl3pPr>
-            <a:lvl4pPr marL="1371600" algn="l" defTabSz="914400" rtl="0" eaLnBrk="1" latinLnBrk="0" hangingPunct="1">
-              <a:defRPr sz="1800" kern="1200">
-                <a:solidFill>
-                  <a:schemeClr val="tx1"/>
-                </a:solidFill>
-                <a:latin typeface="+mn-lt"/>
-                <a:ea typeface="+mn-ea"/>
-                <a:cs typeface="+mn-cs"/>
-              </a:defRPr>
-            </a:lvl4pPr>
-            <a:lvl5pPr marL="1828800" algn="l" defTabSz="914400" rtl="0" eaLnBrk="1" latinLnBrk="0" hangingPunct="1">
-              <a:defRPr sz="1800" kern="1200">
-                <a:solidFill>
-                  <a:schemeClr val="tx1"/>
-                </a:solidFill>
-                <a:latin typeface="+mn-lt"/>
-                <a:ea typeface="+mn-ea"/>
-                <a:cs typeface="+mn-cs"/>
-              </a:defRPr>
-            </a:lvl5pPr>
-            <a:lvl6pPr marL="2286000" algn="l" defTabSz="914400" rtl="0" eaLnBrk="1" latinLnBrk="0" hangingPunct="1">
-              <a:defRPr sz="1800" kern="1200">
-                <a:solidFill>
-                  <a:schemeClr val="tx1"/>
-                </a:solidFill>
-                <a:latin typeface="+mn-lt"/>
-                <a:ea typeface="+mn-ea"/>
-                <a:cs typeface="+mn-cs"/>
-              </a:defRPr>
-            </a:lvl6pPr>
-            <a:lvl7pPr marL="2743200" algn="l" defTabSz="914400" rtl="0" eaLnBrk="1" latinLnBrk="0" hangingPunct="1">
-              <a:defRPr sz="1800" kern="1200">
-                <a:solidFill>
-                  <a:schemeClr val="tx1"/>
-                </a:solidFill>
-                <a:latin typeface="+mn-lt"/>
-                <a:ea typeface="+mn-ea"/>
-                <a:cs typeface="+mn-cs"/>
-              </a:defRPr>
-            </a:lvl7pPr>
-            <a:lvl8pPr marL="3200400" algn="l" defTabSz="914400" rtl="0" eaLnBrk="1" latinLnBrk="0" hangingPunct="1">
-              <a:defRPr sz="1800" kern="1200">
-                <a:solidFill>
-                  <a:schemeClr val="tx1"/>
-                </a:solidFill>
-                <a:latin typeface="+mn-lt"/>
-                <a:ea typeface="+mn-ea"/>
-                <a:cs typeface="+mn-cs"/>
-              </a:defRPr>
-            </a:lvl8pPr>
-            <a:lvl9pPr marL="3657600" algn="l" defTabSz="914400" rtl="0" eaLnBrk="1" latinLnBrk="0" hangingPunct="1">
-              <a:defRPr sz="1800" kern="1200">
-                <a:solidFill>
-                  <a:schemeClr val="tx1"/>
-                </a:solidFill>
-                <a:latin typeface="+mn-lt"/>
-                <a:ea typeface="+mn-ea"/>
-                <a:cs typeface="+mn-cs"/>
-              </a:defRPr>
-            </a:lvl9pPr>
-          </a:lstStyle>
-          <a:p>
-            <a:fld id="{D4328D90-2A6F-4F23-88A8-C5DCC2B5F307}" type="slidenum">
-              <a:rPr lang="zh-TW" altLang="en-US" smtClean="0"/>
-              <a:pPr/>
-              <a:t>‹#›</a:t>
-            </a:fld>
-            <a:endParaRPr lang="zh-TW" altLang="en-US"/>
-          </a:p>
-        </p:txBody>
-      </p:sp>
     </p:spTree>
     <p:extLst>
       <p:ext uri="{BB962C8B-B14F-4D97-AF65-F5344CB8AC3E}">
-        <p14:creationId xmlns:p14="http://schemas.microsoft.com/office/powerpoint/2010/main" val="1362350530"/>
-      </p:ext>
-    </p:extLst>
-  </p:cSld>
-  <p:clrMapOvr>
-    <a:masterClrMapping/>
-  </p:clrMapOvr>
-  <p:transition spd="slow">
-    <p:push dir="u"/>
-  </p:transition>
-</p:sldLayout>
-</file>
-
-<file path=ppt/slideLayouts/slideLayout8.xml><?xml version="1.0" encoding="utf-8"?>
-<p:sldLayout xmlns:a="http://schemas.openxmlformats.org/drawingml/2006/main" xmlns:r="http://schemas.openxmlformats.org/officeDocument/2006/relationships" xmlns:p="http://schemas.openxmlformats.org/presentationml/2006/main" type="objTx" preserve="1">
-  <p:cSld name="含輔助字幕的內容">
-    <p:spTree>
-      <p:nvGrpSpPr>
-        <p:cNvPr id="1" name=""/>
-        <p:cNvGrpSpPr/>
-        <p:nvPr/>
-      </p:nvGrpSpPr>
-      <p:grpSpPr>
-        <a:xfrm>
-          <a:off x="0" y="0"/>
-          <a:ext cx="0" cy="0"/>
-          <a:chOff x="0" y="0"/>
-          <a:chExt cx="0" cy="0"/>
-        </a:xfrm>
-      </p:grpSpPr>
-      <p:sp>
-        <p:nvSpPr>
-          <p:cNvPr id="2" name="標題 1">
-            <a:extLst>
-              <a:ext uri="{FF2B5EF4-FFF2-40B4-BE49-F238E27FC236}">
-                <a16:creationId xmlns:a16="http://schemas.microsoft.com/office/drawing/2014/main" id="{B3FF8213-F1BD-48FF-9D09-6E26FB79AEA1}"/>
-              </a:ext>
-            </a:extLst>
-          </p:cNvPr>
-          <p:cNvSpPr>
-            <a:spLocks noGrp="1"/>
-          </p:cNvSpPr>
-          <p:nvPr>
-            <p:ph type="title"/>
-          </p:nvPr>
-        </p:nvSpPr>
-        <p:spPr>
-          <a:xfrm>
-            <a:off x="839788" y="457200"/>
-            <a:ext cx="3932237" cy="1600200"/>
-          </a:xfrm>
-        </p:spPr>
-        <p:txBody>
-          <a:bodyPr anchor="b"/>
-          <a:lstStyle>
-            <a:lvl1pPr>
-              <a:defRPr sz="3200"/>
-            </a:lvl1pPr>
-          </a:lstStyle>
-          <a:p>
-            <a:r>
-              <a:rPr lang="zh-TW" altLang="en-US"/>
-              <a:t>按一下以編輯母片標題樣式</a:t>
-            </a:r>
-          </a:p>
-        </p:txBody>
-      </p:sp>
-      <p:sp>
-        <p:nvSpPr>
-          <p:cNvPr id="3" name="內容版面配置區 2">
-            <a:extLst>
-              <a:ext uri="{FF2B5EF4-FFF2-40B4-BE49-F238E27FC236}">
-                <a16:creationId xmlns:a16="http://schemas.microsoft.com/office/drawing/2014/main" id="{86E10944-F816-4D3C-9D55-2000BE13A95A}"/>
-              </a:ext>
-            </a:extLst>
-          </p:cNvPr>
-          <p:cNvSpPr>
-            <a:spLocks noGrp="1"/>
-          </p:cNvSpPr>
-          <p:nvPr>
-            <p:ph idx="1"/>
-          </p:nvPr>
-        </p:nvSpPr>
-        <p:spPr>
-          <a:xfrm>
-            <a:off x="5183188" y="987425"/>
-            <a:ext cx="6172200" cy="4873625"/>
-          </a:xfrm>
-        </p:spPr>
-        <p:txBody>
-          <a:bodyPr/>
-          <a:lstStyle>
-            <a:lvl1pPr>
-              <a:defRPr sz="3200"/>
-            </a:lvl1pPr>
-            <a:lvl2pPr>
-              <a:defRPr sz="2800"/>
-            </a:lvl2pPr>
-            <a:lvl3pPr>
-              <a:defRPr sz="2400"/>
-            </a:lvl3pPr>
-            <a:lvl4pPr>
-              <a:defRPr sz="2000"/>
-            </a:lvl4pPr>
-            <a:lvl5pPr>
-              <a:defRPr sz="2000"/>
-            </a:lvl5pPr>
-            <a:lvl6pPr>
-              <a:defRPr sz="2000"/>
-            </a:lvl6pPr>
-            <a:lvl7pPr>
-              <a:defRPr sz="2000"/>
-            </a:lvl7pPr>
-            <a:lvl8pPr>
-              <a:defRPr sz="2000"/>
-            </a:lvl8pPr>
-            <a:lvl9pPr>
-              <a:defRPr sz="2000"/>
-            </a:lvl9pPr>
-          </a:lstStyle>
-          <a:p>
-            <a:pPr lvl="0"/>
-            <a:r>
-              <a:rPr lang="zh-TW" altLang="en-US"/>
-              <a:t>按一下以編輯母片文字樣式</a:t>
-            </a:r>
-          </a:p>
-          <a:p>
-            <a:pPr lvl="1"/>
-            <a:r>
-              <a:rPr lang="zh-TW" altLang="en-US"/>
-              <a:t>第二層</a:t>
-            </a:r>
-          </a:p>
-          <a:p>
-            <a:pPr lvl="2"/>
-            <a:r>
-              <a:rPr lang="zh-TW" altLang="en-US"/>
-              <a:t>第三層</a:t>
-            </a:r>
-          </a:p>
-          <a:p>
-            <a:pPr lvl="3"/>
-            <a:r>
-              <a:rPr lang="zh-TW" altLang="en-US"/>
-              <a:t>第四層</a:t>
-            </a:r>
-          </a:p>
-          <a:p>
-            <a:pPr lvl="4"/>
-            <a:r>
-              <a:rPr lang="zh-TW" altLang="en-US"/>
-              <a:t>第五層</a:t>
-            </a:r>
-          </a:p>
-        </p:txBody>
-      </p:sp>
-      <p:sp>
-        <p:nvSpPr>
-          <p:cNvPr id="4" name="文字版面配置區 3">
-            <a:extLst>
-              <a:ext uri="{FF2B5EF4-FFF2-40B4-BE49-F238E27FC236}">
-                <a16:creationId xmlns:a16="http://schemas.microsoft.com/office/drawing/2014/main" id="{39490BF7-1244-48E3-92BD-9B7BCFA0C5CD}"/>
-              </a:ext>
-            </a:extLst>
-          </p:cNvPr>
-          <p:cNvSpPr>
-            <a:spLocks noGrp="1"/>
-          </p:cNvSpPr>
-          <p:nvPr>
-            <p:ph type="body" sz="half" idx="2"/>
-          </p:nvPr>
-        </p:nvSpPr>
-        <p:spPr>
-          <a:xfrm>
-            <a:off x="839788" y="2057400"/>
-            <a:ext cx="3932237" cy="3811588"/>
-          </a:xfrm>
-        </p:spPr>
-        <p:txBody>
-          <a:bodyPr/>
-          <a:lstStyle>
-            <a:lvl1pPr marL="0" indent="0">
-              <a:buNone/>
-              <a:defRPr sz="1600"/>
-            </a:lvl1pPr>
-            <a:lvl2pPr marL="457200" indent="0">
-              <a:buNone/>
-              <a:defRPr sz="1400"/>
-            </a:lvl2pPr>
-            <a:lvl3pPr marL="914400" indent="0">
-              <a:buNone/>
-              <a:defRPr sz="1200"/>
-            </a:lvl3pPr>
-            <a:lvl4pPr marL="1371600" indent="0">
-              <a:buNone/>
-              <a:defRPr sz="1000"/>
-            </a:lvl4pPr>
-            <a:lvl5pPr marL="1828800" indent="0">
-              <a:buNone/>
-              <a:defRPr sz="1000"/>
-            </a:lvl5pPr>
-            <a:lvl6pPr marL="2286000" indent="0">
-              <a:buNone/>
-              <a:defRPr sz="1000"/>
-            </a:lvl6pPr>
-            <a:lvl7pPr marL="2743200" indent="0">
-              <a:buNone/>
-              <a:defRPr sz="1000"/>
-            </a:lvl7pPr>
-            <a:lvl8pPr marL="3200400" indent="0">
-              <a:buNone/>
-              <a:defRPr sz="1000"/>
-            </a:lvl8pPr>
-            <a:lvl9pPr marL="3657600" indent="0">
-              <a:buNone/>
-              <a:defRPr sz="1000"/>
-            </a:lvl9pPr>
-          </a:lstStyle>
-          <a:p>
-            <a:pPr lvl="0"/>
-            <a:r>
-              <a:rPr lang="zh-TW" altLang="en-US"/>
-              <a:t>按一下以編輯母片文字樣式</a:t>
-            </a:r>
-          </a:p>
-        </p:txBody>
-      </p:sp>
-      <p:sp>
-        <p:nvSpPr>
-          <p:cNvPr id="8" name="頁尾版面配置區 4">
-            <a:extLst>
-              <a:ext uri="{FF2B5EF4-FFF2-40B4-BE49-F238E27FC236}">
-                <a16:creationId xmlns:a16="http://schemas.microsoft.com/office/drawing/2014/main" id="{62A376CE-D98D-486D-A1FC-0FAA7CB56CB4}"/>
-              </a:ext>
-            </a:extLst>
-          </p:cNvPr>
-          <p:cNvSpPr txBox="1">
-            <a:spLocks/>
-          </p:cNvSpPr>
-          <p:nvPr/>
-        </p:nvSpPr>
-        <p:spPr>
-          <a:xfrm>
-            <a:off x="0" y="6492875"/>
-            <a:ext cx="2743200" cy="365125"/>
-          </a:xfrm>
-          <a:prstGeom prst="rect">
-            <a:avLst/>
-          </a:prstGeom>
-        </p:spPr>
-        <p:txBody>
-          <a:bodyPr vert="horz" lIns="91440" tIns="45720" rIns="91440" bIns="45720" rtlCol="0" anchor="ctr"/>
-          <a:lstStyle>
-            <a:defPPr>
-              <a:defRPr lang="zh-TW"/>
-            </a:defPPr>
-            <a:lvl1pPr marL="0" algn="l" defTabSz="914400" rtl="0" eaLnBrk="1" latinLnBrk="0" hangingPunct="1">
-              <a:defRPr sz="1200" kern="1200">
-                <a:solidFill>
-                  <a:schemeClr val="tx1">
-                    <a:tint val="75000"/>
-                  </a:schemeClr>
-                </a:solidFill>
-                <a:latin typeface="+mn-lt"/>
-                <a:ea typeface="+mn-ea"/>
-                <a:cs typeface="+mn-cs"/>
-              </a:defRPr>
-            </a:lvl1pPr>
-            <a:lvl2pPr marL="457200" algn="l" defTabSz="914400" rtl="0" eaLnBrk="1" latinLnBrk="0" hangingPunct="1">
-              <a:defRPr sz="1800" kern="1200">
-                <a:solidFill>
-                  <a:schemeClr val="tx1"/>
-                </a:solidFill>
-                <a:latin typeface="+mn-lt"/>
-                <a:ea typeface="+mn-ea"/>
-                <a:cs typeface="+mn-cs"/>
-              </a:defRPr>
-            </a:lvl2pPr>
-            <a:lvl3pPr marL="914400" algn="l" defTabSz="914400" rtl="0" eaLnBrk="1" latinLnBrk="0" hangingPunct="1">
-              <a:defRPr sz="1800" kern="1200">
-                <a:solidFill>
-                  <a:schemeClr val="tx1"/>
-                </a:solidFill>
-                <a:latin typeface="+mn-lt"/>
-                <a:ea typeface="+mn-ea"/>
-                <a:cs typeface="+mn-cs"/>
-              </a:defRPr>
-            </a:lvl3pPr>
-            <a:lvl4pPr marL="1371600" algn="l" defTabSz="914400" rtl="0" eaLnBrk="1" latinLnBrk="0" hangingPunct="1">
-              <a:defRPr sz="1800" kern="1200">
-                <a:solidFill>
-                  <a:schemeClr val="tx1"/>
-                </a:solidFill>
-                <a:latin typeface="+mn-lt"/>
-                <a:ea typeface="+mn-ea"/>
-                <a:cs typeface="+mn-cs"/>
-              </a:defRPr>
-            </a:lvl4pPr>
-            <a:lvl5pPr marL="1828800" algn="l" defTabSz="914400" rtl="0" eaLnBrk="1" latinLnBrk="0" hangingPunct="1">
-              <a:defRPr sz="1800" kern="1200">
-                <a:solidFill>
-                  <a:schemeClr val="tx1"/>
-                </a:solidFill>
-                <a:latin typeface="+mn-lt"/>
-                <a:ea typeface="+mn-ea"/>
-                <a:cs typeface="+mn-cs"/>
-              </a:defRPr>
-            </a:lvl5pPr>
-            <a:lvl6pPr marL="2286000" algn="l" defTabSz="914400" rtl="0" eaLnBrk="1" latinLnBrk="0" hangingPunct="1">
-              <a:defRPr sz="1800" kern="1200">
-                <a:solidFill>
-                  <a:schemeClr val="tx1"/>
-                </a:solidFill>
-                <a:latin typeface="+mn-lt"/>
-                <a:ea typeface="+mn-ea"/>
-                <a:cs typeface="+mn-cs"/>
-              </a:defRPr>
-            </a:lvl6pPr>
-            <a:lvl7pPr marL="2743200" algn="l" defTabSz="914400" rtl="0" eaLnBrk="1" latinLnBrk="0" hangingPunct="1">
-              <a:defRPr sz="1800" kern="1200">
-                <a:solidFill>
-                  <a:schemeClr val="tx1"/>
-                </a:solidFill>
-                <a:latin typeface="+mn-lt"/>
-                <a:ea typeface="+mn-ea"/>
-                <a:cs typeface="+mn-cs"/>
-              </a:defRPr>
-            </a:lvl7pPr>
-            <a:lvl8pPr marL="3200400" algn="l" defTabSz="914400" rtl="0" eaLnBrk="1" latinLnBrk="0" hangingPunct="1">
-              <a:defRPr sz="1800" kern="1200">
-                <a:solidFill>
-                  <a:schemeClr val="tx1"/>
-                </a:solidFill>
-                <a:latin typeface="+mn-lt"/>
-                <a:ea typeface="+mn-ea"/>
-                <a:cs typeface="+mn-cs"/>
-              </a:defRPr>
-            </a:lvl8pPr>
-            <a:lvl9pPr marL="3657600" algn="l" defTabSz="914400" rtl="0" eaLnBrk="1" latinLnBrk="0" hangingPunct="1">
-              <a:defRPr sz="1800" kern="1200">
-                <a:solidFill>
-                  <a:schemeClr val="tx1"/>
-                </a:solidFill>
-                <a:latin typeface="+mn-lt"/>
-                <a:ea typeface="+mn-ea"/>
-                <a:cs typeface="+mn-cs"/>
-              </a:defRPr>
-            </a:lvl9pPr>
-          </a:lstStyle>
-          <a:p>
-            <a:r>
-              <a:rPr lang="en-US" altLang="zh-TW"/>
-              <a:t>TYIC</a:t>
-            </a:r>
-            <a:r>
-              <a:rPr lang="zh-TW" altLang="en-US"/>
-              <a:t>桃高資訊社</a:t>
-            </a:r>
-          </a:p>
-        </p:txBody>
-      </p:sp>
-      <p:sp>
-        <p:nvSpPr>
-          <p:cNvPr id="9" name="投影片編號版面配置區 5">
-            <a:extLst>
-              <a:ext uri="{FF2B5EF4-FFF2-40B4-BE49-F238E27FC236}">
-                <a16:creationId xmlns:a16="http://schemas.microsoft.com/office/drawing/2014/main" id="{2DE69523-299D-4C3A-A754-1550C8F5D7F7}"/>
-              </a:ext>
-            </a:extLst>
-          </p:cNvPr>
-          <p:cNvSpPr txBox="1">
-            <a:spLocks/>
-          </p:cNvSpPr>
-          <p:nvPr/>
-        </p:nvSpPr>
-        <p:spPr>
-          <a:xfrm>
-            <a:off x="9448800" y="6492874"/>
-            <a:ext cx="2743200" cy="365125"/>
-          </a:xfrm>
-          <a:prstGeom prst="rect">
-            <a:avLst/>
-          </a:prstGeom>
-        </p:spPr>
-        <p:txBody>
-          <a:bodyPr vert="horz" lIns="91440" tIns="45720" rIns="91440" bIns="45720" rtlCol="0" anchor="ctr"/>
-          <a:lstStyle>
-            <a:defPPr>
-              <a:defRPr lang="zh-TW"/>
-            </a:defPPr>
-            <a:lvl1pPr marL="0" algn="r" defTabSz="914400" rtl="0" eaLnBrk="1" latinLnBrk="0" hangingPunct="1">
-              <a:defRPr sz="1200" kern="1200">
-                <a:solidFill>
-                  <a:schemeClr val="tx1">
-                    <a:tint val="75000"/>
-                  </a:schemeClr>
-                </a:solidFill>
-                <a:latin typeface="+mn-lt"/>
-                <a:ea typeface="+mn-ea"/>
-                <a:cs typeface="+mn-cs"/>
-              </a:defRPr>
-            </a:lvl1pPr>
-            <a:lvl2pPr marL="457200" algn="l" defTabSz="914400" rtl="0" eaLnBrk="1" latinLnBrk="0" hangingPunct="1">
-              <a:defRPr sz="1800" kern="1200">
-                <a:solidFill>
-                  <a:schemeClr val="tx1"/>
-                </a:solidFill>
-                <a:latin typeface="+mn-lt"/>
-                <a:ea typeface="+mn-ea"/>
-                <a:cs typeface="+mn-cs"/>
-              </a:defRPr>
-            </a:lvl2pPr>
-            <a:lvl3pPr marL="914400" algn="l" defTabSz="914400" rtl="0" eaLnBrk="1" latinLnBrk="0" hangingPunct="1">
-              <a:defRPr sz="1800" kern="1200">
-                <a:solidFill>
-                  <a:schemeClr val="tx1"/>
-                </a:solidFill>
-                <a:latin typeface="+mn-lt"/>
-                <a:ea typeface="+mn-ea"/>
-                <a:cs typeface="+mn-cs"/>
-              </a:defRPr>
-            </a:lvl3pPr>
-            <a:lvl4pPr marL="1371600" algn="l" defTabSz="914400" rtl="0" eaLnBrk="1" latinLnBrk="0" hangingPunct="1">
-              <a:defRPr sz="1800" kern="1200">
-                <a:solidFill>
-                  <a:schemeClr val="tx1"/>
-                </a:solidFill>
-                <a:latin typeface="+mn-lt"/>
-                <a:ea typeface="+mn-ea"/>
-                <a:cs typeface="+mn-cs"/>
-              </a:defRPr>
-            </a:lvl4pPr>
-            <a:lvl5pPr marL="1828800" algn="l" defTabSz="914400" rtl="0" eaLnBrk="1" latinLnBrk="0" hangingPunct="1">
-              <a:defRPr sz="1800" kern="1200">
-                <a:solidFill>
-                  <a:schemeClr val="tx1"/>
-                </a:solidFill>
-                <a:latin typeface="+mn-lt"/>
-                <a:ea typeface="+mn-ea"/>
-                <a:cs typeface="+mn-cs"/>
-              </a:defRPr>
-            </a:lvl5pPr>
-            <a:lvl6pPr marL="2286000" algn="l" defTabSz="914400" rtl="0" eaLnBrk="1" latinLnBrk="0" hangingPunct="1">
-              <a:defRPr sz="1800" kern="1200">
-                <a:solidFill>
-                  <a:schemeClr val="tx1"/>
-                </a:solidFill>
-                <a:latin typeface="+mn-lt"/>
-                <a:ea typeface="+mn-ea"/>
-                <a:cs typeface="+mn-cs"/>
-              </a:defRPr>
-            </a:lvl6pPr>
-            <a:lvl7pPr marL="2743200" algn="l" defTabSz="914400" rtl="0" eaLnBrk="1" latinLnBrk="0" hangingPunct="1">
-              <a:defRPr sz="1800" kern="1200">
-                <a:solidFill>
-                  <a:schemeClr val="tx1"/>
-                </a:solidFill>
-                <a:latin typeface="+mn-lt"/>
-                <a:ea typeface="+mn-ea"/>
-                <a:cs typeface="+mn-cs"/>
-              </a:defRPr>
-            </a:lvl7pPr>
-            <a:lvl8pPr marL="3200400" algn="l" defTabSz="914400" rtl="0" eaLnBrk="1" latinLnBrk="0" hangingPunct="1">
-              <a:defRPr sz="1800" kern="1200">
-                <a:solidFill>
-                  <a:schemeClr val="tx1"/>
-                </a:solidFill>
-                <a:latin typeface="+mn-lt"/>
-                <a:ea typeface="+mn-ea"/>
-                <a:cs typeface="+mn-cs"/>
-              </a:defRPr>
-            </a:lvl8pPr>
-            <a:lvl9pPr marL="3657600" algn="l" defTabSz="914400" rtl="0" eaLnBrk="1" latinLnBrk="0" hangingPunct="1">
-              <a:defRPr sz="1800" kern="1200">
-                <a:solidFill>
-                  <a:schemeClr val="tx1"/>
-                </a:solidFill>
-                <a:latin typeface="+mn-lt"/>
-                <a:ea typeface="+mn-ea"/>
-                <a:cs typeface="+mn-cs"/>
-              </a:defRPr>
-            </a:lvl9pPr>
-          </a:lstStyle>
-          <a:p>
-            <a:fld id="{D4328D90-2A6F-4F23-88A8-C5DCC2B5F307}" type="slidenum">
-              <a:rPr lang="zh-TW" altLang="en-US" smtClean="0"/>
-              <a:pPr/>
-              <a:t>‹#›</a:t>
-            </a:fld>
-            <a:endParaRPr lang="zh-TW" altLang="en-US"/>
-          </a:p>
-        </p:txBody>
-      </p:sp>
-      <p:sp>
-        <p:nvSpPr>
-          <p:cNvPr id="7" name="頁尾版面配置區 4">
-            <a:extLst>
-              <a:ext uri="{FF2B5EF4-FFF2-40B4-BE49-F238E27FC236}">
-                <a16:creationId xmlns:a16="http://schemas.microsoft.com/office/drawing/2014/main" id="{5C61AB5E-1760-475F-A1B8-061721352C76}"/>
-              </a:ext>
-            </a:extLst>
-          </p:cNvPr>
-          <p:cNvSpPr txBox="1">
-            <a:spLocks/>
-          </p:cNvSpPr>
-          <p:nvPr/>
-        </p:nvSpPr>
-        <p:spPr>
-          <a:xfrm>
-            <a:off x="0" y="6492875"/>
-            <a:ext cx="2743200" cy="365125"/>
-          </a:xfrm>
-          <a:prstGeom prst="rect">
-            <a:avLst/>
-          </a:prstGeom>
-        </p:spPr>
-        <p:txBody>
-          <a:bodyPr vert="horz" lIns="91440" tIns="45720" rIns="91440" bIns="45720" rtlCol="0" anchor="ctr"/>
-          <a:lstStyle>
-            <a:defPPr>
-              <a:defRPr lang="zh-TW"/>
-            </a:defPPr>
-            <a:lvl1pPr marL="0" algn="l" defTabSz="914400" rtl="0" eaLnBrk="1" latinLnBrk="0" hangingPunct="1">
-              <a:defRPr sz="1200" kern="1200">
-                <a:solidFill>
-                  <a:schemeClr val="tx1">
-                    <a:tint val="75000"/>
-                  </a:schemeClr>
-                </a:solidFill>
-                <a:latin typeface="+mn-lt"/>
-                <a:ea typeface="+mn-ea"/>
-                <a:cs typeface="+mn-cs"/>
-              </a:defRPr>
-            </a:lvl1pPr>
-            <a:lvl2pPr marL="457200" algn="l" defTabSz="914400" rtl="0" eaLnBrk="1" latinLnBrk="0" hangingPunct="1">
-              <a:defRPr sz="1800" kern="1200">
-                <a:solidFill>
-                  <a:schemeClr val="tx1"/>
-                </a:solidFill>
-                <a:latin typeface="+mn-lt"/>
-                <a:ea typeface="+mn-ea"/>
-                <a:cs typeface="+mn-cs"/>
-              </a:defRPr>
-            </a:lvl2pPr>
-            <a:lvl3pPr marL="914400" algn="l" defTabSz="914400" rtl="0" eaLnBrk="1" latinLnBrk="0" hangingPunct="1">
-              <a:defRPr sz="1800" kern="1200">
-                <a:solidFill>
-                  <a:schemeClr val="tx1"/>
-                </a:solidFill>
-                <a:latin typeface="+mn-lt"/>
-                <a:ea typeface="+mn-ea"/>
-                <a:cs typeface="+mn-cs"/>
-              </a:defRPr>
-            </a:lvl3pPr>
-            <a:lvl4pPr marL="1371600" algn="l" defTabSz="914400" rtl="0" eaLnBrk="1" latinLnBrk="0" hangingPunct="1">
-              <a:defRPr sz="1800" kern="1200">
-                <a:solidFill>
-                  <a:schemeClr val="tx1"/>
-                </a:solidFill>
-                <a:latin typeface="+mn-lt"/>
-                <a:ea typeface="+mn-ea"/>
-                <a:cs typeface="+mn-cs"/>
-              </a:defRPr>
-            </a:lvl4pPr>
-            <a:lvl5pPr marL="1828800" algn="l" defTabSz="914400" rtl="0" eaLnBrk="1" latinLnBrk="0" hangingPunct="1">
-              <a:defRPr sz="1800" kern="1200">
-                <a:solidFill>
-                  <a:schemeClr val="tx1"/>
-                </a:solidFill>
-                <a:latin typeface="+mn-lt"/>
-                <a:ea typeface="+mn-ea"/>
-                <a:cs typeface="+mn-cs"/>
-              </a:defRPr>
-            </a:lvl5pPr>
-            <a:lvl6pPr marL="2286000" algn="l" defTabSz="914400" rtl="0" eaLnBrk="1" latinLnBrk="0" hangingPunct="1">
-              <a:defRPr sz="1800" kern="1200">
-                <a:solidFill>
-                  <a:schemeClr val="tx1"/>
-                </a:solidFill>
-                <a:latin typeface="+mn-lt"/>
-                <a:ea typeface="+mn-ea"/>
-                <a:cs typeface="+mn-cs"/>
-              </a:defRPr>
-            </a:lvl6pPr>
-            <a:lvl7pPr marL="2743200" algn="l" defTabSz="914400" rtl="0" eaLnBrk="1" latinLnBrk="0" hangingPunct="1">
-              <a:defRPr sz="1800" kern="1200">
-                <a:solidFill>
-                  <a:schemeClr val="tx1"/>
-                </a:solidFill>
-                <a:latin typeface="+mn-lt"/>
-                <a:ea typeface="+mn-ea"/>
-                <a:cs typeface="+mn-cs"/>
-              </a:defRPr>
-            </a:lvl7pPr>
-            <a:lvl8pPr marL="3200400" algn="l" defTabSz="914400" rtl="0" eaLnBrk="1" latinLnBrk="0" hangingPunct="1">
-              <a:defRPr sz="1800" kern="1200">
-                <a:solidFill>
-                  <a:schemeClr val="tx1"/>
-                </a:solidFill>
-                <a:latin typeface="+mn-lt"/>
-                <a:ea typeface="+mn-ea"/>
-                <a:cs typeface="+mn-cs"/>
-              </a:defRPr>
-            </a:lvl8pPr>
-            <a:lvl9pPr marL="3657600" algn="l" defTabSz="914400" rtl="0" eaLnBrk="1" latinLnBrk="0" hangingPunct="1">
-              <a:defRPr sz="1800" kern="1200">
-                <a:solidFill>
-                  <a:schemeClr val="tx1"/>
-                </a:solidFill>
-                <a:latin typeface="+mn-lt"/>
-                <a:ea typeface="+mn-ea"/>
-                <a:cs typeface="+mn-cs"/>
-              </a:defRPr>
-            </a:lvl9pPr>
-          </a:lstStyle>
-          <a:p>
-            <a:r>
-              <a:rPr lang="en-US" altLang="zh-TW" dirty="0"/>
-              <a:t>TYIC</a:t>
-            </a:r>
-            <a:r>
-              <a:rPr lang="zh-TW" altLang="en-US"/>
-              <a:t>桃高資訊社</a:t>
-            </a:r>
-          </a:p>
-        </p:txBody>
-      </p:sp>
-      <p:sp>
-        <p:nvSpPr>
-          <p:cNvPr id="10" name="投影片編號版面配置區 5">
-            <a:extLst>
-              <a:ext uri="{FF2B5EF4-FFF2-40B4-BE49-F238E27FC236}">
-                <a16:creationId xmlns:a16="http://schemas.microsoft.com/office/drawing/2014/main" id="{9E366190-11AD-4701-810E-B13A72A655B0}"/>
-              </a:ext>
-            </a:extLst>
-          </p:cNvPr>
-          <p:cNvSpPr txBox="1">
-            <a:spLocks/>
-          </p:cNvSpPr>
-          <p:nvPr/>
-        </p:nvSpPr>
-        <p:spPr>
-          <a:xfrm>
-            <a:off x="9448800" y="6492874"/>
-            <a:ext cx="2743200" cy="365125"/>
-          </a:xfrm>
-          <a:prstGeom prst="rect">
-            <a:avLst/>
-          </a:prstGeom>
-        </p:spPr>
-        <p:txBody>
-          <a:bodyPr vert="horz" lIns="91440" tIns="45720" rIns="91440" bIns="45720" rtlCol="0" anchor="ctr"/>
-          <a:lstStyle>
-            <a:defPPr>
-              <a:defRPr lang="zh-TW"/>
-            </a:defPPr>
-            <a:lvl1pPr marL="0" algn="r" defTabSz="914400" rtl="0" eaLnBrk="1" latinLnBrk="0" hangingPunct="1">
-              <a:defRPr sz="1200" kern="1200">
-                <a:solidFill>
-                  <a:schemeClr val="tx1">
-                    <a:tint val="75000"/>
-                  </a:schemeClr>
-                </a:solidFill>
-                <a:latin typeface="+mn-lt"/>
-                <a:ea typeface="+mn-ea"/>
-                <a:cs typeface="+mn-cs"/>
-              </a:defRPr>
-            </a:lvl1pPr>
-            <a:lvl2pPr marL="457200" algn="l" defTabSz="914400" rtl="0" eaLnBrk="1" latinLnBrk="0" hangingPunct="1">
-              <a:defRPr sz="1800" kern="1200">
-                <a:solidFill>
-                  <a:schemeClr val="tx1"/>
-                </a:solidFill>
-                <a:latin typeface="+mn-lt"/>
-                <a:ea typeface="+mn-ea"/>
-                <a:cs typeface="+mn-cs"/>
-              </a:defRPr>
-            </a:lvl2pPr>
-            <a:lvl3pPr marL="914400" algn="l" defTabSz="914400" rtl="0" eaLnBrk="1" latinLnBrk="0" hangingPunct="1">
-              <a:defRPr sz="1800" kern="1200">
-                <a:solidFill>
-                  <a:schemeClr val="tx1"/>
-                </a:solidFill>
-                <a:latin typeface="+mn-lt"/>
-                <a:ea typeface="+mn-ea"/>
-                <a:cs typeface="+mn-cs"/>
-              </a:defRPr>
-            </a:lvl3pPr>
-            <a:lvl4pPr marL="1371600" algn="l" defTabSz="914400" rtl="0" eaLnBrk="1" latinLnBrk="0" hangingPunct="1">
-              <a:defRPr sz="1800" kern="1200">
-                <a:solidFill>
-                  <a:schemeClr val="tx1"/>
-                </a:solidFill>
-                <a:latin typeface="+mn-lt"/>
-                <a:ea typeface="+mn-ea"/>
-                <a:cs typeface="+mn-cs"/>
-              </a:defRPr>
-            </a:lvl4pPr>
-            <a:lvl5pPr marL="1828800" algn="l" defTabSz="914400" rtl="0" eaLnBrk="1" latinLnBrk="0" hangingPunct="1">
-              <a:defRPr sz="1800" kern="1200">
-                <a:solidFill>
-                  <a:schemeClr val="tx1"/>
-                </a:solidFill>
-                <a:latin typeface="+mn-lt"/>
-                <a:ea typeface="+mn-ea"/>
-                <a:cs typeface="+mn-cs"/>
-              </a:defRPr>
-            </a:lvl5pPr>
-            <a:lvl6pPr marL="2286000" algn="l" defTabSz="914400" rtl="0" eaLnBrk="1" latinLnBrk="0" hangingPunct="1">
-              <a:defRPr sz="1800" kern="1200">
-                <a:solidFill>
-                  <a:schemeClr val="tx1"/>
-                </a:solidFill>
-                <a:latin typeface="+mn-lt"/>
-                <a:ea typeface="+mn-ea"/>
-                <a:cs typeface="+mn-cs"/>
-              </a:defRPr>
-            </a:lvl6pPr>
-            <a:lvl7pPr marL="2743200" algn="l" defTabSz="914400" rtl="0" eaLnBrk="1" latinLnBrk="0" hangingPunct="1">
-              <a:defRPr sz="1800" kern="1200">
-                <a:solidFill>
-                  <a:schemeClr val="tx1"/>
-                </a:solidFill>
-                <a:latin typeface="+mn-lt"/>
-                <a:ea typeface="+mn-ea"/>
-                <a:cs typeface="+mn-cs"/>
-              </a:defRPr>
-            </a:lvl7pPr>
-            <a:lvl8pPr marL="3200400" algn="l" defTabSz="914400" rtl="0" eaLnBrk="1" latinLnBrk="0" hangingPunct="1">
-              <a:defRPr sz="1800" kern="1200">
-                <a:solidFill>
-                  <a:schemeClr val="tx1"/>
-                </a:solidFill>
-                <a:latin typeface="+mn-lt"/>
-                <a:ea typeface="+mn-ea"/>
-                <a:cs typeface="+mn-cs"/>
-              </a:defRPr>
-            </a:lvl8pPr>
-            <a:lvl9pPr marL="3657600" algn="l" defTabSz="914400" rtl="0" eaLnBrk="1" latinLnBrk="0" hangingPunct="1">
-              <a:defRPr sz="1800" kern="1200">
-                <a:solidFill>
-                  <a:schemeClr val="tx1"/>
-                </a:solidFill>
-                <a:latin typeface="+mn-lt"/>
-                <a:ea typeface="+mn-ea"/>
-                <a:cs typeface="+mn-cs"/>
-              </a:defRPr>
-            </a:lvl9pPr>
-          </a:lstStyle>
-          <a:p>
-            <a:fld id="{D4328D90-2A6F-4F23-88A8-C5DCC2B5F307}" type="slidenum">
-              <a:rPr lang="zh-TW" altLang="en-US" smtClean="0"/>
-              <a:pPr/>
-              <a:t>‹#›</a:t>
-            </a:fld>
-            <a:endParaRPr lang="zh-TW" altLang="en-US"/>
-          </a:p>
-        </p:txBody>
-      </p:sp>
-    </p:spTree>
-    <p:extLst>
-      <p:ext uri="{BB962C8B-B14F-4D97-AF65-F5344CB8AC3E}">
-        <p14:creationId xmlns:p14="http://schemas.microsoft.com/office/powerpoint/2010/main" val="3019357353"/>
-      </p:ext>
-    </p:extLst>
-  </p:cSld>
-  <p:clrMapOvr>
-    <a:masterClrMapping/>
-  </p:clrMapOvr>
-  <p:transition spd="slow">
-    <p:push dir="u"/>
-  </p:transition>
-</p:sldLayout>
-</file>
-
-<file path=ppt/slideLayouts/slideLayout9.xml><?xml version="1.0" encoding="utf-8"?>
-<p:sldLayout xmlns:a="http://schemas.openxmlformats.org/drawingml/2006/main" xmlns:r="http://schemas.openxmlformats.org/officeDocument/2006/relationships" xmlns:p="http://schemas.openxmlformats.org/presentationml/2006/main" type="picTx" preserve="1">
-  <p:cSld name="含輔助字幕的圖片">
-    <p:spTree>
-      <p:nvGrpSpPr>
-        <p:cNvPr id="1" name=""/>
-        <p:cNvGrpSpPr/>
-        <p:nvPr/>
-      </p:nvGrpSpPr>
-      <p:grpSpPr>
-        <a:xfrm>
-          <a:off x="0" y="0"/>
-          <a:ext cx="0" cy="0"/>
-          <a:chOff x="0" y="0"/>
-          <a:chExt cx="0" cy="0"/>
-        </a:xfrm>
-      </p:grpSpPr>
-      <p:sp>
-        <p:nvSpPr>
-          <p:cNvPr id="2" name="標題 1">
-            <a:extLst>
-              <a:ext uri="{FF2B5EF4-FFF2-40B4-BE49-F238E27FC236}">
-                <a16:creationId xmlns:a16="http://schemas.microsoft.com/office/drawing/2014/main" id="{BE535801-9853-4F81-918E-E55C33357D57}"/>
-              </a:ext>
-            </a:extLst>
-          </p:cNvPr>
-          <p:cNvSpPr>
-            <a:spLocks noGrp="1"/>
-          </p:cNvSpPr>
-          <p:nvPr>
-            <p:ph type="title"/>
-          </p:nvPr>
-        </p:nvSpPr>
-        <p:spPr>
-          <a:xfrm>
-            <a:off x="839788" y="457200"/>
-            <a:ext cx="3932237" cy="1600200"/>
-          </a:xfrm>
-        </p:spPr>
-        <p:txBody>
-          <a:bodyPr anchor="b"/>
-          <a:lstStyle>
-            <a:lvl1pPr>
-              <a:defRPr sz="3200"/>
-            </a:lvl1pPr>
-          </a:lstStyle>
-          <a:p>
-            <a:r>
-              <a:rPr lang="zh-TW" altLang="en-US"/>
-              <a:t>按一下以編輯母片標題樣式</a:t>
-            </a:r>
-          </a:p>
-        </p:txBody>
-      </p:sp>
-      <p:sp>
-        <p:nvSpPr>
-          <p:cNvPr id="3" name="圖片版面配置區 2">
-            <a:extLst>
-              <a:ext uri="{FF2B5EF4-FFF2-40B4-BE49-F238E27FC236}">
-                <a16:creationId xmlns:a16="http://schemas.microsoft.com/office/drawing/2014/main" id="{7CCBC987-FAA7-4264-8CC0-2E6F221D3AB9}"/>
-              </a:ext>
-            </a:extLst>
-          </p:cNvPr>
-          <p:cNvSpPr>
-            <a:spLocks noGrp="1"/>
-          </p:cNvSpPr>
-          <p:nvPr>
-            <p:ph type="pic" idx="1"/>
-          </p:nvPr>
-        </p:nvSpPr>
-        <p:spPr>
-          <a:xfrm>
-            <a:off x="5183188" y="987425"/>
-            <a:ext cx="6172200" cy="4873625"/>
-          </a:xfrm>
-        </p:spPr>
-        <p:txBody>
-          <a:bodyPr/>
-          <a:lstStyle>
-            <a:lvl1pPr marL="0" indent="0">
-              <a:buNone/>
-              <a:defRPr sz="3200"/>
-            </a:lvl1pPr>
-            <a:lvl2pPr marL="457200" indent="0">
-              <a:buNone/>
-              <a:defRPr sz="2800"/>
-            </a:lvl2pPr>
-            <a:lvl3pPr marL="914400" indent="0">
-              <a:buNone/>
-              <a:defRPr sz="2400"/>
-            </a:lvl3pPr>
-            <a:lvl4pPr marL="1371600" indent="0">
-              <a:buNone/>
-              <a:defRPr sz="2000"/>
-            </a:lvl4pPr>
-            <a:lvl5pPr marL="1828800" indent="0">
-              <a:buNone/>
-              <a:defRPr sz="2000"/>
-            </a:lvl5pPr>
-            <a:lvl6pPr marL="2286000" indent="0">
-              <a:buNone/>
-              <a:defRPr sz="2000"/>
-            </a:lvl6pPr>
-            <a:lvl7pPr marL="2743200" indent="0">
-              <a:buNone/>
-              <a:defRPr sz="2000"/>
-            </a:lvl7pPr>
-            <a:lvl8pPr marL="3200400" indent="0">
-              <a:buNone/>
-              <a:defRPr sz="2000"/>
-            </a:lvl8pPr>
-            <a:lvl9pPr marL="3657600" indent="0">
-              <a:buNone/>
-              <a:defRPr sz="2000"/>
-            </a:lvl9pPr>
-          </a:lstStyle>
-          <a:p>
-            <a:r>
-              <a:rPr lang="zh-TW" altLang="en-US"/>
-              <a:t>按一下圖示以新增圖片</a:t>
-            </a:r>
-          </a:p>
-        </p:txBody>
-      </p:sp>
-      <p:sp>
-        <p:nvSpPr>
-          <p:cNvPr id="4" name="文字版面配置區 3">
-            <a:extLst>
-              <a:ext uri="{FF2B5EF4-FFF2-40B4-BE49-F238E27FC236}">
-                <a16:creationId xmlns:a16="http://schemas.microsoft.com/office/drawing/2014/main" id="{6113A0E9-5B1A-476F-B87A-DD123DA8BFDF}"/>
-              </a:ext>
-            </a:extLst>
-          </p:cNvPr>
-          <p:cNvSpPr>
-            <a:spLocks noGrp="1"/>
-          </p:cNvSpPr>
-          <p:nvPr>
-            <p:ph type="body" sz="half" idx="2"/>
-          </p:nvPr>
-        </p:nvSpPr>
-        <p:spPr>
-          <a:xfrm>
-            <a:off x="839788" y="2057400"/>
-            <a:ext cx="3932237" cy="3811588"/>
-          </a:xfrm>
-        </p:spPr>
-        <p:txBody>
-          <a:bodyPr/>
-          <a:lstStyle>
-            <a:lvl1pPr marL="0" indent="0">
-              <a:buNone/>
-              <a:defRPr sz="1600"/>
-            </a:lvl1pPr>
-            <a:lvl2pPr marL="457200" indent="0">
-              <a:buNone/>
-              <a:defRPr sz="1400"/>
-            </a:lvl2pPr>
-            <a:lvl3pPr marL="914400" indent="0">
-              <a:buNone/>
-              <a:defRPr sz="1200"/>
-            </a:lvl3pPr>
-            <a:lvl4pPr marL="1371600" indent="0">
-              <a:buNone/>
-              <a:defRPr sz="1000"/>
-            </a:lvl4pPr>
-            <a:lvl5pPr marL="1828800" indent="0">
-              <a:buNone/>
-              <a:defRPr sz="1000"/>
-            </a:lvl5pPr>
-            <a:lvl6pPr marL="2286000" indent="0">
-              <a:buNone/>
-              <a:defRPr sz="1000"/>
-            </a:lvl6pPr>
-            <a:lvl7pPr marL="2743200" indent="0">
-              <a:buNone/>
-              <a:defRPr sz="1000"/>
-            </a:lvl7pPr>
-            <a:lvl8pPr marL="3200400" indent="0">
-              <a:buNone/>
-              <a:defRPr sz="1000"/>
-            </a:lvl8pPr>
-            <a:lvl9pPr marL="3657600" indent="0">
-              <a:buNone/>
-              <a:defRPr sz="1000"/>
-            </a:lvl9pPr>
-          </a:lstStyle>
-          <a:p>
-            <a:pPr lvl="0"/>
-            <a:r>
-              <a:rPr lang="zh-TW" altLang="en-US"/>
-              <a:t>按一下以編輯母片文字樣式</a:t>
-            </a:r>
-          </a:p>
-        </p:txBody>
-      </p:sp>
-      <p:sp>
-        <p:nvSpPr>
-          <p:cNvPr id="8" name="頁尾版面配置區 4">
-            <a:extLst>
-              <a:ext uri="{FF2B5EF4-FFF2-40B4-BE49-F238E27FC236}">
-                <a16:creationId xmlns:a16="http://schemas.microsoft.com/office/drawing/2014/main" id="{7B7B89AD-AB9E-48F8-B85F-14FF932E8842}"/>
-              </a:ext>
-            </a:extLst>
-          </p:cNvPr>
-          <p:cNvSpPr txBox="1">
-            <a:spLocks/>
-          </p:cNvSpPr>
-          <p:nvPr/>
-        </p:nvSpPr>
-        <p:spPr>
-          <a:xfrm>
-            <a:off x="0" y="6492875"/>
-            <a:ext cx="2743200" cy="365125"/>
-          </a:xfrm>
-          <a:prstGeom prst="rect">
-            <a:avLst/>
-          </a:prstGeom>
-        </p:spPr>
-        <p:txBody>
-          <a:bodyPr vert="horz" lIns="91440" tIns="45720" rIns="91440" bIns="45720" rtlCol="0" anchor="ctr"/>
-          <a:lstStyle>
-            <a:defPPr>
-              <a:defRPr lang="zh-TW"/>
-            </a:defPPr>
-            <a:lvl1pPr marL="0" algn="l" defTabSz="914400" rtl="0" eaLnBrk="1" latinLnBrk="0" hangingPunct="1">
-              <a:defRPr sz="1200" kern="1200">
-                <a:solidFill>
-                  <a:schemeClr val="tx1">
-                    <a:tint val="75000"/>
-                  </a:schemeClr>
-                </a:solidFill>
-                <a:latin typeface="+mn-lt"/>
-                <a:ea typeface="+mn-ea"/>
-                <a:cs typeface="+mn-cs"/>
-              </a:defRPr>
-            </a:lvl1pPr>
-            <a:lvl2pPr marL="457200" algn="l" defTabSz="914400" rtl="0" eaLnBrk="1" latinLnBrk="0" hangingPunct="1">
-              <a:defRPr sz="1800" kern="1200">
-                <a:solidFill>
-                  <a:schemeClr val="tx1"/>
-                </a:solidFill>
-                <a:latin typeface="+mn-lt"/>
-                <a:ea typeface="+mn-ea"/>
-                <a:cs typeface="+mn-cs"/>
-              </a:defRPr>
-            </a:lvl2pPr>
-            <a:lvl3pPr marL="914400" algn="l" defTabSz="914400" rtl="0" eaLnBrk="1" latinLnBrk="0" hangingPunct="1">
-              <a:defRPr sz="1800" kern="1200">
-                <a:solidFill>
-                  <a:schemeClr val="tx1"/>
-                </a:solidFill>
-                <a:latin typeface="+mn-lt"/>
-                <a:ea typeface="+mn-ea"/>
-                <a:cs typeface="+mn-cs"/>
-              </a:defRPr>
-            </a:lvl3pPr>
-            <a:lvl4pPr marL="1371600" algn="l" defTabSz="914400" rtl="0" eaLnBrk="1" latinLnBrk="0" hangingPunct="1">
-              <a:defRPr sz="1800" kern="1200">
-                <a:solidFill>
-                  <a:schemeClr val="tx1"/>
-                </a:solidFill>
-                <a:latin typeface="+mn-lt"/>
-                <a:ea typeface="+mn-ea"/>
-                <a:cs typeface="+mn-cs"/>
-              </a:defRPr>
-            </a:lvl4pPr>
-            <a:lvl5pPr marL="1828800" algn="l" defTabSz="914400" rtl="0" eaLnBrk="1" latinLnBrk="0" hangingPunct="1">
-              <a:defRPr sz="1800" kern="1200">
-                <a:solidFill>
-                  <a:schemeClr val="tx1"/>
-                </a:solidFill>
-                <a:latin typeface="+mn-lt"/>
-                <a:ea typeface="+mn-ea"/>
-                <a:cs typeface="+mn-cs"/>
-              </a:defRPr>
-            </a:lvl5pPr>
-            <a:lvl6pPr marL="2286000" algn="l" defTabSz="914400" rtl="0" eaLnBrk="1" latinLnBrk="0" hangingPunct="1">
-              <a:defRPr sz="1800" kern="1200">
-                <a:solidFill>
-                  <a:schemeClr val="tx1"/>
-                </a:solidFill>
-                <a:latin typeface="+mn-lt"/>
-                <a:ea typeface="+mn-ea"/>
-                <a:cs typeface="+mn-cs"/>
-              </a:defRPr>
-            </a:lvl6pPr>
-            <a:lvl7pPr marL="2743200" algn="l" defTabSz="914400" rtl="0" eaLnBrk="1" latinLnBrk="0" hangingPunct="1">
-              <a:defRPr sz="1800" kern="1200">
-                <a:solidFill>
-                  <a:schemeClr val="tx1"/>
-                </a:solidFill>
-                <a:latin typeface="+mn-lt"/>
-                <a:ea typeface="+mn-ea"/>
-                <a:cs typeface="+mn-cs"/>
-              </a:defRPr>
-            </a:lvl7pPr>
-            <a:lvl8pPr marL="3200400" algn="l" defTabSz="914400" rtl="0" eaLnBrk="1" latinLnBrk="0" hangingPunct="1">
-              <a:defRPr sz="1800" kern="1200">
-                <a:solidFill>
-                  <a:schemeClr val="tx1"/>
-                </a:solidFill>
-                <a:latin typeface="+mn-lt"/>
-                <a:ea typeface="+mn-ea"/>
-                <a:cs typeface="+mn-cs"/>
-              </a:defRPr>
-            </a:lvl8pPr>
-            <a:lvl9pPr marL="3657600" algn="l" defTabSz="914400" rtl="0" eaLnBrk="1" latinLnBrk="0" hangingPunct="1">
-              <a:defRPr sz="1800" kern="1200">
-                <a:solidFill>
-                  <a:schemeClr val="tx1"/>
-                </a:solidFill>
-                <a:latin typeface="+mn-lt"/>
-                <a:ea typeface="+mn-ea"/>
-                <a:cs typeface="+mn-cs"/>
-              </a:defRPr>
-            </a:lvl9pPr>
-          </a:lstStyle>
-          <a:p>
-            <a:r>
-              <a:rPr lang="en-US" altLang="zh-TW"/>
-              <a:t>TYIC</a:t>
-            </a:r>
-            <a:r>
-              <a:rPr lang="zh-TW" altLang="en-US"/>
-              <a:t>桃高資訊社</a:t>
-            </a:r>
-          </a:p>
-        </p:txBody>
-      </p:sp>
-      <p:sp>
-        <p:nvSpPr>
-          <p:cNvPr id="9" name="投影片編號版面配置區 5">
-            <a:extLst>
-              <a:ext uri="{FF2B5EF4-FFF2-40B4-BE49-F238E27FC236}">
-                <a16:creationId xmlns:a16="http://schemas.microsoft.com/office/drawing/2014/main" id="{462D3499-D09D-4E37-BE04-5CFD293C1093}"/>
-              </a:ext>
-            </a:extLst>
-          </p:cNvPr>
-          <p:cNvSpPr txBox="1">
-            <a:spLocks/>
-          </p:cNvSpPr>
-          <p:nvPr/>
-        </p:nvSpPr>
-        <p:spPr>
-          <a:xfrm>
-            <a:off x="9448800" y="6492874"/>
-            <a:ext cx="2743200" cy="365125"/>
-          </a:xfrm>
-          <a:prstGeom prst="rect">
-            <a:avLst/>
-          </a:prstGeom>
-        </p:spPr>
-        <p:txBody>
-          <a:bodyPr vert="horz" lIns="91440" tIns="45720" rIns="91440" bIns="45720" rtlCol="0" anchor="ctr"/>
-          <a:lstStyle>
-            <a:defPPr>
-              <a:defRPr lang="zh-TW"/>
-            </a:defPPr>
-            <a:lvl1pPr marL="0" algn="r" defTabSz="914400" rtl="0" eaLnBrk="1" latinLnBrk="0" hangingPunct="1">
-              <a:defRPr sz="1200" kern="1200">
-                <a:solidFill>
-                  <a:schemeClr val="tx1">
-                    <a:tint val="75000"/>
-                  </a:schemeClr>
-                </a:solidFill>
-                <a:latin typeface="+mn-lt"/>
-                <a:ea typeface="+mn-ea"/>
-                <a:cs typeface="+mn-cs"/>
-              </a:defRPr>
-            </a:lvl1pPr>
-            <a:lvl2pPr marL="457200" algn="l" defTabSz="914400" rtl="0" eaLnBrk="1" latinLnBrk="0" hangingPunct="1">
-              <a:defRPr sz="1800" kern="1200">
-                <a:solidFill>
-                  <a:schemeClr val="tx1"/>
-                </a:solidFill>
-                <a:latin typeface="+mn-lt"/>
-                <a:ea typeface="+mn-ea"/>
-                <a:cs typeface="+mn-cs"/>
-              </a:defRPr>
-            </a:lvl2pPr>
-            <a:lvl3pPr marL="914400" algn="l" defTabSz="914400" rtl="0" eaLnBrk="1" latinLnBrk="0" hangingPunct="1">
-              <a:defRPr sz="1800" kern="1200">
-                <a:solidFill>
-                  <a:schemeClr val="tx1"/>
-                </a:solidFill>
-                <a:latin typeface="+mn-lt"/>
-                <a:ea typeface="+mn-ea"/>
-                <a:cs typeface="+mn-cs"/>
-              </a:defRPr>
-            </a:lvl3pPr>
-            <a:lvl4pPr marL="1371600" algn="l" defTabSz="914400" rtl="0" eaLnBrk="1" latinLnBrk="0" hangingPunct="1">
-              <a:defRPr sz="1800" kern="1200">
-                <a:solidFill>
-                  <a:schemeClr val="tx1"/>
-                </a:solidFill>
-                <a:latin typeface="+mn-lt"/>
-                <a:ea typeface="+mn-ea"/>
-                <a:cs typeface="+mn-cs"/>
-              </a:defRPr>
-            </a:lvl4pPr>
-            <a:lvl5pPr marL="1828800" algn="l" defTabSz="914400" rtl="0" eaLnBrk="1" latinLnBrk="0" hangingPunct="1">
-              <a:defRPr sz="1800" kern="1200">
-                <a:solidFill>
-                  <a:schemeClr val="tx1"/>
-                </a:solidFill>
-                <a:latin typeface="+mn-lt"/>
-                <a:ea typeface="+mn-ea"/>
-                <a:cs typeface="+mn-cs"/>
-              </a:defRPr>
-            </a:lvl5pPr>
-            <a:lvl6pPr marL="2286000" algn="l" defTabSz="914400" rtl="0" eaLnBrk="1" latinLnBrk="0" hangingPunct="1">
-              <a:defRPr sz="1800" kern="1200">
-                <a:solidFill>
-                  <a:schemeClr val="tx1"/>
-                </a:solidFill>
-                <a:latin typeface="+mn-lt"/>
-                <a:ea typeface="+mn-ea"/>
-                <a:cs typeface="+mn-cs"/>
-              </a:defRPr>
-            </a:lvl6pPr>
-            <a:lvl7pPr marL="2743200" algn="l" defTabSz="914400" rtl="0" eaLnBrk="1" latinLnBrk="0" hangingPunct="1">
-              <a:defRPr sz="1800" kern="1200">
-                <a:solidFill>
-                  <a:schemeClr val="tx1"/>
-                </a:solidFill>
-                <a:latin typeface="+mn-lt"/>
-                <a:ea typeface="+mn-ea"/>
-                <a:cs typeface="+mn-cs"/>
-              </a:defRPr>
-            </a:lvl7pPr>
-            <a:lvl8pPr marL="3200400" algn="l" defTabSz="914400" rtl="0" eaLnBrk="1" latinLnBrk="0" hangingPunct="1">
-              <a:defRPr sz="1800" kern="1200">
-                <a:solidFill>
-                  <a:schemeClr val="tx1"/>
-                </a:solidFill>
-                <a:latin typeface="+mn-lt"/>
-                <a:ea typeface="+mn-ea"/>
-                <a:cs typeface="+mn-cs"/>
-              </a:defRPr>
-            </a:lvl8pPr>
-            <a:lvl9pPr marL="3657600" algn="l" defTabSz="914400" rtl="0" eaLnBrk="1" latinLnBrk="0" hangingPunct="1">
-              <a:defRPr sz="1800" kern="1200">
-                <a:solidFill>
-                  <a:schemeClr val="tx1"/>
-                </a:solidFill>
-                <a:latin typeface="+mn-lt"/>
-                <a:ea typeface="+mn-ea"/>
-                <a:cs typeface="+mn-cs"/>
-              </a:defRPr>
-            </a:lvl9pPr>
-          </a:lstStyle>
-          <a:p>
-            <a:fld id="{D4328D90-2A6F-4F23-88A8-C5DCC2B5F307}" type="slidenum">
-              <a:rPr lang="zh-TW" altLang="en-US" smtClean="0"/>
-              <a:pPr/>
-              <a:t>‹#›</a:t>
-            </a:fld>
-            <a:endParaRPr lang="zh-TW" altLang="en-US"/>
-          </a:p>
-        </p:txBody>
-      </p:sp>
-      <p:sp>
-        <p:nvSpPr>
-          <p:cNvPr id="7" name="頁尾版面配置區 4">
-            <a:extLst>
-              <a:ext uri="{FF2B5EF4-FFF2-40B4-BE49-F238E27FC236}">
-                <a16:creationId xmlns:a16="http://schemas.microsoft.com/office/drawing/2014/main" id="{98EB7A71-ECA5-4881-9036-A2C34C4BD790}"/>
-              </a:ext>
-            </a:extLst>
-          </p:cNvPr>
-          <p:cNvSpPr txBox="1">
-            <a:spLocks/>
-          </p:cNvSpPr>
-          <p:nvPr/>
-        </p:nvSpPr>
-        <p:spPr>
-          <a:xfrm>
-            <a:off x="0" y="6492875"/>
-            <a:ext cx="2743200" cy="365125"/>
-          </a:xfrm>
-          <a:prstGeom prst="rect">
-            <a:avLst/>
-          </a:prstGeom>
-        </p:spPr>
-        <p:txBody>
-          <a:bodyPr vert="horz" lIns="91440" tIns="45720" rIns="91440" bIns="45720" rtlCol="0" anchor="ctr"/>
-          <a:lstStyle>
-            <a:defPPr>
-              <a:defRPr lang="zh-TW"/>
-            </a:defPPr>
-            <a:lvl1pPr marL="0" algn="l" defTabSz="914400" rtl="0" eaLnBrk="1" latinLnBrk="0" hangingPunct="1">
-              <a:defRPr sz="1200" kern="1200">
-                <a:solidFill>
-                  <a:schemeClr val="tx1">
-                    <a:tint val="75000"/>
-                  </a:schemeClr>
-                </a:solidFill>
-                <a:latin typeface="+mn-lt"/>
-                <a:ea typeface="+mn-ea"/>
-                <a:cs typeface="+mn-cs"/>
-              </a:defRPr>
-            </a:lvl1pPr>
-            <a:lvl2pPr marL="457200" algn="l" defTabSz="914400" rtl="0" eaLnBrk="1" latinLnBrk="0" hangingPunct="1">
-              <a:defRPr sz="1800" kern="1200">
-                <a:solidFill>
-                  <a:schemeClr val="tx1"/>
-                </a:solidFill>
-                <a:latin typeface="+mn-lt"/>
-                <a:ea typeface="+mn-ea"/>
-                <a:cs typeface="+mn-cs"/>
-              </a:defRPr>
-            </a:lvl2pPr>
-            <a:lvl3pPr marL="914400" algn="l" defTabSz="914400" rtl="0" eaLnBrk="1" latinLnBrk="0" hangingPunct="1">
-              <a:defRPr sz="1800" kern="1200">
-                <a:solidFill>
-                  <a:schemeClr val="tx1"/>
-                </a:solidFill>
-                <a:latin typeface="+mn-lt"/>
-                <a:ea typeface="+mn-ea"/>
-                <a:cs typeface="+mn-cs"/>
-              </a:defRPr>
-            </a:lvl3pPr>
-            <a:lvl4pPr marL="1371600" algn="l" defTabSz="914400" rtl="0" eaLnBrk="1" latinLnBrk="0" hangingPunct="1">
-              <a:defRPr sz="1800" kern="1200">
-                <a:solidFill>
-                  <a:schemeClr val="tx1"/>
-                </a:solidFill>
-                <a:latin typeface="+mn-lt"/>
-                <a:ea typeface="+mn-ea"/>
-                <a:cs typeface="+mn-cs"/>
-              </a:defRPr>
-            </a:lvl4pPr>
-            <a:lvl5pPr marL="1828800" algn="l" defTabSz="914400" rtl="0" eaLnBrk="1" latinLnBrk="0" hangingPunct="1">
-              <a:defRPr sz="1800" kern="1200">
-                <a:solidFill>
-                  <a:schemeClr val="tx1"/>
-                </a:solidFill>
-                <a:latin typeface="+mn-lt"/>
-                <a:ea typeface="+mn-ea"/>
-                <a:cs typeface="+mn-cs"/>
-              </a:defRPr>
-            </a:lvl5pPr>
-            <a:lvl6pPr marL="2286000" algn="l" defTabSz="914400" rtl="0" eaLnBrk="1" latinLnBrk="0" hangingPunct="1">
-              <a:defRPr sz="1800" kern="1200">
-                <a:solidFill>
-                  <a:schemeClr val="tx1"/>
-                </a:solidFill>
-                <a:latin typeface="+mn-lt"/>
-                <a:ea typeface="+mn-ea"/>
-                <a:cs typeface="+mn-cs"/>
-              </a:defRPr>
-            </a:lvl6pPr>
-            <a:lvl7pPr marL="2743200" algn="l" defTabSz="914400" rtl="0" eaLnBrk="1" latinLnBrk="0" hangingPunct="1">
-              <a:defRPr sz="1800" kern="1200">
-                <a:solidFill>
-                  <a:schemeClr val="tx1"/>
-                </a:solidFill>
-                <a:latin typeface="+mn-lt"/>
-                <a:ea typeface="+mn-ea"/>
-                <a:cs typeface="+mn-cs"/>
-              </a:defRPr>
-            </a:lvl7pPr>
-            <a:lvl8pPr marL="3200400" algn="l" defTabSz="914400" rtl="0" eaLnBrk="1" latinLnBrk="0" hangingPunct="1">
-              <a:defRPr sz="1800" kern="1200">
-                <a:solidFill>
-                  <a:schemeClr val="tx1"/>
-                </a:solidFill>
-                <a:latin typeface="+mn-lt"/>
-                <a:ea typeface="+mn-ea"/>
-                <a:cs typeface="+mn-cs"/>
-              </a:defRPr>
-            </a:lvl8pPr>
-            <a:lvl9pPr marL="3657600" algn="l" defTabSz="914400" rtl="0" eaLnBrk="1" latinLnBrk="0" hangingPunct="1">
-              <a:defRPr sz="1800" kern="1200">
-                <a:solidFill>
-                  <a:schemeClr val="tx1"/>
-                </a:solidFill>
-                <a:latin typeface="+mn-lt"/>
-                <a:ea typeface="+mn-ea"/>
-                <a:cs typeface="+mn-cs"/>
-              </a:defRPr>
-            </a:lvl9pPr>
-          </a:lstStyle>
-          <a:p>
-            <a:r>
-              <a:rPr lang="en-US" altLang="zh-TW" dirty="0"/>
-              <a:t>TYIC</a:t>
-            </a:r>
-            <a:r>
-              <a:rPr lang="zh-TW" altLang="en-US"/>
-              <a:t>桃高資訊社</a:t>
-            </a:r>
-          </a:p>
-        </p:txBody>
-      </p:sp>
-      <p:sp>
-        <p:nvSpPr>
-          <p:cNvPr id="10" name="投影片編號版面配置區 5">
-            <a:extLst>
-              <a:ext uri="{FF2B5EF4-FFF2-40B4-BE49-F238E27FC236}">
-                <a16:creationId xmlns:a16="http://schemas.microsoft.com/office/drawing/2014/main" id="{99F2AF6F-1679-4208-AC9D-B2480349397D}"/>
-              </a:ext>
-            </a:extLst>
-          </p:cNvPr>
-          <p:cNvSpPr txBox="1">
-            <a:spLocks/>
-          </p:cNvSpPr>
-          <p:nvPr/>
-        </p:nvSpPr>
-        <p:spPr>
-          <a:xfrm>
-            <a:off x="9448800" y="6492874"/>
-            <a:ext cx="2743200" cy="365125"/>
-          </a:xfrm>
-          <a:prstGeom prst="rect">
-            <a:avLst/>
-          </a:prstGeom>
-        </p:spPr>
-        <p:txBody>
-          <a:bodyPr vert="horz" lIns="91440" tIns="45720" rIns="91440" bIns="45720" rtlCol="0" anchor="ctr"/>
-          <a:lstStyle>
-            <a:defPPr>
-              <a:defRPr lang="zh-TW"/>
-            </a:defPPr>
-            <a:lvl1pPr marL="0" algn="r" defTabSz="914400" rtl="0" eaLnBrk="1" latinLnBrk="0" hangingPunct="1">
-              <a:defRPr sz="1200" kern="1200">
-                <a:solidFill>
-                  <a:schemeClr val="tx1">
-                    <a:tint val="75000"/>
-                  </a:schemeClr>
-                </a:solidFill>
-                <a:latin typeface="+mn-lt"/>
-                <a:ea typeface="+mn-ea"/>
-                <a:cs typeface="+mn-cs"/>
-              </a:defRPr>
-            </a:lvl1pPr>
-            <a:lvl2pPr marL="457200" algn="l" defTabSz="914400" rtl="0" eaLnBrk="1" latinLnBrk="0" hangingPunct="1">
-              <a:defRPr sz="1800" kern="1200">
-                <a:solidFill>
-                  <a:schemeClr val="tx1"/>
-                </a:solidFill>
-                <a:latin typeface="+mn-lt"/>
-                <a:ea typeface="+mn-ea"/>
-                <a:cs typeface="+mn-cs"/>
-              </a:defRPr>
-            </a:lvl2pPr>
-            <a:lvl3pPr marL="914400" algn="l" defTabSz="914400" rtl="0" eaLnBrk="1" latinLnBrk="0" hangingPunct="1">
-              <a:defRPr sz="1800" kern="1200">
-                <a:solidFill>
-                  <a:schemeClr val="tx1"/>
-                </a:solidFill>
-                <a:latin typeface="+mn-lt"/>
-                <a:ea typeface="+mn-ea"/>
-                <a:cs typeface="+mn-cs"/>
-              </a:defRPr>
-            </a:lvl3pPr>
-            <a:lvl4pPr marL="1371600" algn="l" defTabSz="914400" rtl="0" eaLnBrk="1" latinLnBrk="0" hangingPunct="1">
-              <a:defRPr sz="1800" kern="1200">
-                <a:solidFill>
-                  <a:schemeClr val="tx1"/>
-                </a:solidFill>
-                <a:latin typeface="+mn-lt"/>
-                <a:ea typeface="+mn-ea"/>
-                <a:cs typeface="+mn-cs"/>
-              </a:defRPr>
-            </a:lvl4pPr>
-            <a:lvl5pPr marL="1828800" algn="l" defTabSz="914400" rtl="0" eaLnBrk="1" latinLnBrk="0" hangingPunct="1">
-              <a:defRPr sz="1800" kern="1200">
-                <a:solidFill>
-                  <a:schemeClr val="tx1"/>
-                </a:solidFill>
-                <a:latin typeface="+mn-lt"/>
-                <a:ea typeface="+mn-ea"/>
-                <a:cs typeface="+mn-cs"/>
-              </a:defRPr>
-            </a:lvl5pPr>
-            <a:lvl6pPr marL="2286000" algn="l" defTabSz="914400" rtl="0" eaLnBrk="1" latinLnBrk="0" hangingPunct="1">
-              <a:defRPr sz="1800" kern="1200">
-                <a:solidFill>
-                  <a:schemeClr val="tx1"/>
-                </a:solidFill>
-                <a:latin typeface="+mn-lt"/>
-                <a:ea typeface="+mn-ea"/>
-                <a:cs typeface="+mn-cs"/>
-              </a:defRPr>
-            </a:lvl6pPr>
-            <a:lvl7pPr marL="2743200" algn="l" defTabSz="914400" rtl="0" eaLnBrk="1" latinLnBrk="0" hangingPunct="1">
-              <a:defRPr sz="1800" kern="1200">
-                <a:solidFill>
-                  <a:schemeClr val="tx1"/>
-                </a:solidFill>
-                <a:latin typeface="+mn-lt"/>
-                <a:ea typeface="+mn-ea"/>
-                <a:cs typeface="+mn-cs"/>
-              </a:defRPr>
-            </a:lvl7pPr>
-            <a:lvl8pPr marL="3200400" algn="l" defTabSz="914400" rtl="0" eaLnBrk="1" latinLnBrk="0" hangingPunct="1">
-              <a:defRPr sz="1800" kern="1200">
-                <a:solidFill>
-                  <a:schemeClr val="tx1"/>
-                </a:solidFill>
-                <a:latin typeface="+mn-lt"/>
-                <a:ea typeface="+mn-ea"/>
-                <a:cs typeface="+mn-cs"/>
-              </a:defRPr>
-            </a:lvl8pPr>
-            <a:lvl9pPr marL="3657600" algn="l" defTabSz="914400" rtl="0" eaLnBrk="1" latinLnBrk="0" hangingPunct="1">
-              <a:defRPr sz="1800" kern="1200">
-                <a:solidFill>
-                  <a:schemeClr val="tx1"/>
-                </a:solidFill>
-                <a:latin typeface="+mn-lt"/>
-                <a:ea typeface="+mn-ea"/>
-                <a:cs typeface="+mn-cs"/>
-              </a:defRPr>
-            </a:lvl9pPr>
-          </a:lstStyle>
-          <a:p>
-            <a:fld id="{D4328D90-2A6F-4F23-88A8-C5DCC2B5F307}" type="slidenum">
-              <a:rPr lang="zh-TW" altLang="en-US" smtClean="0"/>
-              <a:pPr/>
-              <a:t>‹#›</a:t>
-            </a:fld>
-            <a:endParaRPr lang="zh-TW" altLang="en-US"/>
-          </a:p>
-        </p:txBody>
-      </p:sp>
-    </p:spTree>
-    <p:extLst>
-      <p:ext uri="{BB962C8B-B14F-4D97-AF65-F5344CB8AC3E}">
-        <p14:creationId xmlns:p14="http://schemas.microsoft.com/office/powerpoint/2010/main" val="4114960366"/>
+        <p14:creationId xmlns:p14="http://schemas.microsoft.com/office/powerpoint/2010/main" val="228867929"/>
       </p:ext>
     </p:extLst>
   </p:cSld>
@@ -8086,24 +2024,16 @@
     </p:spTree>
     <p:extLst>
       <p:ext uri="{BB962C8B-B14F-4D97-AF65-F5344CB8AC3E}">
-        <p14:creationId xmlns:p14="http://schemas.microsoft.com/office/powerpoint/2010/main" val="52974683"/>
+        <p14:creationId xmlns:p14="http://schemas.microsoft.com/office/powerpoint/2010/main" val="528387556"/>
       </p:ext>
     </p:extLst>
   </p:cSld>
   <p:clrMap bg1="dk1" tx1="lt1" bg2="dk2" tx2="lt2" accent1="accent1" accent2="accent2" accent3="accent3" accent4="accent4" accent5="accent5" accent6="accent6" hlink="hlink" folHlink="folHlink"/>
   <p:sldLayoutIdLst>
-    <p:sldLayoutId id="2147483661" r:id="rId1"/>
-    <p:sldLayoutId id="2147483662" r:id="rId2"/>
-    <p:sldLayoutId id="2147483663" r:id="rId3"/>
-    <p:sldLayoutId id="2147483664" r:id="rId4"/>
-    <p:sldLayoutId id="2147483665" r:id="rId5"/>
-    <p:sldLayoutId id="2147483666" r:id="rId6"/>
-    <p:sldLayoutId id="2147483667" r:id="rId7"/>
-    <p:sldLayoutId id="2147483668" r:id="rId8"/>
-    <p:sldLayoutId id="2147483669" r:id="rId9"/>
-    <p:sldLayoutId id="2147483670" r:id="rId10"/>
-    <p:sldLayoutId id="2147483671" r:id="rId11"/>
-    <p:sldLayoutId id="2147483672" r:id="rId12"/>
+    <p:sldLayoutId id="2147483674" r:id="rId1"/>
+    <p:sldLayoutId id="2147483675" r:id="rId2"/>
+    <p:sldLayoutId id="2147483676" r:id="rId3"/>
+    <p:sldLayoutId id="2147483677" r:id="rId4"/>
   </p:sldLayoutIdLst>
   <p:transition spd="slow">
     <p:push dir="u"/>
@@ -8464,7 +2394,7 @@
             </a:r>
             <a:r>
               <a:rPr lang="zh-TW" altLang="en-US"/>
-              <a:t>桃高資訊社</a:t>
+              <a:t> 桃高資訊社</a:t>
             </a:r>
           </a:p>
         </p:txBody>
@@ -8518,12 +2448,7 @@
             <p:ph type="title"/>
           </p:nvPr>
         </p:nvSpPr>
-        <p:spPr>
-          <a:xfrm>
-            <a:off x="838200" y="365125"/>
-            <a:ext cx="10515600" cy="1325563"/>
-          </a:xfrm>
-        </p:spPr>
+        <p:spPr/>
         <p:txBody>
           <a:bodyPr/>
           <a:lstStyle/>
@@ -10785,12 +4710,7 @@
             <p:ph type="title"/>
           </p:nvPr>
         </p:nvSpPr>
-        <p:spPr>
-          <a:xfrm>
-            <a:off x="838200" y="365125"/>
-            <a:ext cx="10515600" cy="1325563"/>
-          </a:xfrm>
-        </p:spPr>
+        <p:spPr/>
         <p:txBody>
           <a:bodyPr/>
           <a:lstStyle/>
@@ -10818,12 +4738,7 @@
             <p:ph idx="1"/>
           </p:nvPr>
         </p:nvSpPr>
-        <p:spPr>
-          <a:xfrm>
-            <a:off x="838200" y="1825625"/>
-            <a:ext cx="10515600" cy="4351338"/>
-          </a:xfrm>
-        </p:spPr>
+        <p:spPr/>
         <p:txBody>
           <a:bodyPr/>
           <a:lstStyle/>
@@ -25402,7 +19317,7 @@
   <a:extraClrSchemeLst/>
   <a:extLst>
     <a:ext uri="{05A4C25C-085E-4340-85A3-A5531E510DB2}">
-      <thm15:themeFamily xmlns:thm15="http://schemas.microsoft.com/office/thememl/2012/main" name="TYIC" id="{E2D9765B-27E6-4F7D-BDAB-2CD480706C35}" vid="{D1D4527B-6C29-4E80-850E-305C16F473BE}"/>
+      <thm15:themeFamily xmlns:thm15="http://schemas.microsoft.com/office/thememl/2012/main" name="TYIC" id="{1CBE48E2-41FD-4EDA-8801-606A138B7FC3}" vid="{F6EAACDE-0833-4468-B256-0551E0034979}"/>
     </a:ext>
   </a:extLst>
 </a:theme>
